--- a/2022/June_Batch/5Javascript/24-07-22/1javascript - Basic-Level-1.pptx
+++ b/2022/June_Batch/5Javascript/24-07-22/1javascript - Basic-Level-1.pptx
@@ -14,15 +14,6 @@
     <p:sldId id="327" r:id="rId8"/>
     <p:sldId id="328" r:id="rId9"/>
     <p:sldId id="329" r:id="rId10"/>
-    <p:sldId id="330" r:id="rId11"/>
-    <p:sldId id="331" r:id="rId12"/>
-    <p:sldId id="332" r:id="rId13"/>
-    <p:sldId id="394" r:id="rId14"/>
-    <p:sldId id="395" r:id="rId15"/>
-    <p:sldId id="396" r:id="rId16"/>
-    <p:sldId id="397" r:id="rId17"/>
-    <p:sldId id="398" r:id="rId18"/>
-    <p:sldId id="399" r:id="rId19"/>
   </p:sldIdLst>
   <p:sldSz cx="12192000" cy="6858000"/>
   <p:notesSz cx="6858000" cy="9144000"/>
@@ -123,7 +114,7 @@
   </p:defaultTextStyle>
   <p:extLst>
     <p:ext uri="{EFAFB233-063F-42B5-8137-9DF3F51BA10A}">
-      <p15:sldGuideLst xmlns="" xmlns:p15="http://schemas.microsoft.com/office/powerpoint/2012/main">
+      <p15:sldGuideLst xmlns:p15="http://schemas.microsoft.com/office/powerpoint/2012/main" xmlns="">
         <p15:guide id="1" orient="horz" pos="2160">
           <p15:clr>
             <a:srgbClr val="A4A3A4"/>
@@ -272,7 +263,7 @@
             <a:fld id="{7FCC5AE5-E495-4913-B643-A95A6AFABB00}" type="datetimeFigureOut">
               <a:rPr kumimoji="1" lang="ja-JP" altLang="en-US" smtClean="0"/>
               <a:pPr/>
-              <a:t>2022/7/24</a:t>
+              <a:t>2022/7/25</a:t>
             </a:fld>
             <a:endParaRPr kumimoji="1" lang="ja-JP" altLang="en-US"/>
           </a:p>
@@ -324,7 +315,7 @@
     </p:spTree>
     <p:extLst>
       <p:ext uri="{BB962C8B-B14F-4D97-AF65-F5344CB8AC3E}">
-        <p14:creationId xmlns="" xmlns:p14="http://schemas.microsoft.com/office/powerpoint/2010/main" val="3096064434"/>
+        <p14:creationId xmlns:p14="http://schemas.microsoft.com/office/powerpoint/2010/main" xmlns="" val="3096064434"/>
       </p:ext>
     </p:extLst>
   </p:cSld>
@@ -444,7 +435,7 @@
             <a:fld id="{7FCC5AE5-E495-4913-B643-A95A6AFABB00}" type="datetimeFigureOut">
               <a:rPr kumimoji="1" lang="ja-JP" altLang="en-US" smtClean="0"/>
               <a:pPr/>
-              <a:t>2022/7/24</a:t>
+              <a:t>2022/7/25</a:t>
             </a:fld>
             <a:endParaRPr kumimoji="1" lang="ja-JP" altLang="en-US"/>
           </a:p>
@@ -496,7 +487,7 @@
     </p:spTree>
     <p:extLst>
       <p:ext uri="{BB962C8B-B14F-4D97-AF65-F5344CB8AC3E}">
-        <p14:creationId xmlns="" xmlns:p14="http://schemas.microsoft.com/office/powerpoint/2010/main" val="71407721"/>
+        <p14:creationId xmlns:p14="http://schemas.microsoft.com/office/powerpoint/2010/main" xmlns="" val="71407721"/>
       </p:ext>
     </p:extLst>
   </p:cSld>
@@ -626,7 +617,7 @@
             <a:fld id="{7FCC5AE5-E495-4913-B643-A95A6AFABB00}" type="datetimeFigureOut">
               <a:rPr kumimoji="1" lang="ja-JP" altLang="en-US" smtClean="0"/>
               <a:pPr/>
-              <a:t>2022/7/24</a:t>
+              <a:t>2022/7/25</a:t>
             </a:fld>
             <a:endParaRPr kumimoji="1" lang="ja-JP" altLang="en-US"/>
           </a:p>
@@ -678,7 +669,7 @@
     </p:spTree>
     <p:extLst>
       <p:ext uri="{BB962C8B-B14F-4D97-AF65-F5344CB8AC3E}">
-        <p14:creationId xmlns="" xmlns:p14="http://schemas.microsoft.com/office/powerpoint/2010/main" val="3852493858"/>
+        <p14:creationId xmlns:p14="http://schemas.microsoft.com/office/powerpoint/2010/main" xmlns="" val="3852493858"/>
       </p:ext>
     </p:extLst>
   </p:cSld>
@@ -798,7 +789,7 @@
             <a:fld id="{7FCC5AE5-E495-4913-B643-A95A6AFABB00}" type="datetimeFigureOut">
               <a:rPr kumimoji="1" lang="ja-JP" altLang="en-US" smtClean="0"/>
               <a:pPr/>
-              <a:t>2022/7/24</a:t>
+              <a:t>2022/7/25</a:t>
             </a:fld>
             <a:endParaRPr kumimoji="1" lang="ja-JP" altLang="en-US"/>
           </a:p>
@@ -850,7 +841,7 @@
     </p:spTree>
     <p:extLst>
       <p:ext uri="{BB962C8B-B14F-4D97-AF65-F5344CB8AC3E}">
-        <p14:creationId xmlns="" xmlns:p14="http://schemas.microsoft.com/office/powerpoint/2010/main" val="282795843"/>
+        <p14:creationId xmlns:p14="http://schemas.microsoft.com/office/powerpoint/2010/main" xmlns="" val="282795843"/>
       </p:ext>
     </p:extLst>
   </p:cSld>
@@ -1046,7 +1037,7 @@
             <a:fld id="{7FCC5AE5-E495-4913-B643-A95A6AFABB00}" type="datetimeFigureOut">
               <a:rPr kumimoji="1" lang="ja-JP" altLang="en-US" smtClean="0"/>
               <a:pPr/>
-              <a:t>2022/7/24</a:t>
+              <a:t>2022/7/25</a:t>
             </a:fld>
             <a:endParaRPr kumimoji="1" lang="ja-JP" altLang="en-US"/>
           </a:p>
@@ -1098,7 +1089,7 @@
     </p:spTree>
     <p:extLst>
       <p:ext uri="{BB962C8B-B14F-4D97-AF65-F5344CB8AC3E}">
-        <p14:creationId xmlns="" xmlns:p14="http://schemas.microsoft.com/office/powerpoint/2010/main" val="1315004973"/>
+        <p14:creationId xmlns:p14="http://schemas.microsoft.com/office/powerpoint/2010/main" xmlns="" val="1315004973"/>
       </p:ext>
     </p:extLst>
   </p:cSld>
@@ -1280,7 +1271,7 @@
             <a:fld id="{7FCC5AE5-E495-4913-B643-A95A6AFABB00}" type="datetimeFigureOut">
               <a:rPr kumimoji="1" lang="ja-JP" altLang="en-US" smtClean="0"/>
               <a:pPr/>
-              <a:t>2022/7/24</a:t>
+              <a:t>2022/7/25</a:t>
             </a:fld>
             <a:endParaRPr kumimoji="1" lang="ja-JP" altLang="en-US"/>
           </a:p>
@@ -1332,7 +1323,7 @@
     </p:spTree>
     <p:extLst>
       <p:ext uri="{BB962C8B-B14F-4D97-AF65-F5344CB8AC3E}">
-        <p14:creationId xmlns="" xmlns:p14="http://schemas.microsoft.com/office/powerpoint/2010/main" val="3048296005"/>
+        <p14:creationId xmlns:p14="http://schemas.microsoft.com/office/powerpoint/2010/main" xmlns="" val="3048296005"/>
       </p:ext>
     </p:extLst>
   </p:cSld>
@@ -1649,7 +1640,7 @@
             <a:fld id="{7FCC5AE5-E495-4913-B643-A95A6AFABB00}" type="datetimeFigureOut">
               <a:rPr kumimoji="1" lang="ja-JP" altLang="en-US" smtClean="0"/>
               <a:pPr/>
-              <a:t>2022/7/24</a:t>
+              <a:t>2022/7/25</a:t>
             </a:fld>
             <a:endParaRPr kumimoji="1" lang="ja-JP" altLang="en-US"/>
           </a:p>
@@ -1701,7 +1692,7 @@
     </p:spTree>
     <p:extLst>
       <p:ext uri="{BB962C8B-B14F-4D97-AF65-F5344CB8AC3E}">
-        <p14:creationId xmlns="" xmlns:p14="http://schemas.microsoft.com/office/powerpoint/2010/main" val="890299385"/>
+        <p14:creationId xmlns:p14="http://schemas.microsoft.com/office/powerpoint/2010/main" xmlns="" val="890299385"/>
       </p:ext>
     </p:extLst>
   </p:cSld>
@@ -1769,7 +1760,7 @@
             <a:fld id="{7FCC5AE5-E495-4913-B643-A95A6AFABB00}" type="datetimeFigureOut">
               <a:rPr kumimoji="1" lang="ja-JP" altLang="en-US" smtClean="0"/>
               <a:pPr/>
-              <a:t>2022/7/24</a:t>
+              <a:t>2022/7/25</a:t>
             </a:fld>
             <a:endParaRPr kumimoji="1" lang="ja-JP" altLang="en-US"/>
           </a:p>
@@ -1821,7 +1812,7 @@
     </p:spTree>
     <p:extLst>
       <p:ext uri="{BB962C8B-B14F-4D97-AF65-F5344CB8AC3E}">
-        <p14:creationId xmlns="" xmlns:p14="http://schemas.microsoft.com/office/powerpoint/2010/main" val="2049573599"/>
+        <p14:creationId xmlns:p14="http://schemas.microsoft.com/office/powerpoint/2010/main" xmlns="" val="2049573599"/>
       </p:ext>
     </p:extLst>
   </p:cSld>
@@ -1866,7 +1857,7 @@
             <a:fld id="{7FCC5AE5-E495-4913-B643-A95A6AFABB00}" type="datetimeFigureOut">
               <a:rPr kumimoji="1" lang="ja-JP" altLang="en-US" smtClean="0"/>
               <a:pPr/>
-              <a:t>2022/7/24</a:t>
+              <a:t>2022/7/25</a:t>
             </a:fld>
             <a:endParaRPr kumimoji="1" lang="ja-JP" altLang="en-US"/>
           </a:p>
@@ -1918,7 +1909,7 @@
     </p:spTree>
     <p:extLst>
       <p:ext uri="{BB962C8B-B14F-4D97-AF65-F5344CB8AC3E}">
-        <p14:creationId xmlns="" xmlns:p14="http://schemas.microsoft.com/office/powerpoint/2010/main" val="1896888541"/>
+        <p14:creationId xmlns:p14="http://schemas.microsoft.com/office/powerpoint/2010/main" xmlns="" val="1896888541"/>
       </p:ext>
     </p:extLst>
   </p:cSld>
@@ -2145,7 +2136,7 @@
             <a:fld id="{7FCC5AE5-E495-4913-B643-A95A6AFABB00}" type="datetimeFigureOut">
               <a:rPr kumimoji="1" lang="ja-JP" altLang="en-US" smtClean="0"/>
               <a:pPr/>
-              <a:t>2022/7/24</a:t>
+              <a:t>2022/7/25</a:t>
             </a:fld>
             <a:endParaRPr kumimoji="1" lang="ja-JP" altLang="en-US"/>
           </a:p>
@@ -2197,7 +2188,7 @@
     </p:spTree>
     <p:extLst>
       <p:ext uri="{BB962C8B-B14F-4D97-AF65-F5344CB8AC3E}">
-        <p14:creationId xmlns="" xmlns:p14="http://schemas.microsoft.com/office/powerpoint/2010/main" val="1581260034"/>
+        <p14:creationId xmlns:p14="http://schemas.microsoft.com/office/powerpoint/2010/main" xmlns="" val="1581260034"/>
       </p:ext>
     </p:extLst>
   </p:cSld>
@@ -2404,7 +2395,7 @@
             <a:fld id="{7FCC5AE5-E495-4913-B643-A95A6AFABB00}" type="datetimeFigureOut">
               <a:rPr kumimoji="1" lang="ja-JP" altLang="en-US" smtClean="0"/>
               <a:pPr/>
-              <a:t>2022/7/24</a:t>
+              <a:t>2022/7/25</a:t>
             </a:fld>
             <a:endParaRPr kumimoji="1" lang="ja-JP" altLang="en-US"/>
           </a:p>
@@ -2456,7 +2447,7 @@
     </p:spTree>
     <p:extLst>
       <p:ext uri="{BB962C8B-B14F-4D97-AF65-F5344CB8AC3E}">
-        <p14:creationId xmlns="" xmlns:p14="http://schemas.microsoft.com/office/powerpoint/2010/main" val="2397771766"/>
+        <p14:creationId xmlns:p14="http://schemas.microsoft.com/office/powerpoint/2010/main" xmlns="" val="2397771766"/>
       </p:ext>
     </p:extLst>
   </p:cSld>
@@ -2619,7 +2610,7 @@
             <a:fld id="{7FCC5AE5-E495-4913-B643-A95A6AFABB00}" type="datetimeFigureOut">
               <a:rPr kumimoji="1" lang="ja-JP" altLang="en-US" smtClean="0"/>
               <a:pPr/>
-              <a:t>2022/7/24</a:t>
+              <a:t>2022/7/25</a:t>
             </a:fld>
             <a:endParaRPr kumimoji="1" lang="ja-JP" altLang="en-US"/>
           </a:p>
@@ -2709,7 +2700,7 @@
           <p:cNvPr id="7" name="TextBox 6">
             <a:extLst>
               <a:ext uri="{FF2B5EF4-FFF2-40B4-BE49-F238E27FC236}">
-                <a16:creationId xmlns="" xmlns:a16="http://schemas.microsoft.com/office/drawing/2014/main" id="{847969B0-9AAB-4EBF-AF99-17A470D83F03}"/>
+                <a16:creationId xmlns:a16="http://schemas.microsoft.com/office/drawing/2014/main" xmlns="" id="{847969B0-9AAB-4EBF-AF99-17A470D83F03}"/>
               </a:ext>
             </a:extLst>
           </p:cNvPr>
@@ -2756,7 +2747,7 @@
     </p:spTree>
     <p:extLst>
       <p:ext uri="{BB962C8B-B14F-4D97-AF65-F5344CB8AC3E}">
-        <p14:creationId xmlns="" xmlns:p14="http://schemas.microsoft.com/office/powerpoint/2010/main" val="492407304"/>
+        <p14:creationId xmlns:p14="http://schemas.microsoft.com/office/powerpoint/2010/main" xmlns="" val="492407304"/>
       </p:ext>
     </p:extLst>
   </p:cSld>
@@ -3180,6905 +3171,7 @@
     </p:spTree>
     <p:extLst>
       <p:ext uri="{BB962C8B-B14F-4D97-AF65-F5344CB8AC3E}">
-        <p14:creationId xmlns="" xmlns:p14="http://schemas.microsoft.com/office/powerpoint/2010/main" val="4062787881"/>
-      </p:ext>
-    </p:extLst>
-  </p:cSld>
-  <p:clrMapOvr>
-    <a:masterClrMapping/>
-  </p:clrMapOvr>
-  <p:timing>
-    <p:tnLst>
-      <p:par>
-        <p:cTn id="1" dur="indefinite" restart="never" nodeType="tmRoot"/>
-      </p:par>
-    </p:tnLst>
-  </p:timing>
-</p:sld>
-</file>
-
-<file path=ppt/slides/slide10.xml><?xml version="1.0" encoding="utf-8"?>
-<p:sld xmlns:a="http://schemas.openxmlformats.org/drawingml/2006/main" xmlns:r="http://schemas.openxmlformats.org/officeDocument/2006/relationships" xmlns:p="http://schemas.openxmlformats.org/presentationml/2006/main">
-  <p:cSld>
-    <p:spTree>
-      <p:nvGrpSpPr>
-        <p:cNvPr id="1" name=""/>
-        <p:cNvGrpSpPr/>
-        <p:nvPr/>
-      </p:nvGrpSpPr>
-      <p:grpSpPr>
-        <a:xfrm>
-          <a:off x="0" y="0"/>
-          <a:ext cx="0" cy="0"/>
-          <a:chOff x="0" y="0"/>
-          <a:chExt cx="0" cy="0"/>
-        </a:xfrm>
-      </p:grpSpPr>
-      <p:sp>
-        <p:nvSpPr>
-          <p:cNvPr id="4" name="Content Placeholder 13"/>
-          <p:cNvSpPr txBox="1">
-            <a:spLocks/>
-          </p:cNvSpPr>
-          <p:nvPr/>
-        </p:nvSpPr>
-        <p:spPr>
-          <a:xfrm>
-            <a:off x="321126" y="144620"/>
-            <a:ext cx="9791700" cy="630192"/>
-          </a:xfrm>
-          <a:prstGeom prst="rect">
-            <a:avLst/>
-          </a:prstGeom>
-        </p:spPr>
-        <p:txBody>
-          <a:bodyPr vert="horz" lIns="91440" tIns="45720" rIns="91440" bIns="45720" rtlCol="0">
-            <a:noAutofit/>
-          </a:bodyPr>
-          <a:lstStyle>
-            <a:lvl1pPr marL="0" indent="0" algn="ctr" defTabSz="914400" rtl="0" eaLnBrk="1" latinLnBrk="0" hangingPunct="1">
-              <a:lnSpc>
-                <a:spcPct val="90000"/>
-              </a:lnSpc>
-              <a:spcBef>
-                <a:spcPts val="1000"/>
-              </a:spcBef>
-              <a:buFont typeface="Arial" panose="020B0604020202020204" pitchFamily="34" charset="0"/>
-              <a:buNone/>
-              <a:defRPr kumimoji="1" sz="2400" kern="1200">
-                <a:solidFill>
-                  <a:schemeClr val="tx1"/>
-                </a:solidFill>
-                <a:latin typeface="+mn-lt"/>
-                <a:ea typeface="+mn-ea"/>
-                <a:cs typeface="+mn-cs"/>
-              </a:defRPr>
-            </a:lvl1pPr>
-            <a:lvl2pPr marL="457200" indent="0" algn="ctr" defTabSz="914400" rtl="0" eaLnBrk="1" latinLnBrk="0" hangingPunct="1">
-              <a:lnSpc>
-                <a:spcPct val="90000"/>
-              </a:lnSpc>
-              <a:spcBef>
-                <a:spcPts val="500"/>
-              </a:spcBef>
-              <a:buFont typeface="Arial" panose="020B0604020202020204" pitchFamily="34" charset="0"/>
-              <a:buNone/>
-              <a:defRPr kumimoji="1" sz="2000" kern="1200">
-                <a:solidFill>
-                  <a:schemeClr val="tx1"/>
-                </a:solidFill>
-                <a:latin typeface="+mn-lt"/>
-                <a:ea typeface="+mn-ea"/>
-                <a:cs typeface="+mn-cs"/>
-              </a:defRPr>
-            </a:lvl2pPr>
-            <a:lvl3pPr marL="914400" indent="0" algn="ctr" defTabSz="914400" rtl="0" eaLnBrk="1" latinLnBrk="0" hangingPunct="1">
-              <a:lnSpc>
-                <a:spcPct val="90000"/>
-              </a:lnSpc>
-              <a:spcBef>
-                <a:spcPts val="500"/>
-              </a:spcBef>
-              <a:buFont typeface="Arial" panose="020B0604020202020204" pitchFamily="34" charset="0"/>
-              <a:buNone/>
-              <a:defRPr kumimoji="1" sz="1800" kern="1200">
-                <a:solidFill>
-                  <a:schemeClr val="tx1"/>
-                </a:solidFill>
-                <a:latin typeface="+mn-lt"/>
-                <a:ea typeface="+mn-ea"/>
-                <a:cs typeface="+mn-cs"/>
-              </a:defRPr>
-            </a:lvl3pPr>
-            <a:lvl4pPr marL="1371600" indent="0" algn="ctr" defTabSz="914400" rtl="0" eaLnBrk="1" latinLnBrk="0" hangingPunct="1">
-              <a:lnSpc>
-                <a:spcPct val="90000"/>
-              </a:lnSpc>
-              <a:spcBef>
-                <a:spcPts val="500"/>
-              </a:spcBef>
-              <a:buFont typeface="Arial" panose="020B0604020202020204" pitchFamily="34" charset="0"/>
-              <a:buNone/>
-              <a:defRPr kumimoji="1" sz="1600" kern="1200">
-                <a:solidFill>
-                  <a:schemeClr val="tx1"/>
-                </a:solidFill>
-                <a:latin typeface="+mn-lt"/>
-                <a:ea typeface="+mn-ea"/>
-                <a:cs typeface="+mn-cs"/>
-              </a:defRPr>
-            </a:lvl4pPr>
-            <a:lvl5pPr marL="1828800" indent="0" algn="ctr" defTabSz="914400" rtl="0" eaLnBrk="1" latinLnBrk="0" hangingPunct="1">
-              <a:lnSpc>
-                <a:spcPct val="90000"/>
-              </a:lnSpc>
-              <a:spcBef>
-                <a:spcPts val="500"/>
-              </a:spcBef>
-              <a:buFont typeface="Arial" panose="020B0604020202020204" pitchFamily="34" charset="0"/>
-              <a:buNone/>
-              <a:defRPr kumimoji="1" sz="1600" kern="1200">
-                <a:solidFill>
-                  <a:schemeClr val="tx1"/>
-                </a:solidFill>
-                <a:latin typeface="+mn-lt"/>
-                <a:ea typeface="+mn-ea"/>
-                <a:cs typeface="+mn-cs"/>
-              </a:defRPr>
-            </a:lvl5pPr>
-            <a:lvl6pPr marL="2286000" indent="0" algn="ctr" defTabSz="914400" rtl="0" eaLnBrk="1" latinLnBrk="0" hangingPunct="1">
-              <a:lnSpc>
-                <a:spcPct val="90000"/>
-              </a:lnSpc>
-              <a:spcBef>
-                <a:spcPts val="500"/>
-              </a:spcBef>
-              <a:buFont typeface="Arial" panose="020B0604020202020204" pitchFamily="34" charset="0"/>
-              <a:buNone/>
-              <a:defRPr kumimoji="1" sz="1600" kern="1200">
-                <a:solidFill>
-                  <a:schemeClr val="tx1"/>
-                </a:solidFill>
-                <a:latin typeface="+mn-lt"/>
-                <a:ea typeface="+mn-ea"/>
-                <a:cs typeface="+mn-cs"/>
-              </a:defRPr>
-            </a:lvl6pPr>
-            <a:lvl7pPr marL="2743200" indent="0" algn="ctr" defTabSz="914400" rtl="0" eaLnBrk="1" latinLnBrk="0" hangingPunct="1">
-              <a:lnSpc>
-                <a:spcPct val="90000"/>
-              </a:lnSpc>
-              <a:spcBef>
-                <a:spcPts val="500"/>
-              </a:spcBef>
-              <a:buFont typeface="Arial" panose="020B0604020202020204" pitchFamily="34" charset="0"/>
-              <a:buNone/>
-              <a:defRPr kumimoji="1" sz="1600" kern="1200">
-                <a:solidFill>
-                  <a:schemeClr val="tx1"/>
-                </a:solidFill>
-                <a:latin typeface="+mn-lt"/>
-                <a:ea typeface="+mn-ea"/>
-                <a:cs typeface="+mn-cs"/>
-              </a:defRPr>
-            </a:lvl7pPr>
-            <a:lvl8pPr marL="3200400" indent="0" algn="ctr" defTabSz="914400" rtl="0" eaLnBrk="1" latinLnBrk="0" hangingPunct="1">
-              <a:lnSpc>
-                <a:spcPct val="90000"/>
-              </a:lnSpc>
-              <a:spcBef>
-                <a:spcPts val="500"/>
-              </a:spcBef>
-              <a:buFont typeface="Arial" panose="020B0604020202020204" pitchFamily="34" charset="0"/>
-              <a:buNone/>
-              <a:defRPr kumimoji="1" sz="1600" kern="1200">
-                <a:solidFill>
-                  <a:schemeClr val="tx1"/>
-                </a:solidFill>
-                <a:latin typeface="+mn-lt"/>
-                <a:ea typeface="+mn-ea"/>
-                <a:cs typeface="+mn-cs"/>
-              </a:defRPr>
-            </a:lvl8pPr>
-            <a:lvl9pPr marL="3657600" indent="0" algn="ctr" defTabSz="914400" rtl="0" eaLnBrk="1" latinLnBrk="0" hangingPunct="1">
-              <a:lnSpc>
-                <a:spcPct val="90000"/>
-              </a:lnSpc>
-              <a:spcBef>
-                <a:spcPts val="500"/>
-              </a:spcBef>
-              <a:buFont typeface="Arial" panose="020B0604020202020204" pitchFamily="34" charset="0"/>
-              <a:buNone/>
-              <a:defRPr kumimoji="1" sz="1600" kern="1200">
-                <a:solidFill>
-                  <a:schemeClr val="tx1"/>
-                </a:solidFill>
-                <a:latin typeface="+mn-lt"/>
-                <a:ea typeface="+mn-ea"/>
-                <a:cs typeface="+mn-cs"/>
-              </a:defRPr>
-            </a:lvl9pPr>
-          </a:lstStyle>
-          <a:p>
-            <a:pPr algn="l"/>
-            <a:r>
-              <a:rPr lang="en-US" sz="3600" b="1" dirty="0" smtClean="0">
-                <a:solidFill>
-                  <a:srgbClr val="0064B5"/>
-                </a:solidFill>
-              </a:rPr>
-              <a:t>JavaScript Operators </a:t>
-            </a:r>
-            <a:r>
-              <a:rPr lang="en-US" sz="3600" b="1" dirty="0">
-                <a:solidFill>
-                  <a:srgbClr val="0064B5"/>
-                </a:solidFill>
-              </a:rPr>
-              <a:t>- Comparison</a:t>
-            </a:r>
-          </a:p>
-        </p:txBody>
-      </p:sp>
-      <p:sp>
-        <p:nvSpPr>
-          <p:cNvPr id="7" name="Rectangle 6"/>
-          <p:cNvSpPr/>
-          <p:nvPr/>
-        </p:nvSpPr>
-        <p:spPr>
-          <a:xfrm>
-            <a:off x="7225883" y="837960"/>
-            <a:ext cx="4347807" cy="5350453"/>
-          </a:xfrm>
-          <a:prstGeom prst="rect">
-            <a:avLst/>
-          </a:prstGeom>
-          <a:gradFill flip="none" rotWithShape="1">
-            <a:gsLst>
-              <a:gs pos="0">
-                <a:schemeClr val="bg2"/>
-              </a:gs>
-              <a:gs pos="50000">
-                <a:schemeClr val="accent3">
-                  <a:lumMod val="20000"/>
-                  <a:lumOff val="80000"/>
-                  <a:shade val="67500"/>
-                  <a:satMod val="115000"/>
-                </a:schemeClr>
-              </a:gs>
-              <a:gs pos="100000">
-                <a:schemeClr val="accent3">
-                  <a:lumMod val="20000"/>
-                  <a:lumOff val="80000"/>
-                  <a:shade val="100000"/>
-                  <a:satMod val="115000"/>
-                </a:schemeClr>
-              </a:gs>
-            </a:gsLst>
-            <a:lin ang="6600000" scaled="0"/>
-            <a:tileRect/>
-          </a:gradFill>
-          <a:ln>
-            <a:solidFill>
-              <a:schemeClr val="tx1">
-                <a:lumMod val="50000"/>
-                <a:lumOff val="50000"/>
-              </a:schemeClr>
-            </a:solidFill>
-          </a:ln>
-        </p:spPr>
-        <p:style>
-          <a:lnRef idx="2">
-            <a:schemeClr val="accent1">
-              <a:shade val="50000"/>
-            </a:schemeClr>
-          </a:lnRef>
-          <a:fillRef idx="1">
-            <a:schemeClr val="accent1"/>
-          </a:fillRef>
-          <a:effectRef idx="0">
-            <a:schemeClr val="accent1"/>
-          </a:effectRef>
-          <a:fontRef idx="minor">
-            <a:schemeClr val="lt1"/>
-          </a:fontRef>
-        </p:style>
-        <p:txBody>
-          <a:bodyPr rtlCol="0" anchor="ctr"/>
-          <a:lstStyle/>
-          <a:p>
-            <a:r>
-              <a:rPr lang="en-US" sz="1500" b="1" u="sng" dirty="0">
-                <a:solidFill>
-                  <a:schemeClr val="tx1"/>
-                </a:solidFill>
-              </a:rPr>
-              <a:t>Example: Comparison Operators</a:t>
-            </a:r>
-          </a:p>
-          <a:p>
-            <a:endParaRPr lang="en-US" sz="1500" dirty="0" smtClean="0">
-              <a:solidFill>
-                <a:schemeClr val="tx1"/>
-              </a:solidFill>
-            </a:endParaRPr>
-          </a:p>
-          <a:p>
-            <a:r>
-              <a:rPr lang="en-US" sz="1500" dirty="0" err="1">
-                <a:solidFill>
-                  <a:schemeClr val="tx1"/>
-                </a:solidFill>
-              </a:rPr>
-              <a:t>var</a:t>
-            </a:r>
-            <a:r>
-              <a:rPr lang="en-US" sz="1500" dirty="0">
-                <a:solidFill>
-                  <a:schemeClr val="tx1"/>
-                </a:solidFill>
-              </a:rPr>
-              <a:t> a = 5, b = 10, c = "5";</a:t>
-            </a:r>
-          </a:p>
-          <a:p>
-            <a:r>
-              <a:rPr lang="en-US" sz="1500" dirty="0" err="1">
-                <a:solidFill>
-                  <a:schemeClr val="tx1"/>
-                </a:solidFill>
-              </a:rPr>
-              <a:t>var</a:t>
-            </a:r>
-            <a:r>
-              <a:rPr lang="en-US" sz="1500" dirty="0">
-                <a:solidFill>
-                  <a:schemeClr val="tx1"/>
-                </a:solidFill>
-              </a:rPr>
-              <a:t> x = a;</a:t>
-            </a:r>
-          </a:p>
-          <a:p>
-            <a:endParaRPr lang="en-US" sz="1500" dirty="0">
-              <a:solidFill>
-                <a:schemeClr val="tx1"/>
-              </a:solidFill>
-            </a:endParaRPr>
-          </a:p>
-          <a:p>
-            <a:r>
-              <a:rPr lang="en-US" sz="1500" dirty="0">
-                <a:solidFill>
-                  <a:schemeClr val="tx1"/>
-                </a:solidFill>
-              </a:rPr>
-              <a:t>a == c; // returns true</a:t>
-            </a:r>
-          </a:p>
-          <a:p>
-            <a:endParaRPr lang="en-US" sz="1500" dirty="0">
-              <a:solidFill>
-                <a:schemeClr val="tx1"/>
-              </a:solidFill>
-            </a:endParaRPr>
-          </a:p>
-          <a:p>
-            <a:r>
-              <a:rPr lang="en-US" sz="1500" dirty="0">
-                <a:solidFill>
-                  <a:schemeClr val="tx1"/>
-                </a:solidFill>
-              </a:rPr>
-              <a:t>a === c; // returns false</a:t>
-            </a:r>
-          </a:p>
-          <a:p>
-            <a:endParaRPr lang="en-US" sz="1500" dirty="0">
-              <a:solidFill>
-                <a:schemeClr val="tx1"/>
-              </a:solidFill>
-            </a:endParaRPr>
-          </a:p>
-          <a:p>
-            <a:r>
-              <a:rPr lang="en-US" sz="1500" dirty="0">
-                <a:solidFill>
-                  <a:schemeClr val="tx1"/>
-                </a:solidFill>
-              </a:rPr>
-              <a:t>a == x; // returns true</a:t>
-            </a:r>
-          </a:p>
-          <a:p>
-            <a:endParaRPr lang="en-US" sz="1500" dirty="0">
-              <a:solidFill>
-                <a:schemeClr val="tx1"/>
-              </a:solidFill>
-            </a:endParaRPr>
-          </a:p>
-          <a:p>
-            <a:r>
-              <a:rPr lang="en-US" sz="1500" dirty="0">
-                <a:solidFill>
-                  <a:schemeClr val="tx1"/>
-                </a:solidFill>
-              </a:rPr>
-              <a:t>a != b; // returns true</a:t>
-            </a:r>
-          </a:p>
-          <a:p>
-            <a:endParaRPr lang="en-US" sz="1500" dirty="0">
-              <a:solidFill>
-                <a:schemeClr val="tx1"/>
-              </a:solidFill>
-            </a:endParaRPr>
-          </a:p>
-          <a:p>
-            <a:r>
-              <a:rPr lang="en-US" sz="1500" dirty="0">
-                <a:solidFill>
-                  <a:schemeClr val="tx1"/>
-                </a:solidFill>
-              </a:rPr>
-              <a:t>a &gt; b; // returns false</a:t>
-            </a:r>
-          </a:p>
-          <a:p>
-            <a:endParaRPr lang="en-US" sz="1500" dirty="0">
-              <a:solidFill>
-                <a:schemeClr val="tx1"/>
-              </a:solidFill>
-            </a:endParaRPr>
-          </a:p>
-          <a:p>
-            <a:r>
-              <a:rPr lang="en-US" sz="1500" dirty="0">
-                <a:solidFill>
-                  <a:schemeClr val="tx1"/>
-                </a:solidFill>
-              </a:rPr>
-              <a:t>a &lt; b; // returns true</a:t>
-            </a:r>
-          </a:p>
-          <a:p>
-            <a:endParaRPr lang="en-US" sz="1500" dirty="0">
-              <a:solidFill>
-                <a:schemeClr val="tx1"/>
-              </a:solidFill>
-            </a:endParaRPr>
-          </a:p>
-          <a:p>
-            <a:r>
-              <a:rPr lang="en-US" sz="1500" dirty="0">
-                <a:solidFill>
-                  <a:schemeClr val="tx1"/>
-                </a:solidFill>
-              </a:rPr>
-              <a:t>a &gt;= b; // returns false</a:t>
-            </a:r>
-          </a:p>
-          <a:p>
-            <a:endParaRPr lang="en-US" sz="1500" dirty="0">
-              <a:solidFill>
-                <a:schemeClr val="tx1"/>
-              </a:solidFill>
-            </a:endParaRPr>
-          </a:p>
-          <a:p>
-            <a:r>
-              <a:rPr lang="en-US" sz="1500" dirty="0">
-                <a:solidFill>
-                  <a:schemeClr val="tx1"/>
-                </a:solidFill>
-              </a:rPr>
-              <a:t>a &lt;= b; // returns true</a:t>
-            </a:r>
-            <a:endParaRPr lang="en-US" sz="1500" dirty="0" smtClean="0">
-              <a:solidFill>
-                <a:schemeClr val="tx1"/>
-              </a:solidFill>
-            </a:endParaRPr>
-          </a:p>
-        </p:txBody>
-      </p:sp>
-      <p:graphicFrame>
-        <p:nvGraphicFramePr>
-          <p:cNvPr id="3" name="Table 2"/>
-          <p:cNvGraphicFramePr>
-            <a:graphicFrameLocks noGrp="1"/>
-          </p:cNvGraphicFramePr>
-          <p:nvPr>
-            <p:extLst>
-              <p:ext uri="{D42A27DB-BD31-4B8C-83A1-F6EECF244321}">
-                <p14:modId xmlns="" xmlns:p14="http://schemas.microsoft.com/office/powerpoint/2010/main" val="2099441097"/>
-              </p:ext>
-            </p:extLst>
-          </p:nvPr>
-        </p:nvGraphicFramePr>
-        <p:xfrm>
-          <a:off x="321126" y="878574"/>
-          <a:ext cx="6541228" cy="5214568"/>
-        </p:xfrm>
-        <a:graphic>
-          <a:graphicData uri="http://schemas.openxmlformats.org/drawingml/2006/table">
-            <a:tbl>
-              <a:tblPr/>
-              <a:tblGrid>
-                <a:gridCol w="1523786">
-                  <a:extLst>
-                    <a:ext uri="{9D8B030D-6E8A-4147-A177-3AD203B41FA5}">
-                      <a16:colId xmlns="" xmlns:a16="http://schemas.microsoft.com/office/drawing/2014/main" val="3176424470"/>
-                    </a:ext>
-                  </a:extLst>
-                </a:gridCol>
-                <a:gridCol w="5017442">
-                  <a:extLst>
-                    <a:ext uri="{9D8B030D-6E8A-4147-A177-3AD203B41FA5}">
-                      <a16:colId xmlns="" xmlns:a16="http://schemas.microsoft.com/office/drawing/2014/main" val="2598264922"/>
-                    </a:ext>
-                  </a:extLst>
-                </a:gridCol>
-              </a:tblGrid>
-              <a:tr h="259261">
-                <a:tc>
-                  <a:txBody>
-                    <a:bodyPr/>
-                    <a:lstStyle/>
-                    <a:p>
-                      <a:pPr algn="l" fontAlgn="b"/>
-                      <a:r>
-                        <a:rPr lang="en-IN" sz="1400" b="0">
-                          <a:solidFill>
-                            <a:srgbClr val="FFFFFF"/>
-                          </a:solidFill>
-                          <a:effectLst/>
-                        </a:rPr>
-                        <a:t>Operators</a:t>
-                      </a:r>
-                    </a:p>
-                  </a:txBody>
-                  <a:tcPr marL="54392" marR="54392" marT="27196" marB="27196" anchor="b">
-                    <a:lnL w="7620" cap="flat" cmpd="sng" algn="ctr">
-                      <a:solidFill>
-                        <a:srgbClr val="DFDFDF"/>
-                      </a:solidFill>
-                      <a:prstDash val="solid"/>
-                      <a:round/>
-                      <a:headEnd type="none" w="med" len="med"/>
-                      <a:tailEnd type="none" w="med" len="med"/>
-                    </a:lnL>
-                    <a:lnR w="7620" cap="flat" cmpd="sng" algn="ctr">
-                      <a:solidFill>
-                        <a:srgbClr val="DFDFDF"/>
-                      </a:solidFill>
-                      <a:prstDash val="solid"/>
-                      <a:round/>
-                      <a:headEnd type="none" w="med" len="med"/>
-                      <a:tailEnd type="none" w="med" len="med"/>
-                    </a:lnR>
-                    <a:lnT w="7620" cap="flat" cmpd="sng" algn="ctr">
-                      <a:solidFill>
-                        <a:srgbClr val="DFDFDF"/>
-                      </a:solidFill>
-                      <a:prstDash val="solid"/>
-                      <a:round/>
-                      <a:headEnd type="none" w="med" len="med"/>
-                      <a:tailEnd type="none" w="med" len="med"/>
-                    </a:lnT>
-                    <a:lnB w="7620" cap="flat" cmpd="sng" algn="ctr">
-                      <a:solidFill>
-                        <a:srgbClr val="DFDFDF"/>
-                      </a:solidFill>
-                      <a:prstDash val="solid"/>
-                      <a:round/>
-                      <a:headEnd type="none" w="med" len="med"/>
-                      <a:tailEnd type="none" w="med" len="med"/>
-                    </a:lnB>
-                    <a:solidFill>
-                      <a:srgbClr val="63A9E0"/>
-                    </a:solidFill>
-                  </a:tcPr>
-                </a:tc>
-                <a:tc>
-                  <a:txBody>
-                    <a:bodyPr/>
-                    <a:lstStyle/>
-                    <a:p>
-                      <a:pPr algn="l" fontAlgn="b"/>
-                      <a:r>
-                        <a:rPr lang="en-IN" sz="1400" b="0" dirty="0">
-                          <a:solidFill>
-                            <a:srgbClr val="FFFFFF"/>
-                          </a:solidFill>
-                          <a:effectLst/>
-                        </a:rPr>
-                        <a:t>Description</a:t>
-                      </a:r>
-                    </a:p>
-                  </a:txBody>
-                  <a:tcPr marL="54392" marR="54392" marT="27196" marB="27196" anchor="b">
-                    <a:lnL w="7620" cap="flat" cmpd="sng" algn="ctr">
-                      <a:solidFill>
-                        <a:srgbClr val="DFDFDF"/>
-                      </a:solidFill>
-                      <a:prstDash val="solid"/>
-                      <a:round/>
-                      <a:headEnd type="none" w="med" len="med"/>
-                      <a:tailEnd type="none" w="med" len="med"/>
-                    </a:lnL>
-                    <a:lnR w="7620" cap="flat" cmpd="sng" algn="ctr">
-                      <a:solidFill>
-                        <a:srgbClr val="DFDFDF"/>
-                      </a:solidFill>
-                      <a:prstDash val="solid"/>
-                      <a:round/>
-                      <a:headEnd type="none" w="med" len="med"/>
-                      <a:tailEnd type="none" w="med" len="med"/>
-                    </a:lnR>
-                    <a:lnT w="7620" cap="flat" cmpd="sng" algn="ctr">
-                      <a:solidFill>
-                        <a:srgbClr val="DFDFDF"/>
-                      </a:solidFill>
-                      <a:prstDash val="solid"/>
-                      <a:round/>
-                      <a:headEnd type="none" w="med" len="med"/>
-                      <a:tailEnd type="none" w="med" len="med"/>
-                    </a:lnT>
-                    <a:lnB w="7620" cap="flat" cmpd="sng" algn="ctr">
-                      <a:solidFill>
-                        <a:srgbClr val="DFDFDF"/>
-                      </a:solidFill>
-                      <a:prstDash val="solid"/>
-                      <a:round/>
-                      <a:headEnd type="none" w="med" len="med"/>
-                      <a:tailEnd type="none" w="med" len="med"/>
-                    </a:lnB>
-                    <a:solidFill>
-                      <a:srgbClr val="63A9E0"/>
-                    </a:solidFill>
-                  </a:tcPr>
-                </a:tc>
-                <a:extLst>
-                  <a:ext uri="{0D108BD9-81ED-4DB2-BD59-A6C34878D82A}">
-                    <a16:rowId xmlns="" xmlns:a16="http://schemas.microsoft.com/office/drawing/2014/main" val="1984233528"/>
-                  </a:ext>
-                </a:extLst>
-              </a:tr>
-              <a:tr h="650760">
-                <a:tc>
-                  <a:txBody>
-                    <a:bodyPr/>
-                    <a:lstStyle/>
-                    <a:p>
-                      <a:pPr algn="ctr" fontAlgn="t"/>
-                      <a:r>
-                        <a:rPr lang="en-IN" sz="1400" dirty="0">
-                          <a:solidFill>
-                            <a:srgbClr val="414141"/>
-                          </a:solidFill>
-                          <a:effectLst/>
-                        </a:rPr>
-                        <a:t>==</a:t>
-                      </a:r>
-                    </a:p>
-                  </a:txBody>
-                  <a:tcPr marL="54392" marR="54392" marT="27196" marB="27196">
-                    <a:lnL w="7620" cap="flat" cmpd="sng" algn="ctr">
-                      <a:solidFill>
-                        <a:srgbClr val="DFDFDF"/>
-                      </a:solidFill>
-                      <a:prstDash val="solid"/>
-                      <a:round/>
-                      <a:headEnd type="none" w="med" len="med"/>
-                      <a:tailEnd type="none" w="med" len="med"/>
-                    </a:lnL>
-                    <a:lnR w="7620" cap="flat" cmpd="sng" algn="ctr">
-                      <a:solidFill>
-                        <a:srgbClr val="DFDFDF"/>
-                      </a:solidFill>
-                      <a:prstDash val="solid"/>
-                      <a:round/>
-                      <a:headEnd type="none" w="med" len="med"/>
-                      <a:tailEnd type="none" w="med" len="med"/>
-                    </a:lnR>
-                    <a:lnT w="7620" cap="flat" cmpd="sng" algn="ctr">
-                      <a:solidFill>
-                        <a:srgbClr val="DFDFDF"/>
-                      </a:solidFill>
-                      <a:prstDash val="solid"/>
-                      <a:round/>
-                      <a:headEnd type="none" w="med" len="med"/>
-                      <a:tailEnd type="none" w="med" len="med"/>
-                    </a:lnT>
-                    <a:lnB w="7620" cap="flat" cmpd="sng" algn="ctr">
-                      <a:solidFill>
-                        <a:srgbClr val="DFDFDF"/>
-                      </a:solidFill>
-                      <a:prstDash val="solid"/>
-                      <a:round/>
-                      <a:headEnd type="none" w="med" len="med"/>
-                      <a:tailEnd type="none" w="med" len="med"/>
-                    </a:lnB>
-                    <a:solidFill>
-                      <a:srgbClr val="FFFFFF"/>
-                    </a:solidFill>
-                  </a:tcPr>
-                </a:tc>
-                <a:tc>
-                  <a:txBody>
-                    <a:bodyPr/>
-                    <a:lstStyle/>
-                    <a:p>
-                      <a:pPr fontAlgn="t"/>
-                      <a:r>
-                        <a:rPr lang="en-US" sz="1400" dirty="0">
-                          <a:solidFill>
-                            <a:srgbClr val="414141"/>
-                          </a:solidFill>
-                          <a:effectLst/>
-                        </a:rPr>
-                        <a:t>Compares the equality of two operands </a:t>
-                      </a:r>
-                      <a:r>
-                        <a:rPr lang="en-US" sz="1400" b="1" i="0" dirty="0">
-                          <a:solidFill>
-                            <a:srgbClr val="414141"/>
-                          </a:solidFill>
-                          <a:effectLst/>
-                        </a:rPr>
-                        <a:t>without considering type</a:t>
-                      </a:r>
-                      <a:r>
-                        <a:rPr lang="en-US" sz="1400" dirty="0">
-                          <a:solidFill>
-                            <a:srgbClr val="414141"/>
-                          </a:solidFill>
-                          <a:effectLst/>
-                        </a:rPr>
-                        <a:t>.</a:t>
-                      </a:r>
-                    </a:p>
-                  </a:txBody>
-                  <a:tcPr marL="54392" marR="54392" marT="27196" marB="27196">
-                    <a:lnL w="7620" cap="flat" cmpd="sng" algn="ctr">
-                      <a:solidFill>
-                        <a:srgbClr val="DFDFDF"/>
-                      </a:solidFill>
-                      <a:prstDash val="solid"/>
-                      <a:round/>
-                      <a:headEnd type="none" w="med" len="med"/>
-                      <a:tailEnd type="none" w="med" len="med"/>
-                    </a:lnL>
-                    <a:lnR w="7620" cap="flat" cmpd="sng" algn="ctr">
-                      <a:solidFill>
-                        <a:srgbClr val="DFDFDF"/>
-                      </a:solidFill>
-                      <a:prstDash val="solid"/>
-                      <a:round/>
-                      <a:headEnd type="none" w="med" len="med"/>
-                      <a:tailEnd type="none" w="med" len="med"/>
-                    </a:lnR>
-                    <a:lnT w="7620" cap="flat" cmpd="sng" algn="ctr">
-                      <a:solidFill>
-                        <a:srgbClr val="DFDFDF"/>
-                      </a:solidFill>
-                      <a:prstDash val="solid"/>
-                      <a:round/>
-                      <a:headEnd type="none" w="med" len="med"/>
-                      <a:tailEnd type="none" w="med" len="med"/>
-                    </a:lnT>
-                    <a:lnB w="7620" cap="flat" cmpd="sng" algn="ctr">
-                      <a:solidFill>
-                        <a:srgbClr val="DFDFDF"/>
-                      </a:solidFill>
-                      <a:prstDash val="solid"/>
-                      <a:round/>
-                      <a:headEnd type="none" w="med" len="med"/>
-                      <a:tailEnd type="none" w="med" len="med"/>
-                    </a:lnB>
-                    <a:solidFill>
-                      <a:srgbClr val="FFFFFF"/>
-                    </a:solidFill>
-                  </a:tcPr>
-                </a:tc>
-                <a:extLst>
-                  <a:ext uri="{0D108BD9-81ED-4DB2-BD59-A6C34878D82A}">
-                    <a16:rowId xmlns="" xmlns:a16="http://schemas.microsoft.com/office/drawing/2014/main" val="68368847"/>
-                  </a:ext>
-                </a:extLst>
-              </a:tr>
-              <a:tr h="455010">
-                <a:tc>
-                  <a:txBody>
-                    <a:bodyPr/>
-                    <a:lstStyle/>
-                    <a:p>
-                      <a:pPr algn="ctr" fontAlgn="t"/>
-                      <a:r>
-                        <a:rPr lang="en-IN" sz="1400">
-                          <a:solidFill>
-                            <a:srgbClr val="414141"/>
-                          </a:solidFill>
-                          <a:effectLst/>
-                        </a:rPr>
-                        <a:t>===</a:t>
-                      </a:r>
-                    </a:p>
-                  </a:txBody>
-                  <a:tcPr marL="54392" marR="54392" marT="27196" marB="27196">
-                    <a:lnL w="7620" cap="flat" cmpd="sng" algn="ctr">
-                      <a:solidFill>
-                        <a:srgbClr val="DFDFDF"/>
-                      </a:solidFill>
-                      <a:prstDash val="solid"/>
-                      <a:round/>
-                      <a:headEnd type="none" w="med" len="med"/>
-                      <a:tailEnd type="none" w="med" len="med"/>
-                    </a:lnL>
-                    <a:lnR w="7620" cap="flat" cmpd="sng" algn="ctr">
-                      <a:solidFill>
-                        <a:srgbClr val="DFDFDF"/>
-                      </a:solidFill>
-                      <a:prstDash val="solid"/>
-                      <a:round/>
-                      <a:headEnd type="none" w="med" len="med"/>
-                      <a:tailEnd type="none" w="med" len="med"/>
-                    </a:lnR>
-                    <a:lnT w="7620" cap="flat" cmpd="sng" algn="ctr">
-                      <a:solidFill>
-                        <a:srgbClr val="DFDFDF"/>
-                      </a:solidFill>
-                      <a:prstDash val="solid"/>
-                      <a:round/>
-                      <a:headEnd type="none" w="med" len="med"/>
-                      <a:tailEnd type="none" w="med" len="med"/>
-                    </a:lnT>
-                    <a:lnB w="7620" cap="flat" cmpd="sng" algn="ctr">
-                      <a:solidFill>
-                        <a:srgbClr val="DFDFDF"/>
-                      </a:solidFill>
-                      <a:prstDash val="solid"/>
-                      <a:round/>
-                      <a:headEnd type="none" w="med" len="med"/>
-                      <a:tailEnd type="none" w="med" len="med"/>
-                    </a:lnB>
-                    <a:solidFill>
-                      <a:srgbClr val="F9F9F9"/>
-                    </a:solidFill>
-                  </a:tcPr>
-                </a:tc>
-                <a:tc>
-                  <a:txBody>
-                    <a:bodyPr/>
-                    <a:lstStyle/>
-                    <a:p>
-                      <a:pPr fontAlgn="t"/>
-                      <a:r>
-                        <a:rPr lang="en-US" sz="1400" dirty="0">
-                          <a:solidFill>
-                            <a:srgbClr val="414141"/>
-                          </a:solidFill>
-                          <a:effectLst/>
-                        </a:rPr>
-                        <a:t>Compares equality of two operands </a:t>
-                      </a:r>
-                      <a:r>
-                        <a:rPr lang="en-US" sz="1400" b="1" dirty="0">
-                          <a:solidFill>
-                            <a:srgbClr val="414141"/>
-                          </a:solidFill>
-                          <a:effectLst/>
-                        </a:rPr>
-                        <a:t>with type</a:t>
-                      </a:r>
-                      <a:r>
-                        <a:rPr lang="en-US" sz="1400" dirty="0">
-                          <a:solidFill>
-                            <a:srgbClr val="414141"/>
-                          </a:solidFill>
-                          <a:effectLst/>
-                        </a:rPr>
-                        <a:t>.</a:t>
-                      </a:r>
-                    </a:p>
-                  </a:txBody>
-                  <a:tcPr marL="54392" marR="54392" marT="27196" marB="27196">
-                    <a:lnL w="7620" cap="flat" cmpd="sng" algn="ctr">
-                      <a:solidFill>
-                        <a:srgbClr val="DFDFDF"/>
-                      </a:solidFill>
-                      <a:prstDash val="solid"/>
-                      <a:round/>
-                      <a:headEnd type="none" w="med" len="med"/>
-                      <a:tailEnd type="none" w="med" len="med"/>
-                    </a:lnL>
-                    <a:lnR w="7620" cap="flat" cmpd="sng" algn="ctr">
-                      <a:solidFill>
-                        <a:srgbClr val="DFDFDF"/>
-                      </a:solidFill>
-                      <a:prstDash val="solid"/>
-                      <a:round/>
-                      <a:headEnd type="none" w="med" len="med"/>
-                      <a:tailEnd type="none" w="med" len="med"/>
-                    </a:lnR>
-                    <a:lnT w="7620" cap="flat" cmpd="sng" algn="ctr">
-                      <a:solidFill>
-                        <a:srgbClr val="DFDFDF"/>
-                      </a:solidFill>
-                      <a:prstDash val="solid"/>
-                      <a:round/>
-                      <a:headEnd type="none" w="med" len="med"/>
-                      <a:tailEnd type="none" w="med" len="med"/>
-                    </a:lnT>
-                    <a:lnB w="7620" cap="flat" cmpd="sng" algn="ctr">
-                      <a:solidFill>
-                        <a:srgbClr val="DFDFDF"/>
-                      </a:solidFill>
-                      <a:prstDash val="solid"/>
-                      <a:round/>
-                      <a:headEnd type="none" w="med" len="med"/>
-                      <a:tailEnd type="none" w="med" len="med"/>
-                    </a:lnB>
-                    <a:solidFill>
-                      <a:srgbClr val="F9F9F9"/>
-                    </a:solidFill>
-                  </a:tcPr>
-                </a:tc>
-                <a:extLst>
-                  <a:ext uri="{0D108BD9-81ED-4DB2-BD59-A6C34878D82A}">
-                    <a16:rowId xmlns="" xmlns:a16="http://schemas.microsoft.com/office/drawing/2014/main" val="70652501"/>
-                  </a:ext>
-                </a:extLst>
-              </a:tr>
-              <a:tr h="455010">
-                <a:tc>
-                  <a:txBody>
-                    <a:bodyPr/>
-                    <a:lstStyle/>
-                    <a:p>
-                      <a:pPr algn="ctr" fontAlgn="t"/>
-                      <a:r>
-                        <a:rPr lang="en-IN" sz="1400" dirty="0">
-                          <a:solidFill>
-                            <a:srgbClr val="414141"/>
-                          </a:solidFill>
-                          <a:effectLst/>
-                        </a:rPr>
-                        <a:t>!=</a:t>
-                      </a:r>
-                    </a:p>
-                  </a:txBody>
-                  <a:tcPr marL="54392" marR="54392" marT="27196" marB="27196">
-                    <a:lnL w="7620" cap="flat" cmpd="sng" algn="ctr">
-                      <a:solidFill>
-                        <a:srgbClr val="DFDFDF"/>
-                      </a:solidFill>
-                      <a:prstDash val="solid"/>
-                      <a:round/>
-                      <a:headEnd type="none" w="med" len="med"/>
-                      <a:tailEnd type="none" w="med" len="med"/>
-                    </a:lnL>
-                    <a:lnR w="7620" cap="flat" cmpd="sng" algn="ctr">
-                      <a:solidFill>
-                        <a:srgbClr val="DFDFDF"/>
-                      </a:solidFill>
-                      <a:prstDash val="solid"/>
-                      <a:round/>
-                      <a:headEnd type="none" w="med" len="med"/>
-                      <a:tailEnd type="none" w="med" len="med"/>
-                    </a:lnR>
-                    <a:lnT w="7620" cap="flat" cmpd="sng" algn="ctr">
-                      <a:solidFill>
-                        <a:srgbClr val="DFDFDF"/>
-                      </a:solidFill>
-                      <a:prstDash val="solid"/>
-                      <a:round/>
-                      <a:headEnd type="none" w="med" len="med"/>
-                      <a:tailEnd type="none" w="med" len="med"/>
-                    </a:lnT>
-                    <a:lnB w="7620" cap="flat" cmpd="sng" algn="ctr">
-                      <a:solidFill>
-                        <a:srgbClr val="DFDFDF"/>
-                      </a:solidFill>
-                      <a:prstDash val="solid"/>
-                      <a:round/>
-                      <a:headEnd type="none" w="med" len="med"/>
-                      <a:tailEnd type="none" w="med" len="med"/>
-                    </a:lnB>
-                    <a:solidFill>
-                      <a:srgbClr val="FFFFFF"/>
-                    </a:solidFill>
-                  </a:tcPr>
-                </a:tc>
-                <a:tc>
-                  <a:txBody>
-                    <a:bodyPr/>
-                    <a:lstStyle/>
-                    <a:p>
-                      <a:pPr fontAlgn="t"/>
-                      <a:r>
-                        <a:rPr lang="en-US" sz="1400">
-                          <a:solidFill>
-                            <a:srgbClr val="414141"/>
-                          </a:solidFill>
-                          <a:effectLst/>
-                        </a:rPr>
-                        <a:t>Compares inequality of two operands.</a:t>
-                      </a:r>
-                    </a:p>
-                  </a:txBody>
-                  <a:tcPr marL="54392" marR="54392" marT="27196" marB="27196">
-                    <a:lnL w="7620" cap="flat" cmpd="sng" algn="ctr">
-                      <a:solidFill>
-                        <a:srgbClr val="DFDFDF"/>
-                      </a:solidFill>
-                      <a:prstDash val="solid"/>
-                      <a:round/>
-                      <a:headEnd type="none" w="med" len="med"/>
-                      <a:tailEnd type="none" w="med" len="med"/>
-                    </a:lnL>
-                    <a:lnR w="7620" cap="flat" cmpd="sng" algn="ctr">
-                      <a:solidFill>
-                        <a:srgbClr val="DFDFDF"/>
-                      </a:solidFill>
-                      <a:prstDash val="solid"/>
-                      <a:round/>
-                      <a:headEnd type="none" w="med" len="med"/>
-                      <a:tailEnd type="none" w="med" len="med"/>
-                    </a:lnR>
-                    <a:lnT w="7620" cap="flat" cmpd="sng" algn="ctr">
-                      <a:solidFill>
-                        <a:srgbClr val="DFDFDF"/>
-                      </a:solidFill>
-                      <a:prstDash val="solid"/>
-                      <a:round/>
-                      <a:headEnd type="none" w="med" len="med"/>
-                      <a:tailEnd type="none" w="med" len="med"/>
-                    </a:lnT>
-                    <a:lnB w="7620" cap="flat" cmpd="sng" algn="ctr">
-                      <a:solidFill>
-                        <a:srgbClr val="DFDFDF"/>
-                      </a:solidFill>
-                      <a:prstDash val="solid"/>
-                      <a:round/>
-                      <a:headEnd type="none" w="med" len="med"/>
-                      <a:tailEnd type="none" w="med" len="med"/>
-                    </a:lnB>
-                    <a:solidFill>
-                      <a:srgbClr val="FFFFFF"/>
-                    </a:solidFill>
-                  </a:tcPr>
-                </a:tc>
-                <a:extLst>
-                  <a:ext uri="{0D108BD9-81ED-4DB2-BD59-A6C34878D82A}">
-                    <a16:rowId xmlns="" xmlns:a16="http://schemas.microsoft.com/office/drawing/2014/main" val="2413893211"/>
-                  </a:ext>
-                </a:extLst>
-              </a:tr>
-              <a:tr h="846509">
-                <a:tc>
-                  <a:txBody>
-                    <a:bodyPr/>
-                    <a:lstStyle/>
-                    <a:p>
-                      <a:pPr algn="ctr" fontAlgn="t"/>
-                      <a:r>
-                        <a:rPr lang="en-IN" sz="1400">
-                          <a:solidFill>
-                            <a:srgbClr val="414141"/>
-                          </a:solidFill>
-                          <a:effectLst/>
-                        </a:rPr>
-                        <a:t>&gt;</a:t>
-                      </a:r>
-                    </a:p>
-                  </a:txBody>
-                  <a:tcPr marL="54392" marR="54392" marT="27196" marB="27196">
-                    <a:lnL w="7620" cap="flat" cmpd="sng" algn="ctr">
-                      <a:solidFill>
-                        <a:srgbClr val="DFDFDF"/>
-                      </a:solidFill>
-                      <a:prstDash val="solid"/>
-                      <a:round/>
-                      <a:headEnd type="none" w="med" len="med"/>
-                      <a:tailEnd type="none" w="med" len="med"/>
-                    </a:lnL>
-                    <a:lnR w="7620" cap="flat" cmpd="sng" algn="ctr">
-                      <a:solidFill>
-                        <a:srgbClr val="DFDFDF"/>
-                      </a:solidFill>
-                      <a:prstDash val="solid"/>
-                      <a:round/>
-                      <a:headEnd type="none" w="med" len="med"/>
-                      <a:tailEnd type="none" w="med" len="med"/>
-                    </a:lnR>
-                    <a:lnT w="7620" cap="flat" cmpd="sng" algn="ctr">
-                      <a:solidFill>
-                        <a:srgbClr val="DFDFDF"/>
-                      </a:solidFill>
-                      <a:prstDash val="solid"/>
-                      <a:round/>
-                      <a:headEnd type="none" w="med" len="med"/>
-                      <a:tailEnd type="none" w="med" len="med"/>
-                    </a:lnT>
-                    <a:lnB w="7620" cap="flat" cmpd="sng" algn="ctr">
-                      <a:solidFill>
-                        <a:srgbClr val="DFDFDF"/>
-                      </a:solidFill>
-                      <a:prstDash val="solid"/>
-                      <a:round/>
-                      <a:headEnd type="none" w="med" len="med"/>
-                      <a:tailEnd type="none" w="med" len="med"/>
-                    </a:lnB>
-                    <a:solidFill>
-                      <a:srgbClr val="F9F9F9"/>
-                    </a:solidFill>
-                  </a:tcPr>
-                </a:tc>
-                <a:tc>
-                  <a:txBody>
-                    <a:bodyPr/>
-                    <a:lstStyle/>
-                    <a:p>
-                      <a:pPr fontAlgn="t"/>
-                      <a:r>
-                        <a:rPr lang="en-US" sz="1400" dirty="0">
-                          <a:solidFill>
-                            <a:srgbClr val="414141"/>
-                          </a:solidFill>
-                          <a:effectLst/>
-                        </a:rPr>
-                        <a:t>Returns a </a:t>
-                      </a:r>
-                      <a:r>
-                        <a:rPr lang="en-US" sz="1400" dirty="0" err="1">
-                          <a:solidFill>
-                            <a:srgbClr val="414141"/>
-                          </a:solidFill>
-                          <a:effectLst/>
-                        </a:rPr>
-                        <a:t>boolean</a:t>
-                      </a:r>
-                      <a:r>
-                        <a:rPr lang="en-US" sz="1400" dirty="0">
-                          <a:solidFill>
-                            <a:srgbClr val="414141"/>
-                          </a:solidFill>
-                          <a:effectLst/>
-                        </a:rPr>
-                        <a:t> value true if the left-side value is greater than the right-side value; otherwise, returns false.</a:t>
-                      </a:r>
-                    </a:p>
-                  </a:txBody>
-                  <a:tcPr marL="54392" marR="54392" marT="27196" marB="27196">
-                    <a:lnL w="7620" cap="flat" cmpd="sng" algn="ctr">
-                      <a:solidFill>
-                        <a:srgbClr val="DFDFDF"/>
-                      </a:solidFill>
-                      <a:prstDash val="solid"/>
-                      <a:round/>
-                      <a:headEnd type="none" w="med" len="med"/>
-                      <a:tailEnd type="none" w="med" len="med"/>
-                    </a:lnL>
-                    <a:lnR w="7620" cap="flat" cmpd="sng" algn="ctr">
-                      <a:solidFill>
-                        <a:srgbClr val="DFDFDF"/>
-                      </a:solidFill>
-                      <a:prstDash val="solid"/>
-                      <a:round/>
-                      <a:headEnd type="none" w="med" len="med"/>
-                      <a:tailEnd type="none" w="med" len="med"/>
-                    </a:lnR>
-                    <a:lnT w="7620" cap="flat" cmpd="sng" algn="ctr">
-                      <a:solidFill>
-                        <a:srgbClr val="DFDFDF"/>
-                      </a:solidFill>
-                      <a:prstDash val="solid"/>
-                      <a:round/>
-                      <a:headEnd type="none" w="med" len="med"/>
-                      <a:tailEnd type="none" w="med" len="med"/>
-                    </a:lnT>
-                    <a:lnB w="7620" cap="flat" cmpd="sng" algn="ctr">
-                      <a:solidFill>
-                        <a:srgbClr val="DFDFDF"/>
-                      </a:solidFill>
-                      <a:prstDash val="solid"/>
-                      <a:round/>
-                      <a:headEnd type="none" w="med" len="med"/>
-                      <a:tailEnd type="none" w="med" len="med"/>
-                    </a:lnB>
-                    <a:solidFill>
-                      <a:srgbClr val="F9F9F9"/>
-                    </a:solidFill>
-                  </a:tcPr>
-                </a:tc>
-                <a:extLst>
-                  <a:ext uri="{0D108BD9-81ED-4DB2-BD59-A6C34878D82A}">
-                    <a16:rowId xmlns="" xmlns:a16="http://schemas.microsoft.com/office/drawing/2014/main" val="2258245723"/>
-                  </a:ext>
-                </a:extLst>
-              </a:tr>
-              <a:tr h="846509">
-                <a:tc>
-                  <a:txBody>
-                    <a:bodyPr/>
-                    <a:lstStyle/>
-                    <a:p>
-                      <a:pPr algn="ctr" fontAlgn="t"/>
-                      <a:r>
-                        <a:rPr lang="en-IN" sz="1400">
-                          <a:solidFill>
-                            <a:srgbClr val="414141"/>
-                          </a:solidFill>
-                          <a:effectLst/>
-                        </a:rPr>
-                        <a:t>&lt;</a:t>
-                      </a:r>
-                    </a:p>
-                  </a:txBody>
-                  <a:tcPr marL="54392" marR="54392" marT="27196" marB="27196">
-                    <a:lnL w="7620" cap="flat" cmpd="sng" algn="ctr">
-                      <a:solidFill>
-                        <a:srgbClr val="DFDFDF"/>
-                      </a:solidFill>
-                      <a:prstDash val="solid"/>
-                      <a:round/>
-                      <a:headEnd type="none" w="med" len="med"/>
-                      <a:tailEnd type="none" w="med" len="med"/>
-                    </a:lnL>
-                    <a:lnR w="7620" cap="flat" cmpd="sng" algn="ctr">
-                      <a:solidFill>
-                        <a:srgbClr val="DFDFDF"/>
-                      </a:solidFill>
-                      <a:prstDash val="solid"/>
-                      <a:round/>
-                      <a:headEnd type="none" w="med" len="med"/>
-                      <a:tailEnd type="none" w="med" len="med"/>
-                    </a:lnR>
-                    <a:lnT w="7620" cap="flat" cmpd="sng" algn="ctr">
-                      <a:solidFill>
-                        <a:srgbClr val="DFDFDF"/>
-                      </a:solidFill>
-                      <a:prstDash val="solid"/>
-                      <a:round/>
-                      <a:headEnd type="none" w="med" len="med"/>
-                      <a:tailEnd type="none" w="med" len="med"/>
-                    </a:lnT>
-                    <a:lnB w="7620" cap="flat" cmpd="sng" algn="ctr">
-                      <a:solidFill>
-                        <a:srgbClr val="DFDFDF"/>
-                      </a:solidFill>
-                      <a:prstDash val="solid"/>
-                      <a:round/>
-                      <a:headEnd type="none" w="med" len="med"/>
-                      <a:tailEnd type="none" w="med" len="med"/>
-                    </a:lnB>
-                    <a:solidFill>
-                      <a:srgbClr val="FFFFFF"/>
-                    </a:solidFill>
-                  </a:tcPr>
-                </a:tc>
-                <a:tc>
-                  <a:txBody>
-                    <a:bodyPr/>
-                    <a:lstStyle/>
-                    <a:p>
-                      <a:pPr fontAlgn="t"/>
-                      <a:r>
-                        <a:rPr lang="en-US" sz="1400">
-                          <a:solidFill>
-                            <a:srgbClr val="414141"/>
-                          </a:solidFill>
-                          <a:effectLst/>
-                        </a:rPr>
-                        <a:t>Returns a boolean value true if the left-side value is less than the right-side value; otherwise, returns false.</a:t>
-                      </a:r>
-                    </a:p>
-                  </a:txBody>
-                  <a:tcPr marL="54392" marR="54392" marT="27196" marB="27196">
-                    <a:lnL w="7620" cap="flat" cmpd="sng" algn="ctr">
-                      <a:solidFill>
-                        <a:srgbClr val="DFDFDF"/>
-                      </a:solidFill>
-                      <a:prstDash val="solid"/>
-                      <a:round/>
-                      <a:headEnd type="none" w="med" len="med"/>
-                      <a:tailEnd type="none" w="med" len="med"/>
-                    </a:lnL>
-                    <a:lnR w="7620" cap="flat" cmpd="sng" algn="ctr">
-                      <a:solidFill>
-                        <a:srgbClr val="DFDFDF"/>
-                      </a:solidFill>
-                      <a:prstDash val="solid"/>
-                      <a:round/>
-                      <a:headEnd type="none" w="med" len="med"/>
-                      <a:tailEnd type="none" w="med" len="med"/>
-                    </a:lnR>
-                    <a:lnT w="7620" cap="flat" cmpd="sng" algn="ctr">
-                      <a:solidFill>
-                        <a:srgbClr val="DFDFDF"/>
-                      </a:solidFill>
-                      <a:prstDash val="solid"/>
-                      <a:round/>
-                      <a:headEnd type="none" w="med" len="med"/>
-                      <a:tailEnd type="none" w="med" len="med"/>
-                    </a:lnT>
-                    <a:lnB w="7620" cap="flat" cmpd="sng" algn="ctr">
-                      <a:solidFill>
-                        <a:srgbClr val="DFDFDF"/>
-                      </a:solidFill>
-                      <a:prstDash val="solid"/>
-                      <a:round/>
-                      <a:headEnd type="none" w="med" len="med"/>
-                      <a:tailEnd type="none" w="med" len="med"/>
-                    </a:lnB>
-                    <a:solidFill>
-                      <a:srgbClr val="FFFFFF"/>
-                    </a:solidFill>
-                  </a:tcPr>
-                </a:tc>
-                <a:extLst>
-                  <a:ext uri="{0D108BD9-81ED-4DB2-BD59-A6C34878D82A}">
-                    <a16:rowId xmlns="" xmlns:a16="http://schemas.microsoft.com/office/drawing/2014/main" val="1119516854"/>
-                  </a:ext>
-                </a:extLst>
-              </a:tr>
-              <a:tr h="846509">
-                <a:tc>
-                  <a:txBody>
-                    <a:bodyPr/>
-                    <a:lstStyle/>
-                    <a:p>
-                      <a:pPr algn="ctr" fontAlgn="t"/>
-                      <a:r>
-                        <a:rPr lang="en-IN" sz="1400">
-                          <a:solidFill>
-                            <a:srgbClr val="414141"/>
-                          </a:solidFill>
-                          <a:effectLst/>
-                        </a:rPr>
-                        <a:t>&gt;=</a:t>
-                      </a:r>
-                    </a:p>
-                  </a:txBody>
-                  <a:tcPr marL="54392" marR="54392" marT="27196" marB="27196">
-                    <a:lnL w="7620" cap="flat" cmpd="sng" algn="ctr">
-                      <a:solidFill>
-                        <a:srgbClr val="DFDFDF"/>
-                      </a:solidFill>
-                      <a:prstDash val="solid"/>
-                      <a:round/>
-                      <a:headEnd type="none" w="med" len="med"/>
-                      <a:tailEnd type="none" w="med" len="med"/>
-                    </a:lnL>
-                    <a:lnR w="7620" cap="flat" cmpd="sng" algn="ctr">
-                      <a:solidFill>
-                        <a:srgbClr val="DFDFDF"/>
-                      </a:solidFill>
-                      <a:prstDash val="solid"/>
-                      <a:round/>
-                      <a:headEnd type="none" w="med" len="med"/>
-                      <a:tailEnd type="none" w="med" len="med"/>
-                    </a:lnR>
-                    <a:lnT w="7620" cap="flat" cmpd="sng" algn="ctr">
-                      <a:solidFill>
-                        <a:srgbClr val="DFDFDF"/>
-                      </a:solidFill>
-                      <a:prstDash val="solid"/>
-                      <a:round/>
-                      <a:headEnd type="none" w="med" len="med"/>
-                      <a:tailEnd type="none" w="med" len="med"/>
-                    </a:lnT>
-                    <a:lnB w="7620" cap="flat" cmpd="sng" algn="ctr">
-                      <a:solidFill>
-                        <a:srgbClr val="DFDFDF"/>
-                      </a:solidFill>
-                      <a:prstDash val="solid"/>
-                      <a:round/>
-                      <a:headEnd type="none" w="med" len="med"/>
-                      <a:tailEnd type="none" w="med" len="med"/>
-                    </a:lnB>
-                    <a:solidFill>
-                      <a:srgbClr val="F9F9F9"/>
-                    </a:solidFill>
-                  </a:tcPr>
-                </a:tc>
-                <a:tc>
-                  <a:txBody>
-                    <a:bodyPr/>
-                    <a:lstStyle/>
-                    <a:p>
-                      <a:pPr fontAlgn="t"/>
-                      <a:r>
-                        <a:rPr lang="en-US" sz="1400">
-                          <a:solidFill>
-                            <a:srgbClr val="414141"/>
-                          </a:solidFill>
-                          <a:effectLst/>
-                        </a:rPr>
-                        <a:t>Returns a boolean value true if the left-side value is greater than or equal to the right-side value; otherwise, returns false.</a:t>
-                      </a:r>
-                    </a:p>
-                  </a:txBody>
-                  <a:tcPr marL="54392" marR="54392" marT="27196" marB="27196">
-                    <a:lnL w="7620" cap="flat" cmpd="sng" algn="ctr">
-                      <a:solidFill>
-                        <a:srgbClr val="DFDFDF"/>
-                      </a:solidFill>
-                      <a:prstDash val="solid"/>
-                      <a:round/>
-                      <a:headEnd type="none" w="med" len="med"/>
-                      <a:tailEnd type="none" w="med" len="med"/>
-                    </a:lnL>
-                    <a:lnR w="7620" cap="flat" cmpd="sng" algn="ctr">
-                      <a:solidFill>
-                        <a:srgbClr val="DFDFDF"/>
-                      </a:solidFill>
-                      <a:prstDash val="solid"/>
-                      <a:round/>
-                      <a:headEnd type="none" w="med" len="med"/>
-                      <a:tailEnd type="none" w="med" len="med"/>
-                    </a:lnR>
-                    <a:lnT w="7620" cap="flat" cmpd="sng" algn="ctr">
-                      <a:solidFill>
-                        <a:srgbClr val="DFDFDF"/>
-                      </a:solidFill>
-                      <a:prstDash val="solid"/>
-                      <a:round/>
-                      <a:headEnd type="none" w="med" len="med"/>
-                      <a:tailEnd type="none" w="med" len="med"/>
-                    </a:lnT>
-                    <a:lnB w="7620" cap="flat" cmpd="sng" algn="ctr">
-                      <a:solidFill>
-                        <a:srgbClr val="DFDFDF"/>
-                      </a:solidFill>
-                      <a:prstDash val="solid"/>
-                      <a:round/>
-                      <a:headEnd type="none" w="med" len="med"/>
-                      <a:tailEnd type="none" w="med" len="med"/>
-                    </a:lnB>
-                    <a:solidFill>
-                      <a:srgbClr val="F9F9F9"/>
-                    </a:solidFill>
-                  </a:tcPr>
-                </a:tc>
-                <a:extLst>
-                  <a:ext uri="{0D108BD9-81ED-4DB2-BD59-A6C34878D82A}">
-                    <a16:rowId xmlns="" xmlns:a16="http://schemas.microsoft.com/office/drawing/2014/main" val="2345114994"/>
-                  </a:ext>
-                </a:extLst>
-              </a:tr>
-              <a:tr h="846509">
-                <a:tc>
-                  <a:txBody>
-                    <a:bodyPr/>
-                    <a:lstStyle/>
-                    <a:p>
-                      <a:pPr algn="ctr" fontAlgn="t"/>
-                      <a:r>
-                        <a:rPr lang="en-IN" sz="1400" dirty="0">
-                          <a:solidFill>
-                            <a:srgbClr val="414141"/>
-                          </a:solidFill>
-                          <a:effectLst/>
-                        </a:rPr>
-                        <a:t>&lt;=</a:t>
-                      </a:r>
-                    </a:p>
-                  </a:txBody>
-                  <a:tcPr marL="54392" marR="54392" marT="27196" marB="27196">
-                    <a:lnL w="7620" cap="flat" cmpd="sng" algn="ctr">
-                      <a:solidFill>
-                        <a:srgbClr val="DFDFDF"/>
-                      </a:solidFill>
-                      <a:prstDash val="solid"/>
-                      <a:round/>
-                      <a:headEnd type="none" w="med" len="med"/>
-                      <a:tailEnd type="none" w="med" len="med"/>
-                    </a:lnL>
-                    <a:lnR w="7620" cap="flat" cmpd="sng" algn="ctr">
-                      <a:solidFill>
-                        <a:srgbClr val="DFDFDF"/>
-                      </a:solidFill>
-                      <a:prstDash val="solid"/>
-                      <a:round/>
-                      <a:headEnd type="none" w="med" len="med"/>
-                      <a:tailEnd type="none" w="med" len="med"/>
-                    </a:lnR>
-                    <a:lnT w="7620" cap="flat" cmpd="sng" algn="ctr">
-                      <a:solidFill>
-                        <a:srgbClr val="DFDFDF"/>
-                      </a:solidFill>
-                      <a:prstDash val="solid"/>
-                      <a:round/>
-                      <a:headEnd type="none" w="med" len="med"/>
-                      <a:tailEnd type="none" w="med" len="med"/>
-                    </a:lnT>
-                    <a:lnB w="7620" cap="flat" cmpd="sng" algn="ctr">
-                      <a:solidFill>
-                        <a:srgbClr val="DFDFDF"/>
-                      </a:solidFill>
-                      <a:prstDash val="solid"/>
-                      <a:round/>
-                      <a:headEnd type="none" w="med" len="med"/>
-                      <a:tailEnd type="none" w="med" len="med"/>
-                    </a:lnB>
-                    <a:solidFill>
-                      <a:srgbClr val="FFFFFF"/>
-                    </a:solidFill>
-                  </a:tcPr>
-                </a:tc>
-                <a:tc>
-                  <a:txBody>
-                    <a:bodyPr/>
-                    <a:lstStyle/>
-                    <a:p>
-                      <a:pPr fontAlgn="t"/>
-                      <a:r>
-                        <a:rPr lang="en-US" sz="1400" dirty="0">
-                          <a:solidFill>
-                            <a:srgbClr val="414141"/>
-                          </a:solidFill>
-                          <a:effectLst/>
-                        </a:rPr>
-                        <a:t>Returns a </a:t>
-                      </a:r>
-                      <a:r>
-                        <a:rPr lang="en-US" sz="1400" dirty="0" err="1">
-                          <a:solidFill>
-                            <a:srgbClr val="414141"/>
-                          </a:solidFill>
-                          <a:effectLst/>
-                        </a:rPr>
-                        <a:t>boolean</a:t>
-                      </a:r>
-                      <a:r>
-                        <a:rPr lang="en-US" sz="1400" dirty="0">
-                          <a:solidFill>
-                            <a:srgbClr val="414141"/>
-                          </a:solidFill>
-                          <a:effectLst/>
-                        </a:rPr>
-                        <a:t> value true if the left-side value is less than or equal to the right-side value; otherwise, returns false.</a:t>
-                      </a:r>
-                    </a:p>
-                  </a:txBody>
-                  <a:tcPr marL="54392" marR="54392" marT="27196" marB="27196">
-                    <a:lnL w="7620" cap="flat" cmpd="sng" algn="ctr">
-                      <a:solidFill>
-                        <a:srgbClr val="DFDFDF"/>
-                      </a:solidFill>
-                      <a:prstDash val="solid"/>
-                      <a:round/>
-                      <a:headEnd type="none" w="med" len="med"/>
-                      <a:tailEnd type="none" w="med" len="med"/>
-                    </a:lnL>
-                    <a:lnR w="7620" cap="flat" cmpd="sng" algn="ctr">
-                      <a:solidFill>
-                        <a:srgbClr val="DFDFDF"/>
-                      </a:solidFill>
-                      <a:prstDash val="solid"/>
-                      <a:round/>
-                      <a:headEnd type="none" w="med" len="med"/>
-                      <a:tailEnd type="none" w="med" len="med"/>
-                    </a:lnR>
-                    <a:lnT w="7620" cap="flat" cmpd="sng" algn="ctr">
-                      <a:solidFill>
-                        <a:srgbClr val="DFDFDF"/>
-                      </a:solidFill>
-                      <a:prstDash val="solid"/>
-                      <a:round/>
-                      <a:headEnd type="none" w="med" len="med"/>
-                      <a:tailEnd type="none" w="med" len="med"/>
-                    </a:lnT>
-                    <a:lnB w="7620" cap="flat" cmpd="sng" algn="ctr">
-                      <a:solidFill>
-                        <a:srgbClr val="DFDFDF"/>
-                      </a:solidFill>
-                      <a:prstDash val="solid"/>
-                      <a:round/>
-                      <a:headEnd type="none" w="med" len="med"/>
-                      <a:tailEnd type="none" w="med" len="med"/>
-                    </a:lnB>
-                    <a:solidFill>
-                      <a:srgbClr val="FFFFFF"/>
-                    </a:solidFill>
-                  </a:tcPr>
-                </a:tc>
-                <a:extLst>
-                  <a:ext uri="{0D108BD9-81ED-4DB2-BD59-A6C34878D82A}">
-                    <a16:rowId xmlns="" xmlns:a16="http://schemas.microsoft.com/office/drawing/2014/main" val="1774125269"/>
-                  </a:ext>
-                </a:extLst>
-              </a:tr>
-            </a:tbl>
-          </a:graphicData>
-        </a:graphic>
-      </p:graphicFrame>
-    </p:spTree>
-    <p:extLst>
-      <p:ext uri="{BB962C8B-B14F-4D97-AF65-F5344CB8AC3E}">
-        <p14:creationId xmlns="" xmlns:p14="http://schemas.microsoft.com/office/powerpoint/2010/main" val="3152486315"/>
-      </p:ext>
-    </p:extLst>
-  </p:cSld>
-  <p:clrMapOvr>
-    <a:masterClrMapping/>
-  </p:clrMapOvr>
-  <p:timing>
-    <p:tnLst>
-      <p:par>
-        <p:cTn id="1" dur="indefinite" restart="never" nodeType="tmRoot"/>
-      </p:par>
-    </p:tnLst>
-  </p:timing>
-</p:sld>
-</file>
-
-<file path=ppt/slides/slide11.xml><?xml version="1.0" encoding="utf-8"?>
-<p:sld xmlns:a="http://schemas.openxmlformats.org/drawingml/2006/main" xmlns:r="http://schemas.openxmlformats.org/officeDocument/2006/relationships" xmlns:p="http://schemas.openxmlformats.org/presentationml/2006/main">
-  <p:cSld>
-    <p:spTree>
-      <p:nvGrpSpPr>
-        <p:cNvPr id="1" name=""/>
-        <p:cNvGrpSpPr/>
-        <p:nvPr/>
-      </p:nvGrpSpPr>
-      <p:grpSpPr>
-        <a:xfrm>
-          <a:off x="0" y="0"/>
-          <a:ext cx="0" cy="0"/>
-          <a:chOff x="0" y="0"/>
-          <a:chExt cx="0" cy="0"/>
-        </a:xfrm>
-      </p:grpSpPr>
-      <p:sp>
-        <p:nvSpPr>
-          <p:cNvPr id="4" name="Content Placeholder 13"/>
-          <p:cNvSpPr txBox="1">
-            <a:spLocks/>
-          </p:cNvSpPr>
-          <p:nvPr/>
-        </p:nvSpPr>
-        <p:spPr>
-          <a:xfrm>
-            <a:off x="321126" y="144620"/>
-            <a:ext cx="9791700" cy="630192"/>
-          </a:xfrm>
-          <a:prstGeom prst="rect">
-            <a:avLst/>
-          </a:prstGeom>
-        </p:spPr>
-        <p:txBody>
-          <a:bodyPr vert="horz" lIns="91440" tIns="45720" rIns="91440" bIns="45720" rtlCol="0">
-            <a:noAutofit/>
-          </a:bodyPr>
-          <a:lstStyle>
-            <a:lvl1pPr marL="0" indent="0" algn="ctr" defTabSz="914400" rtl="0" eaLnBrk="1" latinLnBrk="0" hangingPunct="1">
-              <a:lnSpc>
-                <a:spcPct val="90000"/>
-              </a:lnSpc>
-              <a:spcBef>
-                <a:spcPts val="1000"/>
-              </a:spcBef>
-              <a:buFont typeface="Arial" panose="020B0604020202020204" pitchFamily="34" charset="0"/>
-              <a:buNone/>
-              <a:defRPr kumimoji="1" sz="2400" kern="1200">
-                <a:solidFill>
-                  <a:schemeClr val="tx1"/>
-                </a:solidFill>
-                <a:latin typeface="+mn-lt"/>
-                <a:ea typeface="+mn-ea"/>
-                <a:cs typeface="+mn-cs"/>
-              </a:defRPr>
-            </a:lvl1pPr>
-            <a:lvl2pPr marL="457200" indent="0" algn="ctr" defTabSz="914400" rtl="0" eaLnBrk="1" latinLnBrk="0" hangingPunct="1">
-              <a:lnSpc>
-                <a:spcPct val="90000"/>
-              </a:lnSpc>
-              <a:spcBef>
-                <a:spcPts val="500"/>
-              </a:spcBef>
-              <a:buFont typeface="Arial" panose="020B0604020202020204" pitchFamily="34" charset="0"/>
-              <a:buNone/>
-              <a:defRPr kumimoji="1" sz="2000" kern="1200">
-                <a:solidFill>
-                  <a:schemeClr val="tx1"/>
-                </a:solidFill>
-                <a:latin typeface="+mn-lt"/>
-                <a:ea typeface="+mn-ea"/>
-                <a:cs typeface="+mn-cs"/>
-              </a:defRPr>
-            </a:lvl2pPr>
-            <a:lvl3pPr marL="914400" indent="0" algn="ctr" defTabSz="914400" rtl="0" eaLnBrk="1" latinLnBrk="0" hangingPunct="1">
-              <a:lnSpc>
-                <a:spcPct val="90000"/>
-              </a:lnSpc>
-              <a:spcBef>
-                <a:spcPts val="500"/>
-              </a:spcBef>
-              <a:buFont typeface="Arial" panose="020B0604020202020204" pitchFamily="34" charset="0"/>
-              <a:buNone/>
-              <a:defRPr kumimoji="1" sz="1800" kern="1200">
-                <a:solidFill>
-                  <a:schemeClr val="tx1"/>
-                </a:solidFill>
-                <a:latin typeface="+mn-lt"/>
-                <a:ea typeface="+mn-ea"/>
-                <a:cs typeface="+mn-cs"/>
-              </a:defRPr>
-            </a:lvl3pPr>
-            <a:lvl4pPr marL="1371600" indent="0" algn="ctr" defTabSz="914400" rtl="0" eaLnBrk="1" latinLnBrk="0" hangingPunct="1">
-              <a:lnSpc>
-                <a:spcPct val="90000"/>
-              </a:lnSpc>
-              <a:spcBef>
-                <a:spcPts val="500"/>
-              </a:spcBef>
-              <a:buFont typeface="Arial" panose="020B0604020202020204" pitchFamily="34" charset="0"/>
-              <a:buNone/>
-              <a:defRPr kumimoji="1" sz="1600" kern="1200">
-                <a:solidFill>
-                  <a:schemeClr val="tx1"/>
-                </a:solidFill>
-                <a:latin typeface="+mn-lt"/>
-                <a:ea typeface="+mn-ea"/>
-                <a:cs typeface="+mn-cs"/>
-              </a:defRPr>
-            </a:lvl4pPr>
-            <a:lvl5pPr marL="1828800" indent="0" algn="ctr" defTabSz="914400" rtl="0" eaLnBrk="1" latinLnBrk="0" hangingPunct="1">
-              <a:lnSpc>
-                <a:spcPct val="90000"/>
-              </a:lnSpc>
-              <a:spcBef>
-                <a:spcPts val="500"/>
-              </a:spcBef>
-              <a:buFont typeface="Arial" panose="020B0604020202020204" pitchFamily="34" charset="0"/>
-              <a:buNone/>
-              <a:defRPr kumimoji="1" sz="1600" kern="1200">
-                <a:solidFill>
-                  <a:schemeClr val="tx1"/>
-                </a:solidFill>
-                <a:latin typeface="+mn-lt"/>
-                <a:ea typeface="+mn-ea"/>
-                <a:cs typeface="+mn-cs"/>
-              </a:defRPr>
-            </a:lvl5pPr>
-            <a:lvl6pPr marL="2286000" indent="0" algn="ctr" defTabSz="914400" rtl="0" eaLnBrk="1" latinLnBrk="0" hangingPunct="1">
-              <a:lnSpc>
-                <a:spcPct val="90000"/>
-              </a:lnSpc>
-              <a:spcBef>
-                <a:spcPts val="500"/>
-              </a:spcBef>
-              <a:buFont typeface="Arial" panose="020B0604020202020204" pitchFamily="34" charset="0"/>
-              <a:buNone/>
-              <a:defRPr kumimoji="1" sz="1600" kern="1200">
-                <a:solidFill>
-                  <a:schemeClr val="tx1"/>
-                </a:solidFill>
-                <a:latin typeface="+mn-lt"/>
-                <a:ea typeface="+mn-ea"/>
-                <a:cs typeface="+mn-cs"/>
-              </a:defRPr>
-            </a:lvl6pPr>
-            <a:lvl7pPr marL="2743200" indent="0" algn="ctr" defTabSz="914400" rtl="0" eaLnBrk="1" latinLnBrk="0" hangingPunct="1">
-              <a:lnSpc>
-                <a:spcPct val="90000"/>
-              </a:lnSpc>
-              <a:spcBef>
-                <a:spcPts val="500"/>
-              </a:spcBef>
-              <a:buFont typeface="Arial" panose="020B0604020202020204" pitchFamily="34" charset="0"/>
-              <a:buNone/>
-              <a:defRPr kumimoji="1" sz="1600" kern="1200">
-                <a:solidFill>
-                  <a:schemeClr val="tx1"/>
-                </a:solidFill>
-                <a:latin typeface="+mn-lt"/>
-                <a:ea typeface="+mn-ea"/>
-                <a:cs typeface="+mn-cs"/>
-              </a:defRPr>
-            </a:lvl7pPr>
-            <a:lvl8pPr marL="3200400" indent="0" algn="ctr" defTabSz="914400" rtl="0" eaLnBrk="1" latinLnBrk="0" hangingPunct="1">
-              <a:lnSpc>
-                <a:spcPct val="90000"/>
-              </a:lnSpc>
-              <a:spcBef>
-                <a:spcPts val="500"/>
-              </a:spcBef>
-              <a:buFont typeface="Arial" panose="020B0604020202020204" pitchFamily="34" charset="0"/>
-              <a:buNone/>
-              <a:defRPr kumimoji="1" sz="1600" kern="1200">
-                <a:solidFill>
-                  <a:schemeClr val="tx1"/>
-                </a:solidFill>
-                <a:latin typeface="+mn-lt"/>
-                <a:ea typeface="+mn-ea"/>
-                <a:cs typeface="+mn-cs"/>
-              </a:defRPr>
-            </a:lvl8pPr>
-            <a:lvl9pPr marL="3657600" indent="0" algn="ctr" defTabSz="914400" rtl="0" eaLnBrk="1" latinLnBrk="0" hangingPunct="1">
-              <a:lnSpc>
-                <a:spcPct val="90000"/>
-              </a:lnSpc>
-              <a:spcBef>
-                <a:spcPts val="500"/>
-              </a:spcBef>
-              <a:buFont typeface="Arial" panose="020B0604020202020204" pitchFamily="34" charset="0"/>
-              <a:buNone/>
-              <a:defRPr kumimoji="1" sz="1600" kern="1200">
-                <a:solidFill>
-                  <a:schemeClr val="tx1"/>
-                </a:solidFill>
-                <a:latin typeface="+mn-lt"/>
-                <a:ea typeface="+mn-ea"/>
-                <a:cs typeface="+mn-cs"/>
-              </a:defRPr>
-            </a:lvl9pPr>
-          </a:lstStyle>
-          <a:p>
-            <a:pPr algn="l"/>
-            <a:r>
-              <a:rPr lang="en-US" sz="3600" b="1" dirty="0" smtClean="0">
-                <a:solidFill>
-                  <a:srgbClr val="0064B5"/>
-                </a:solidFill>
-              </a:rPr>
-              <a:t>JavaScript Operators </a:t>
-            </a:r>
-            <a:r>
-              <a:rPr lang="en-US" sz="3600" b="1" dirty="0">
-                <a:solidFill>
-                  <a:srgbClr val="0064B5"/>
-                </a:solidFill>
-              </a:rPr>
-              <a:t>- Logical </a:t>
-            </a:r>
-          </a:p>
-        </p:txBody>
-      </p:sp>
-      <p:sp>
-        <p:nvSpPr>
-          <p:cNvPr id="7" name="Rectangle 6"/>
-          <p:cNvSpPr/>
-          <p:nvPr/>
-        </p:nvSpPr>
-        <p:spPr>
-          <a:xfrm>
-            <a:off x="7225883" y="1094105"/>
-            <a:ext cx="4347807" cy="3926686"/>
-          </a:xfrm>
-          <a:prstGeom prst="rect">
-            <a:avLst/>
-          </a:prstGeom>
-          <a:gradFill flip="none" rotWithShape="1">
-            <a:gsLst>
-              <a:gs pos="0">
-                <a:schemeClr val="bg2"/>
-              </a:gs>
-              <a:gs pos="50000">
-                <a:schemeClr val="accent3">
-                  <a:lumMod val="20000"/>
-                  <a:lumOff val="80000"/>
-                  <a:shade val="67500"/>
-                  <a:satMod val="115000"/>
-                </a:schemeClr>
-              </a:gs>
-              <a:gs pos="100000">
-                <a:schemeClr val="accent3">
-                  <a:lumMod val="20000"/>
-                  <a:lumOff val="80000"/>
-                  <a:shade val="100000"/>
-                  <a:satMod val="115000"/>
-                </a:schemeClr>
-              </a:gs>
-            </a:gsLst>
-            <a:lin ang="6600000" scaled="0"/>
-            <a:tileRect/>
-          </a:gradFill>
-          <a:ln>
-            <a:solidFill>
-              <a:schemeClr val="tx1">
-                <a:lumMod val="50000"/>
-                <a:lumOff val="50000"/>
-              </a:schemeClr>
-            </a:solidFill>
-          </a:ln>
-        </p:spPr>
-        <p:style>
-          <a:lnRef idx="2">
-            <a:schemeClr val="accent1">
-              <a:shade val="50000"/>
-            </a:schemeClr>
-          </a:lnRef>
-          <a:fillRef idx="1">
-            <a:schemeClr val="accent1"/>
-          </a:fillRef>
-          <a:effectRef idx="0">
-            <a:schemeClr val="accent1"/>
-          </a:effectRef>
-          <a:fontRef idx="minor">
-            <a:schemeClr val="lt1"/>
-          </a:fontRef>
-        </p:style>
-        <p:txBody>
-          <a:bodyPr rtlCol="0" anchor="ctr"/>
-          <a:lstStyle/>
-          <a:p>
-            <a:r>
-              <a:rPr lang="en-US" sz="1500" b="1" u="sng" dirty="0">
-                <a:solidFill>
-                  <a:schemeClr val="tx1"/>
-                </a:solidFill>
-              </a:rPr>
-              <a:t>Example: Logical Operators</a:t>
-            </a:r>
-          </a:p>
-          <a:p>
-            <a:endParaRPr lang="en-US" sz="1500" dirty="0" smtClean="0">
-              <a:solidFill>
-                <a:schemeClr val="tx1"/>
-              </a:solidFill>
-            </a:endParaRPr>
-          </a:p>
-          <a:p>
-            <a:r>
-              <a:rPr lang="en-US" sz="1500" dirty="0" err="1">
-                <a:solidFill>
-                  <a:schemeClr val="tx1"/>
-                </a:solidFill>
-              </a:rPr>
-              <a:t>var</a:t>
-            </a:r>
-            <a:r>
-              <a:rPr lang="en-US" sz="1500" dirty="0">
-                <a:solidFill>
-                  <a:schemeClr val="tx1"/>
-                </a:solidFill>
-              </a:rPr>
-              <a:t> a = 5, b = 10;</a:t>
-            </a:r>
-          </a:p>
-          <a:p>
-            <a:endParaRPr lang="en-US" sz="1500" dirty="0">
-              <a:solidFill>
-                <a:schemeClr val="tx1"/>
-              </a:solidFill>
-            </a:endParaRPr>
-          </a:p>
-          <a:p>
-            <a:r>
-              <a:rPr lang="en-US" sz="1500" dirty="0">
-                <a:solidFill>
-                  <a:schemeClr val="tx1"/>
-                </a:solidFill>
-              </a:rPr>
-              <a:t>(a != b) &amp;&amp; (a &lt; b); // returns true</a:t>
-            </a:r>
-          </a:p>
-          <a:p>
-            <a:endParaRPr lang="en-US" sz="1500" dirty="0">
-              <a:solidFill>
-                <a:schemeClr val="tx1"/>
-              </a:solidFill>
-            </a:endParaRPr>
-          </a:p>
-          <a:p>
-            <a:r>
-              <a:rPr lang="en-US" sz="1500" dirty="0">
-                <a:solidFill>
-                  <a:schemeClr val="tx1"/>
-                </a:solidFill>
-              </a:rPr>
-              <a:t>(a &gt; b) || (a == b); // returns false</a:t>
-            </a:r>
-          </a:p>
-          <a:p>
-            <a:endParaRPr lang="en-US" sz="1500" dirty="0">
-              <a:solidFill>
-                <a:schemeClr val="tx1"/>
-              </a:solidFill>
-            </a:endParaRPr>
-          </a:p>
-          <a:p>
-            <a:r>
-              <a:rPr lang="en-US" sz="1500" dirty="0">
-                <a:solidFill>
-                  <a:schemeClr val="tx1"/>
-                </a:solidFill>
-              </a:rPr>
-              <a:t>(a &lt; b) || (a == b); // returns true</a:t>
-            </a:r>
-          </a:p>
-          <a:p>
-            <a:endParaRPr lang="en-US" sz="1500" dirty="0">
-              <a:solidFill>
-                <a:schemeClr val="tx1"/>
-              </a:solidFill>
-            </a:endParaRPr>
-          </a:p>
-          <a:p>
-            <a:r>
-              <a:rPr lang="en-US" sz="1500" dirty="0">
-                <a:solidFill>
-                  <a:schemeClr val="tx1"/>
-                </a:solidFill>
-              </a:rPr>
-              <a:t>!(a &lt; b); // returns false</a:t>
-            </a:r>
-          </a:p>
-          <a:p>
-            <a:endParaRPr lang="en-US" sz="1500" dirty="0">
-              <a:solidFill>
-                <a:schemeClr val="tx1"/>
-              </a:solidFill>
-            </a:endParaRPr>
-          </a:p>
-          <a:p>
-            <a:r>
-              <a:rPr lang="en-US" sz="1500" dirty="0">
-                <a:solidFill>
-                  <a:schemeClr val="tx1"/>
-                </a:solidFill>
-              </a:rPr>
-              <a:t>!(a &gt; b); // returns true</a:t>
-            </a:r>
-            <a:endParaRPr lang="en-US" sz="1500" dirty="0" smtClean="0">
-              <a:solidFill>
-                <a:schemeClr val="tx1"/>
-              </a:solidFill>
-            </a:endParaRPr>
-          </a:p>
-        </p:txBody>
-      </p:sp>
-      <p:graphicFrame>
-        <p:nvGraphicFramePr>
-          <p:cNvPr id="2" name="Table 1"/>
-          <p:cNvGraphicFramePr>
-            <a:graphicFrameLocks noGrp="1"/>
-          </p:cNvGraphicFramePr>
-          <p:nvPr>
-            <p:extLst>
-              <p:ext uri="{D42A27DB-BD31-4B8C-83A1-F6EECF244321}">
-                <p14:modId xmlns="" xmlns:p14="http://schemas.microsoft.com/office/powerpoint/2010/main" val="2047387551"/>
-              </p:ext>
-            </p:extLst>
-          </p:nvPr>
-        </p:nvGraphicFramePr>
-        <p:xfrm>
-          <a:off x="507983" y="1094105"/>
-          <a:ext cx="6032154" cy="3926686"/>
-        </p:xfrm>
-        <a:graphic>
-          <a:graphicData uri="http://schemas.openxmlformats.org/drawingml/2006/table">
-            <a:tbl>
-              <a:tblPr/>
-              <a:tblGrid>
-                <a:gridCol w="1089546">
-                  <a:extLst>
-                    <a:ext uri="{9D8B030D-6E8A-4147-A177-3AD203B41FA5}">
-                      <a16:colId xmlns="" xmlns:a16="http://schemas.microsoft.com/office/drawing/2014/main" val="1946935215"/>
-                    </a:ext>
-                  </a:extLst>
-                </a:gridCol>
-                <a:gridCol w="4942608">
-                  <a:extLst>
-                    <a:ext uri="{9D8B030D-6E8A-4147-A177-3AD203B41FA5}">
-                      <a16:colId xmlns="" xmlns:a16="http://schemas.microsoft.com/office/drawing/2014/main" val="2243260515"/>
-                    </a:ext>
-                  </a:extLst>
-                </a:gridCol>
-              </a:tblGrid>
-              <a:tr h="244039">
-                <a:tc>
-                  <a:txBody>
-                    <a:bodyPr/>
-                    <a:lstStyle/>
-                    <a:p>
-                      <a:pPr algn="l" fontAlgn="b"/>
-                      <a:r>
-                        <a:rPr lang="en-IN" sz="1300" b="0">
-                          <a:solidFill>
-                            <a:srgbClr val="FFFFFF"/>
-                          </a:solidFill>
-                          <a:effectLst/>
-                        </a:rPr>
-                        <a:t>Operator</a:t>
-                      </a:r>
-                    </a:p>
-                  </a:txBody>
-                  <a:tcPr marL="67990" marR="67990" marT="33995" marB="33995" anchor="b">
-                    <a:lnL w="7620" cap="flat" cmpd="sng" algn="ctr">
-                      <a:solidFill>
-                        <a:srgbClr val="DFDFDF"/>
-                      </a:solidFill>
-                      <a:prstDash val="solid"/>
-                      <a:round/>
-                      <a:headEnd type="none" w="med" len="med"/>
-                      <a:tailEnd type="none" w="med" len="med"/>
-                    </a:lnL>
-                    <a:lnR w="7620" cap="flat" cmpd="sng" algn="ctr">
-                      <a:solidFill>
-                        <a:srgbClr val="DFDFDF"/>
-                      </a:solidFill>
-                      <a:prstDash val="solid"/>
-                      <a:round/>
-                      <a:headEnd type="none" w="med" len="med"/>
-                      <a:tailEnd type="none" w="med" len="med"/>
-                    </a:lnR>
-                    <a:lnT w="7620" cap="flat" cmpd="sng" algn="ctr">
-                      <a:solidFill>
-                        <a:srgbClr val="DFDFDF"/>
-                      </a:solidFill>
-                      <a:prstDash val="solid"/>
-                      <a:round/>
-                      <a:headEnd type="none" w="med" len="med"/>
-                      <a:tailEnd type="none" w="med" len="med"/>
-                    </a:lnT>
-                    <a:lnB w="7620" cap="flat" cmpd="sng" algn="ctr">
-                      <a:solidFill>
-                        <a:srgbClr val="DFDFDF"/>
-                      </a:solidFill>
-                      <a:prstDash val="solid"/>
-                      <a:round/>
-                      <a:headEnd type="none" w="med" len="med"/>
-                      <a:tailEnd type="none" w="med" len="med"/>
-                    </a:lnB>
-                    <a:solidFill>
-                      <a:srgbClr val="63A9E0"/>
-                    </a:solidFill>
-                  </a:tcPr>
-                </a:tc>
-                <a:tc>
-                  <a:txBody>
-                    <a:bodyPr/>
-                    <a:lstStyle/>
-                    <a:p>
-                      <a:pPr algn="l" fontAlgn="b"/>
-                      <a:r>
-                        <a:rPr lang="en-IN" sz="1300" b="0">
-                          <a:solidFill>
-                            <a:srgbClr val="FFFFFF"/>
-                          </a:solidFill>
-                          <a:effectLst/>
-                        </a:rPr>
-                        <a:t>Description</a:t>
-                      </a:r>
-                    </a:p>
-                  </a:txBody>
-                  <a:tcPr marL="67990" marR="67990" marT="33995" marB="33995" anchor="b">
-                    <a:lnL w="7620" cap="flat" cmpd="sng" algn="ctr">
-                      <a:solidFill>
-                        <a:srgbClr val="DFDFDF"/>
-                      </a:solidFill>
-                      <a:prstDash val="solid"/>
-                      <a:round/>
-                      <a:headEnd type="none" w="med" len="med"/>
-                      <a:tailEnd type="none" w="med" len="med"/>
-                    </a:lnL>
-                    <a:lnR w="7620" cap="flat" cmpd="sng" algn="ctr">
-                      <a:solidFill>
-                        <a:srgbClr val="DFDFDF"/>
-                      </a:solidFill>
-                      <a:prstDash val="solid"/>
-                      <a:round/>
-                      <a:headEnd type="none" w="med" len="med"/>
-                      <a:tailEnd type="none" w="med" len="med"/>
-                    </a:lnR>
-                    <a:lnT w="7620" cap="flat" cmpd="sng" algn="ctr">
-                      <a:solidFill>
-                        <a:srgbClr val="DFDFDF"/>
-                      </a:solidFill>
-                      <a:prstDash val="solid"/>
-                      <a:round/>
-                      <a:headEnd type="none" w="med" len="med"/>
-                      <a:tailEnd type="none" w="med" len="med"/>
-                    </a:lnT>
-                    <a:lnB w="7620" cap="flat" cmpd="sng" algn="ctr">
-                      <a:solidFill>
-                        <a:srgbClr val="DFDFDF"/>
-                      </a:solidFill>
-                      <a:prstDash val="solid"/>
-                      <a:round/>
-                      <a:headEnd type="none" w="med" len="med"/>
-                      <a:tailEnd type="none" w="med" len="med"/>
-                    </a:lnB>
-                    <a:solidFill>
-                      <a:srgbClr val="63A9E0"/>
-                    </a:solidFill>
-                  </a:tcPr>
-                </a:tc>
-                <a:extLst>
-                  <a:ext uri="{0D108BD9-81ED-4DB2-BD59-A6C34878D82A}">
-                    <a16:rowId xmlns="" xmlns:a16="http://schemas.microsoft.com/office/drawing/2014/main" val="2279938400"/>
-                  </a:ext>
-                </a:extLst>
-              </a:tr>
-              <a:tr h="1342211">
-                <a:tc>
-                  <a:txBody>
-                    <a:bodyPr/>
-                    <a:lstStyle/>
-                    <a:p>
-                      <a:pPr algn="ctr" fontAlgn="t"/>
-                      <a:r>
-                        <a:rPr lang="en-IN" sz="1300" dirty="0">
-                          <a:solidFill>
-                            <a:srgbClr val="414141"/>
-                          </a:solidFill>
-                          <a:effectLst/>
-                        </a:rPr>
-                        <a:t>&amp;&amp;</a:t>
-                      </a:r>
-                    </a:p>
-                  </a:txBody>
-                  <a:tcPr marL="67990" marR="67990" marT="33995" marB="33995">
-                    <a:lnL w="7620" cap="flat" cmpd="sng" algn="ctr">
-                      <a:solidFill>
-                        <a:srgbClr val="DFDFDF"/>
-                      </a:solidFill>
-                      <a:prstDash val="solid"/>
-                      <a:round/>
-                      <a:headEnd type="none" w="med" len="med"/>
-                      <a:tailEnd type="none" w="med" len="med"/>
-                    </a:lnL>
-                    <a:lnR w="7620" cap="flat" cmpd="sng" algn="ctr">
-                      <a:solidFill>
-                        <a:srgbClr val="DFDFDF"/>
-                      </a:solidFill>
-                      <a:prstDash val="solid"/>
-                      <a:round/>
-                      <a:headEnd type="none" w="med" len="med"/>
-                      <a:tailEnd type="none" w="med" len="med"/>
-                    </a:lnR>
-                    <a:lnT w="7620" cap="flat" cmpd="sng" algn="ctr">
-                      <a:solidFill>
-                        <a:srgbClr val="DFDFDF"/>
-                      </a:solidFill>
-                      <a:prstDash val="solid"/>
-                      <a:round/>
-                      <a:headEnd type="none" w="med" len="med"/>
-                      <a:tailEnd type="none" w="med" len="med"/>
-                    </a:lnT>
-                    <a:lnB w="7620" cap="flat" cmpd="sng" algn="ctr">
-                      <a:solidFill>
-                        <a:srgbClr val="DFDFDF"/>
-                      </a:solidFill>
-                      <a:prstDash val="solid"/>
-                      <a:round/>
-                      <a:headEnd type="none" w="med" len="med"/>
-                      <a:tailEnd type="none" w="med" len="med"/>
-                    </a:lnB>
-                    <a:solidFill>
-                      <a:srgbClr val="FFFFFF"/>
-                    </a:solidFill>
-                  </a:tcPr>
-                </a:tc>
-                <a:tc>
-                  <a:txBody>
-                    <a:bodyPr/>
-                    <a:lstStyle/>
-                    <a:p>
-                      <a:pPr fontAlgn="t"/>
-                      <a:r>
-                        <a:rPr lang="en-US" sz="1300" dirty="0">
-                          <a:solidFill>
-                            <a:srgbClr val="414141"/>
-                          </a:solidFill>
-                          <a:effectLst/>
-                        </a:rPr>
-                        <a:t>&amp;&amp; is known as AND operator. It checks whether two operands are non-zero or not (0, false, undefined, null or "" are considered as zero). It returns 1 if they are non-zero; otherwise, returns 0.</a:t>
-                      </a:r>
-                    </a:p>
-                  </a:txBody>
-                  <a:tcPr marL="67990" marR="67990" marT="33995" marB="33995">
-                    <a:lnL w="7620" cap="flat" cmpd="sng" algn="ctr">
-                      <a:solidFill>
-                        <a:srgbClr val="DFDFDF"/>
-                      </a:solidFill>
-                      <a:prstDash val="solid"/>
-                      <a:round/>
-                      <a:headEnd type="none" w="med" len="med"/>
-                      <a:tailEnd type="none" w="med" len="med"/>
-                    </a:lnL>
-                    <a:lnR w="7620" cap="flat" cmpd="sng" algn="ctr">
-                      <a:solidFill>
-                        <a:srgbClr val="DFDFDF"/>
-                      </a:solidFill>
-                      <a:prstDash val="solid"/>
-                      <a:round/>
-                      <a:headEnd type="none" w="med" len="med"/>
-                      <a:tailEnd type="none" w="med" len="med"/>
-                    </a:lnR>
-                    <a:lnT w="7620" cap="flat" cmpd="sng" algn="ctr">
-                      <a:solidFill>
-                        <a:srgbClr val="DFDFDF"/>
-                      </a:solidFill>
-                      <a:prstDash val="solid"/>
-                      <a:round/>
-                      <a:headEnd type="none" w="med" len="med"/>
-                      <a:tailEnd type="none" w="med" len="med"/>
-                    </a:lnT>
-                    <a:lnB w="7620" cap="flat" cmpd="sng" algn="ctr">
-                      <a:solidFill>
-                        <a:srgbClr val="DFDFDF"/>
-                      </a:solidFill>
-                      <a:prstDash val="solid"/>
-                      <a:round/>
-                      <a:headEnd type="none" w="med" len="med"/>
-                      <a:tailEnd type="none" w="med" len="med"/>
-                    </a:lnB>
-                    <a:solidFill>
-                      <a:srgbClr val="FFFFFF"/>
-                    </a:solidFill>
-                  </a:tcPr>
-                </a:tc>
-                <a:extLst>
-                  <a:ext uri="{0D108BD9-81ED-4DB2-BD59-A6C34878D82A}">
-                    <a16:rowId xmlns="" xmlns:a16="http://schemas.microsoft.com/office/drawing/2014/main" val="2600142487"/>
-                  </a:ext>
-                </a:extLst>
-              </a:tr>
-              <a:tr h="1342211">
-                <a:tc>
-                  <a:txBody>
-                    <a:bodyPr/>
-                    <a:lstStyle/>
-                    <a:p>
-                      <a:pPr algn="ctr" fontAlgn="t"/>
-                      <a:r>
-                        <a:rPr lang="en-IN" sz="1300" dirty="0">
-                          <a:solidFill>
-                            <a:srgbClr val="414141"/>
-                          </a:solidFill>
-                          <a:effectLst/>
-                        </a:rPr>
-                        <a:t>||</a:t>
-                      </a:r>
-                    </a:p>
-                  </a:txBody>
-                  <a:tcPr marL="67990" marR="67990" marT="33995" marB="33995">
-                    <a:lnL w="7620" cap="flat" cmpd="sng" algn="ctr">
-                      <a:solidFill>
-                        <a:srgbClr val="DFDFDF"/>
-                      </a:solidFill>
-                      <a:prstDash val="solid"/>
-                      <a:round/>
-                      <a:headEnd type="none" w="med" len="med"/>
-                      <a:tailEnd type="none" w="med" len="med"/>
-                    </a:lnL>
-                    <a:lnR w="7620" cap="flat" cmpd="sng" algn="ctr">
-                      <a:solidFill>
-                        <a:srgbClr val="DFDFDF"/>
-                      </a:solidFill>
-                      <a:prstDash val="solid"/>
-                      <a:round/>
-                      <a:headEnd type="none" w="med" len="med"/>
-                      <a:tailEnd type="none" w="med" len="med"/>
-                    </a:lnR>
-                    <a:lnT w="7620" cap="flat" cmpd="sng" algn="ctr">
-                      <a:solidFill>
-                        <a:srgbClr val="DFDFDF"/>
-                      </a:solidFill>
-                      <a:prstDash val="solid"/>
-                      <a:round/>
-                      <a:headEnd type="none" w="med" len="med"/>
-                      <a:tailEnd type="none" w="med" len="med"/>
-                    </a:lnT>
-                    <a:lnB w="7620" cap="flat" cmpd="sng" algn="ctr">
-                      <a:solidFill>
-                        <a:srgbClr val="DFDFDF"/>
-                      </a:solidFill>
-                      <a:prstDash val="solid"/>
-                      <a:round/>
-                      <a:headEnd type="none" w="med" len="med"/>
-                      <a:tailEnd type="none" w="med" len="med"/>
-                    </a:lnB>
-                    <a:solidFill>
-                      <a:srgbClr val="F9F9F9"/>
-                    </a:solidFill>
-                  </a:tcPr>
-                </a:tc>
-                <a:tc>
-                  <a:txBody>
-                    <a:bodyPr/>
-                    <a:lstStyle/>
-                    <a:p>
-                      <a:pPr fontAlgn="t"/>
-                      <a:r>
-                        <a:rPr lang="en-US" sz="1300" dirty="0">
-                          <a:solidFill>
-                            <a:srgbClr val="414141"/>
-                          </a:solidFill>
-                          <a:effectLst/>
-                        </a:rPr>
-                        <a:t>|| is known as OR operator. It checks whether any one of the two operands is non-zero or not (0, false, undefined, null or "" is considered as zero). It returns 1 if any one of </a:t>
-                      </a:r>
-                      <a:r>
-                        <a:rPr lang="en-US" sz="1300" dirty="0" err="1">
-                          <a:solidFill>
-                            <a:srgbClr val="414141"/>
-                          </a:solidFill>
-                          <a:effectLst/>
-                        </a:rPr>
-                        <a:t>of</a:t>
-                      </a:r>
-                      <a:r>
-                        <a:rPr lang="en-US" sz="1300" dirty="0">
-                          <a:solidFill>
-                            <a:srgbClr val="414141"/>
-                          </a:solidFill>
-                          <a:effectLst/>
-                        </a:rPr>
-                        <a:t> them is non-zero; otherwise, returns 0.</a:t>
-                      </a:r>
-                    </a:p>
-                  </a:txBody>
-                  <a:tcPr marL="67990" marR="67990" marT="33995" marB="33995">
-                    <a:lnL w="7620" cap="flat" cmpd="sng" algn="ctr">
-                      <a:solidFill>
-                        <a:srgbClr val="DFDFDF"/>
-                      </a:solidFill>
-                      <a:prstDash val="solid"/>
-                      <a:round/>
-                      <a:headEnd type="none" w="med" len="med"/>
-                      <a:tailEnd type="none" w="med" len="med"/>
-                    </a:lnL>
-                    <a:lnR w="7620" cap="flat" cmpd="sng" algn="ctr">
-                      <a:solidFill>
-                        <a:srgbClr val="DFDFDF"/>
-                      </a:solidFill>
-                      <a:prstDash val="solid"/>
-                      <a:round/>
-                      <a:headEnd type="none" w="med" len="med"/>
-                      <a:tailEnd type="none" w="med" len="med"/>
-                    </a:lnR>
-                    <a:lnT w="7620" cap="flat" cmpd="sng" algn="ctr">
-                      <a:solidFill>
-                        <a:srgbClr val="DFDFDF"/>
-                      </a:solidFill>
-                      <a:prstDash val="solid"/>
-                      <a:round/>
-                      <a:headEnd type="none" w="med" len="med"/>
-                      <a:tailEnd type="none" w="med" len="med"/>
-                    </a:lnT>
-                    <a:lnB w="7620" cap="flat" cmpd="sng" algn="ctr">
-                      <a:solidFill>
-                        <a:srgbClr val="DFDFDF"/>
-                      </a:solidFill>
-                      <a:prstDash val="solid"/>
-                      <a:round/>
-                      <a:headEnd type="none" w="med" len="med"/>
-                      <a:tailEnd type="none" w="med" len="med"/>
-                    </a:lnB>
-                    <a:solidFill>
-                      <a:srgbClr val="F9F9F9"/>
-                    </a:solidFill>
-                  </a:tcPr>
-                </a:tc>
-                <a:extLst>
-                  <a:ext uri="{0D108BD9-81ED-4DB2-BD59-A6C34878D82A}">
-                    <a16:rowId xmlns="" xmlns:a16="http://schemas.microsoft.com/office/drawing/2014/main" val="2111402229"/>
-                  </a:ext>
-                </a:extLst>
-              </a:tr>
-              <a:tr h="976154">
-                <a:tc>
-                  <a:txBody>
-                    <a:bodyPr/>
-                    <a:lstStyle/>
-                    <a:p>
-                      <a:pPr algn="ctr" fontAlgn="t"/>
-                      <a:r>
-                        <a:rPr lang="en-IN" sz="1300" dirty="0">
-                          <a:solidFill>
-                            <a:srgbClr val="414141"/>
-                          </a:solidFill>
-                          <a:effectLst/>
-                        </a:rPr>
-                        <a:t>!</a:t>
-                      </a:r>
-                    </a:p>
-                  </a:txBody>
-                  <a:tcPr marL="67990" marR="67990" marT="33995" marB="33995">
-                    <a:lnL w="7620" cap="flat" cmpd="sng" algn="ctr">
-                      <a:solidFill>
-                        <a:srgbClr val="DFDFDF"/>
-                      </a:solidFill>
-                      <a:prstDash val="solid"/>
-                      <a:round/>
-                      <a:headEnd type="none" w="med" len="med"/>
-                      <a:tailEnd type="none" w="med" len="med"/>
-                    </a:lnL>
-                    <a:lnR w="7620" cap="flat" cmpd="sng" algn="ctr">
-                      <a:solidFill>
-                        <a:srgbClr val="DFDFDF"/>
-                      </a:solidFill>
-                      <a:prstDash val="solid"/>
-                      <a:round/>
-                      <a:headEnd type="none" w="med" len="med"/>
-                      <a:tailEnd type="none" w="med" len="med"/>
-                    </a:lnR>
-                    <a:lnT w="7620" cap="flat" cmpd="sng" algn="ctr">
-                      <a:solidFill>
-                        <a:srgbClr val="DFDFDF"/>
-                      </a:solidFill>
-                      <a:prstDash val="solid"/>
-                      <a:round/>
-                      <a:headEnd type="none" w="med" len="med"/>
-                      <a:tailEnd type="none" w="med" len="med"/>
-                    </a:lnT>
-                    <a:lnB w="7620" cap="flat" cmpd="sng" algn="ctr">
-                      <a:solidFill>
-                        <a:srgbClr val="DFDFDF"/>
-                      </a:solidFill>
-                      <a:prstDash val="solid"/>
-                      <a:round/>
-                      <a:headEnd type="none" w="med" len="med"/>
-                      <a:tailEnd type="none" w="med" len="med"/>
-                    </a:lnB>
-                    <a:solidFill>
-                      <a:srgbClr val="FFFFFF"/>
-                    </a:solidFill>
-                  </a:tcPr>
-                </a:tc>
-                <a:tc>
-                  <a:txBody>
-                    <a:bodyPr/>
-                    <a:lstStyle/>
-                    <a:p>
-                      <a:pPr fontAlgn="t"/>
-                      <a:r>
-                        <a:rPr lang="en-US" sz="1300" dirty="0">
-                          <a:solidFill>
-                            <a:srgbClr val="414141"/>
-                          </a:solidFill>
-                          <a:effectLst/>
-                        </a:rPr>
-                        <a:t>! is known as NOT operator. It reverses the </a:t>
-                      </a:r>
-                      <a:r>
-                        <a:rPr lang="en-US" sz="1300" dirty="0" err="1">
-                          <a:solidFill>
-                            <a:srgbClr val="414141"/>
-                          </a:solidFill>
-                          <a:effectLst/>
-                        </a:rPr>
-                        <a:t>boolean</a:t>
-                      </a:r>
-                      <a:r>
-                        <a:rPr lang="en-US" sz="1300" dirty="0">
-                          <a:solidFill>
-                            <a:srgbClr val="414141"/>
-                          </a:solidFill>
-                          <a:effectLst/>
-                        </a:rPr>
-                        <a:t> result of the operand (or condition). !false returns true, and !true returns false.</a:t>
-                      </a:r>
-                    </a:p>
-                  </a:txBody>
-                  <a:tcPr marL="67990" marR="67990" marT="33995" marB="33995">
-                    <a:lnL w="7620" cap="flat" cmpd="sng" algn="ctr">
-                      <a:solidFill>
-                        <a:srgbClr val="DFDFDF"/>
-                      </a:solidFill>
-                      <a:prstDash val="solid"/>
-                      <a:round/>
-                      <a:headEnd type="none" w="med" len="med"/>
-                      <a:tailEnd type="none" w="med" len="med"/>
-                    </a:lnL>
-                    <a:lnR w="7620" cap="flat" cmpd="sng" algn="ctr">
-                      <a:solidFill>
-                        <a:srgbClr val="DFDFDF"/>
-                      </a:solidFill>
-                      <a:prstDash val="solid"/>
-                      <a:round/>
-                      <a:headEnd type="none" w="med" len="med"/>
-                      <a:tailEnd type="none" w="med" len="med"/>
-                    </a:lnR>
-                    <a:lnT w="7620" cap="flat" cmpd="sng" algn="ctr">
-                      <a:solidFill>
-                        <a:srgbClr val="DFDFDF"/>
-                      </a:solidFill>
-                      <a:prstDash val="solid"/>
-                      <a:round/>
-                      <a:headEnd type="none" w="med" len="med"/>
-                      <a:tailEnd type="none" w="med" len="med"/>
-                    </a:lnT>
-                    <a:lnB w="7620" cap="flat" cmpd="sng" algn="ctr">
-                      <a:solidFill>
-                        <a:srgbClr val="DFDFDF"/>
-                      </a:solidFill>
-                      <a:prstDash val="solid"/>
-                      <a:round/>
-                      <a:headEnd type="none" w="med" len="med"/>
-                      <a:tailEnd type="none" w="med" len="med"/>
-                    </a:lnB>
-                    <a:solidFill>
-                      <a:srgbClr val="FFFFFF"/>
-                    </a:solidFill>
-                  </a:tcPr>
-                </a:tc>
-                <a:extLst>
-                  <a:ext uri="{0D108BD9-81ED-4DB2-BD59-A6C34878D82A}">
-                    <a16:rowId xmlns="" xmlns:a16="http://schemas.microsoft.com/office/drawing/2014/main" val="2018535582"/>
-                  </a:ext>
-                </a:extLst>
-              </a:tr>
-            </a:tbl>
-          </a:graphicData>
-        </a:graphic>
-      </p:graphicFrame>
-    </p:spTree>
-    <p:extLst>
-      <p:ext uri="{BB962C8B-B14F-4D97-AF65-F5344CB8AC3E}">
-        <p14:creationId xmlns="" xmlns:p14="http://schemas.microsoft.com/office/powerpoint/2010/main" val="512645971"/>
-      </p:ext>
-    </p:extLst>
-  </p:cSld>
-  <p:clrMapOvr>
-    <a:masterClrMapping/>
-  </p:clrMapOvr>
-  <p:timing>
-    <p:tnLst>
-      <p:par>
-        <p:cTn id="1" dur="indefinite" restart="never" nodeType="tmRoot"/>
-      </p:par>
-    </p:tnLst>
-  </p:timing>
-</p:sld>
-</file>
-
-<file path=ppt/slides/slide12.xml><?xml version="1.0" encoding="utf-8"?>
-<p:sld xmlns:a="http://schemas.openxmlformats.org/drawingml/2006/main" xmlns:r="http://schemas.openxmlformats.org/officeDocument/2006/relationships" xmlns:p="http://schemas.openxmlformats.org/presentationml/2006/main">
-  <p:cSld>
-    <p:spTree>
-      <p:nvGrpSpPr>
-        <p:cNvPr id="1" name=""/>
-        <p:cNvGrpSpPr/>
-        <p:nvPr/>
-      </p:nvGrpSpPr>
-      <p:grpSpPr>
-        <a:xfrm>
-          <a:off x="0" y="0"/>
-          <a:ext cx="0" cy="0"/>
-          <a:chOff x="0" y="0"/>
-          <a:chExt cx="0" cy="0"/>
-        </a:xfrm>
-      </p:grpSpPr>
-      <p:sp>
-        <p:nvSpPr>
-          <p:cNvPr id="4" name="Content Placeholder 13"/>
-          <p:cNvSpPr txBox="1">
-            <a:spLocks/>
-          </p:cNvSpPr>
-          <p:nvPr/>
-        </p:nvSpPr>
-        <p:spPr>
-          <a:xfrm>
-            <a:off x="321126" y="144620"/>
-            <a:ext cx="9791700" cy="630192"/>
-          </a:xfrm>
-          <a:prstGeom prst="rect">
-            <a:avLst/>
-          </a:prstGeom>
-        </p:spPr>
-        <p:txBody>
-          <a:bodyPr vert="horz" lIns="91440" tIns="45720" rIns="91440" bIns="45720" rtlCol="0">
-            <a:noAutofit/>
-          </a:bodyPr>
-          <a:lstStyle>
-            <a:lvl1pPr marL="0" indent="0" algn="ctr" defTabSz="914400" rtl="0" eaLnBrk="1" latinLnBrk="0" hangingPunct="1">
-              <a:lnSpc>
-                <a:spcPct val="90000"/>
-              </a:lnSpc>
-              <a:spcBef>
-                <a:spcPts val="1000"/>
-              </a:spcBef>
-              <a:buFont typeface="Arial" panose="020B0604020202020204" pitchFamily="34" charset="0"/>
-              <a:buNone/>
-              <a:defRPr kumimoji="1" sz="2400" kern="1200">
-                <a:solidFill>
-                  <a:schemeClr val="tx1"/>
-                </a:solidFill>
-                <a:latin typeface="+mn-lt"/>
-                <a:ea typeface="+mn-ea"/>
-                <a:cs typeface="+mn-cs"/>
-              </a:defRPr>
-            </a:lvl1pPr>
-            <a:lvl2pPr marL="457200" indent="0" algn="ctr" defTabSz="914400" rtl="0" eaLnBrk="1" latinLnBrk="0" hangingPunct="1">
-              <a:lnSpc>
-                <a:spcPct val="90000"/>
-              </a:lnSpc>
-              <a:spcBef>
-                <a:spcPts val="500"/>
-              </a:spcBef>
-              <a:buFont typeface="Arial" panose="020B0604020202020204" pitchFamily="34" charset="0"/>
-              <a:buNone/>
-              <a:defRPr kumimoji="1" sz="2000" kern="1200">
-                <a:solidFill>
-                  <a:schemeClr val="tx1"/>
-                </a:solidFill>
-                <a:latin typeface="+mn-lt"/>
-                <a:ea typeface="+mn-ea"/>
-                <a:cs typeface="+mn-cs"/>
-              </a:defRPr>
-            </a:lvl2pPr>
-            <a:lvl3pPr marL="914400" indent="0" algn="ctr" defTabSz="914400" rtl="0" eaLnBrk="1" latinLnBrk="0" hangingPunct="1">
-              <a:lnSpc>
-                <a:spcPct val="90000"/>
-              </a:lnSpc>
-              <a:spcBef>
-                <a:spcPts val="500"/>
-              </a:spcBef>
-              <a:buFont typeface="Arial" panose="020B0604020202020204" pitchFamily="34" charset="0"/>
-              <a:buNone/>
-              <a:defRPr kumimoji="1" sz="1800" kern="1200">
-                <a:solidFill>
-                  <a:schemeClr val="tx1"/>
-                </a:solidFill>
-                <a:latin typeface="+mn-lt"/>
-                <a:ea typeface="+mn-ea"/>
-                <a:cs typeface="+mn-cs"/>
-              </a:defRPr>
-            </a:lvl3pPr>
-            <a:lvl4pPr marL="1371600" indent="0" algn="ctr" defTabSz="914400" rtl="0" eaLnBrk="1" latinLnBrk="0" hangingPunct="1">
-              <a:lnSpc>
-                <a:spcPct val="90000"/>
-              </a:lnSpc>
-              <a:spcBef>
-                <a:spcPts val="500"/>
-              </a:spcBef>
-              <a:buFont typeface="Arial" panose="020B0604020202020204" pitchFamily="34" charset="0"/>
-              <a:buNone/>
-              <a:defRPr kumimoji="1" sz="1600" kern="1200">
-                <a:solidFill>
-                  <a:schemeClr val="tx1"/>
-                </a:solidFill>
-                <a:latin typeface="+mn-lt"/>
-                <a:ea typeface="+mn-ea"/>
-                <a:cs typeface="+mn-cs"/>
-              </a:defRPr>
-            </a:lvl4pPr>
-            <a:lvl5pPr marL="1828800" indent="0" algn="ctr" defTabSz="914400" rtl="0" eaLnBrk="1" latinLnBrk="0" hangingPunct="1">
-              <a:lnSpc>
-                <a:spcPct val="90000"/>
-              </a:lnSpc>
-              <a:spcBef>
-                <a:spcPts val="500"/>
-              </a:spcBef>
-              <a:buFont typeface="Arial" panose="020B0604020202020204" pitchFamily="34" charset="0"/>
-              <a:buNone/>
-              <a:defRPr kumimoji="1" sz="1600" kern="1200">
-                <a:solidFill>
-                  <a:schemeClr val="tx1"/>
-                </a:solidFill>
-                <a:latin typeface="+mn-lt"/>
-                <a:ea typeface="+mn-ea"/>
-                <a:cs typeface="+mn-cs"/>
-              </a:defRPr>
-            </a:lvl5pPr>
-            <a:lvl6pPr marL="2286000" indent="0" algn="ctr" defTabSz="914400" rtl="0" eaLnBrk="1" latinLnBrk="0" hangingPunct="1">
-              <a:lnSpc>
-                <a:spcPct val="90000"/>
-              </a:lnSpc>
-              <a:spcBef>
-                <a:spcPts val="500"/>
-              </a:spcBef>
-              <a:buFont typeface="Arial" panose="020B0604020202020204" pitchFamily="34" charset="0"/>
-              <a:buNone/>
-              <a:defRPr kumimoji="1" sz="1600" kern="1200">
-                <a:solidFill>
-                  <a:schemeClr val="tx1"/>
-                </a:solidFill>
-                <a:latin typeface="+mn-lt"/>
-                <a:ea typeface="+mn-ea"/>
-                <a:cs typeface="+mn-cs"/>
-              </a:defRPr>
-            </a:lvl6pPr>
-            <a:lvl7pPr marL="2743200" indent="0" algn="ctr" defTabSz="914400" rtl="0" eaLnBrk="1" latinLnBrk="0" hangingPunct="1">
-              <a:lnSpc>
-                <a:spcPct val="90000"/>
-              </a:lnSpc>
-              <a:spcBef>
-                <a:spcPts val="500"/>
-              </a:spcBef>
-              <a:buFont typeface="Arial" panose="020B0604020202020204" pitchFamily="34" charset="0"/>
-              <a:buNone/>
-              <a:defRPr kumimoji="1" sz="1600" kern="1200">
-                <a:solidFill>
-                  <a:schemeClr val="tx1"/>
-                </a:solidFill>
-                <a:latin typeface="+mn-lt"/>
-                <a:ea typeface="+mn-ea"/>
-                <a:cs typeface="+mn-cs"/>
-              </a:defRPr>
-            </a:lvl7pPr>
-            <a:lvl8pPr marL="3200400" indent="0" algn="ctr" defTabSz="914400" rtl="0" eaLnBrk="1" latinLnBrk="0" hangingPunct="1">
-              <a:lnSpc>
-                <a:spcPct val="90000"/>
-              </a:lnSpc>
-              <a:spcBef>
-                <a:spcPts val="500"/>
-              </a:spcBef>
-              <a:buFont typeface="Arial" panose="020B0604020202020204" pitchFamily="34" charset="0"/>
-              <a:buNone/>
-              <a:defRPr kumimoji="1" sz="1600" kern="1200">
-                <a:solidFill>
-                  <a:schemeClr val="tx1"/>
-                </a:solidFill>
-                <a:latin typeface="+mn-lt"/>
-                <a:ea typeface="+mn-ea"/>
-                <a:cs typeface="+mn-cs"/>
-              </a:defRPr>
-            </a:lvl8pPr>
-            <a:lvl9pPr marL="3657600" indent="0" algn="ctr" defTabSz="914400" rtl="0" eaLnBrk="1" latinLnBrk="0" hangingPunct="1">
-              <a:lnSpc>
-                <a:spcPct val="90000"/>
-              </a:lnSpc>
-              <a:spcBef>
-                <a:spcPts val="500"/>
-              </a:spcBef>
-              <a:buFont typeface="Arial" panose="020B0604020202020204" pitchFamily="34" charset="0"/>
-              <a:buNone/>
-              <a:defRPr kumimoji="1" sz="1600" kern="1200">
-                <a:solidFill>
-                  <a:schemeClr val="tx1"/>
-                </a:solidFill>
-                <a:latin typeface="+mn-lt"/>
-                <a:ea typeface="+mn-ea"/>
-                <a:cs typeface="+mn-cs"/>
-              </a:defRPr>
-            </a:lvl9pPr>
-          </a:lstStyle>
-          <a:p>
-            <a:pPr algn="l"/>
-            <a:r>
-              <a:rPr lang="en-US" sz="3600" b="1" dirty="0" smtClean="0">
-                <a:solidFill>
-                  <a:srgbClr val="0064B5"/>
-                </a:solidFill>
-              </a:rPr>
-              <a:t>JavaScript Operators </a:t>
-            </a:r>
-            <a:r>
-              <a:rPr lang="en-US" sz="3600" b="1" dirty="0">
-                <a:solidFill>
-                  <a:srgbClr val="0064B5"/>
-                </a:solidFill>
-              </a:rPr>
-              <a:t>- Ternary </a:t>
-            </a:r>
-            <a:r>
-              <a:rPr lang="en-US" sz="3600" b="1" dirty="0" smtClean="0">
-                <a:solidFill>
-                  <a:srgbClr val="0064B5"/>
-                </a:solidFill>
-              </a:rPr>
-              <a:t> </a:t>
-            </a:r>
-            <a:endParaRPr lang="en-US" sz="3600" b="1" dirty="0">
-              <a:solidFill>
-                <a:srgbClr val="0064B5"/>
-              </a:solidFill>
-            </a:endParaRPr>
-          </a:p>
-        </p:txBody>
-      </p:sp>
-      <p:sp>
-        <p:nvSpPr>
-          <p:cNvPr id="7" name="Rectangle 6"/>
-          <p:cNvSpPr/>
-          <p:nvPr/>
-        </p:nvSpPr>
-        <p:spPr>
-          <a:xfrm>
-            <a:off x="447023" y="2289601"/>
-            <a:ext cx="4281731" cy="2508777"/>
-          </a:xfrm>
-          <a:prstGeom prst="rect">
-            <a:avLst/>
-          </a:prstGeom>
-          <a:gradFill flip="none" rotWithShape="1">
-            <a:gsLst>
-              <a:gs pos="0">
-                <a:schemeClr val="bg2"/>
-              </a:gs>
-              <a:gs pos="50000">
-                <a:schemeClr val="accent3">
-                  <a:lumMod val="20000"/>
-                  <a:lumOff val="80000"/>
-                  <a:shade val="67500"/>
-                  <a:satMod val="115000"/>
-                </a:schemeClr>
-              </a:gs>
-              <a:gs pos="100000">
-                <a:schemeClr val="accent3">
-                  <a:lumMod val="20000"/>
-                  <a:lumOff val="80000"/>
-                  <a:shade val="100000"/>
-                  <a:satMod val="115000"/>
-                </a:schemeClr>
-              </a:gs>
-            </a:gsLst>
-            <a:lin ang="6600000" scaled="0"/>
-            <a:tileRect/>
-          </a:gradFill>
-          <a:ln>
-            <a:solidFill>
-              <a:schemeClr val="tx1">
-                <a:lumMod val="50000"/>
-                <a:lumOff val="50000"/>
-              </a:schemeClr>
-            </a:solidFill>
-          </a:ln>
-        </p:spPr>
-        <p:style>
-          <a:lnRef idx="2">
-            <a:schemeClr val="accent1">
-              <a:shade val="50000"/>
-            </a:schemeClr>
-          </a:lnRef>
-          <a:fillRef idx="1">
-            <a:schemeClr val="accent1"/>
-          </a:fillRef>
-          <a:effectRef idx="0">
-            <a:schemeClr val="accent1"/>
-          </a:effectRef>
-          <a:fontRef idx="minor">
-            <a:schemeClr val="lt1"/>
-          </a:fontRef>
-        </p:style>
-        <p:txBody>
-          <a:bodyPr rtlCol="0" anchor="ctr"/>
-          <a:lstStyle/>
-          <a:p>
-            <a:r>
-              <a:rPr lang="en-US" sz="1500" b="1" u="sng" dirty="0" smtClean="0">
-                <a:solidFill>
-                  <a:schemeClr val="tx1"/>
-                </a:solidFill>
-              </a:rPr>
-              <a:t>Syntax:</a:t>
-            </a:r>
-            <a:endParaRPr lang="en-US" sz="1500" b="1" u="sng" dirty="0">
-              <a:solidFill>
-                <a:schemeClr val="tx1"/>
-              </a:solidFill>
-            </a:endParaRPr>
-          </a:p>
-          <a:p>
-            <a:r>
-              <a:rPr lang="en-US" sz="1500" dirty="0">
-                <a:solidFill>
-                  <a:schemeClr val="tx1"/>
-                </a:solidFill>
-              </a:rPr>
-              <a:t>&lt;condition&gt; ? &lt;value1&gt; : &lt;value2</a:t>
-            </a:r>
-            <a:r>
-              <a:rPr lang="en-US" sz="1500" dirty="0" smtClean="0">
-                <a:solidFill>
-                  <a:schemeClr val="tx1"/>
-                </a:solidFill>
-              </a:rPr>
-              <a:t>&gt;;</a:t>
-            </a:r>
-          </a:p>
-          <a:p>
-            <a:endParaRPr lang="en-US" sz="1500" dirty="0" smtClean="0">
-              <a:solidFill>
-                <a:schemeClr val="tx1"/>
-              </a:solidFill>
-            </a:endParaRPr>
-          </a:p>
-          <a:p>
-            <a:r>
-              <a:rPr lang="en-US" sz="1500" b="1" u="sng" dirty="0" smtClean="0">
-                <a:solidFill>
-                  <a:schemeClr val="tx1"/>
-                </a:solidFill>
-              </a:rPr>
-              <a:t>Example:</a:t>
-            </a:r>
-            <a:endParaRPr lang="en-US" sz="1500" b="1" u="sng" dirty="0">
-              <a:solidFill>
-                <a:schemeClr val="tx1"/>
-              </a:solidFill>
-            </a:endParaRPr>
-          </a:p>
-          <a:p>
-            <a:endParaRPr lang="en-US" sz="1500" dirty="0" smtClean="0">
-              <a:solidFill>
-                <a:schemeClr val="tx1"/>
-              </a:solidFill>
-            </a:endParaRPr>
-          </a:p>
-          <a:p>
-            <a:r>
-              <a:rPr lang="en-US" sz="1500" dirty="0" err="1">
-                <a:solidFill>
-                  <a:schemeClr val="tx1"/>
-                </a:solidFill>
-              </a:rPr>
-              <a:t>var</a:t>
-            </a:r>
-            <a:r>
-              <a:rPr lang="en-US" sz="1500" dirty="0">
-                <a:solidFill>
-                  <a:schemeClr val="tx1"/>
-                </a:solidFill>
-              </a:rPr>
-              <a:t> a = 10, b = 5;</a:t>
-            </a:r>
-          </a:p>
-          <a:p>
-            <a:endParaRPr lang="en-US" sz="1500" dirty="0">
-              <a:solidFill>
-                <a:schemeClr val="tx1"/>
-              </a:solidFill>
-            </a:endParaRPr>
-          </a:p>
-          <a:p>
-            <a:r>
-              <a:rPr lang="en-US" sz="1500" dirty="0" err="1">
-                <a:solidFill>
-                  <a:schemeClr val="tx1"/>
-                </a:solidFill>
-              </a:rPr>
-              <a:t>var</a:t>
-            </a:r>
-            <a:r>
-              <a:rPr lang="en-US" sz="1500" dirty="0">
-                <a:solidFill>
-                  <a:schemeClr val="tx1"/>
-                </a:solidFill>
-              </a:rPr>
-              <a:t> c = a &gt; b? a : b; // value of c would be 10</a:t>
-            </a:r>
-          </a:p>
-          <a:p>
-            <a:r>
-              <a:rPr lang="en-US" sz="1500" dirty="0" err="1">
-                <a:solidFill>
-                  <a:schemeClr val="tx1"/>
-                </a:solidFill>
-              </a:rPr>
-              <a:t>var</a:t>
-            </a:r>
-            <a:r>
-              <a:rPr lang="en-US" sz="1500" dirty="0">
-                <a:solidFill>
-                  <a:schemeClr val="tx1"/>
-                </a:solidFill>
-              </a:rPr>
-              <a:t> d = a &gt; b? b : a; // value of d would be 5</a:t>
-            </a:r>
-            <a:endParaRPr lang="en-US" sz="1500" dirty="0" smtClean="0">
-              <a:solidFill>
-                <a:schemeClr val="tx1"/>
-              </a:solidFill>
-            </a:endParaRPr>
-          </a:p>
-        </p:txBody>
-      </p:sp>
-      <p:sp>
-        <p:nvSpPr>
-          <p:cNvPr id="9" name="Rectangle 8"/>
-          <p:cNvSpPr/>
-          <p:nvPr/>
-        </p:nvSpPr>
-        <p:spPr>
-          <a:xfrm>
-            <a:off x="447023" y="817282"/>
-            <a:ext cx="10691240" cy="1295868"/>
-          </a:xfrm>
-          <a:prstGeom prst="rect">
-            <a:avLst/>
-          </a:prstGeom>
-        </p:spPr>
-        <p:txBody>
-          <a:bodyPr wrap="square">
-            <a:spAutoFit/>
-          </a:bodyPr>
-          <a:lstStyle/>
-          <a:p>
-            <a:pPr marL="285750" indent="-285750">
-              <a:lnSpc>
-                <a:spcPct val="150000"/>
-              </a:lnSpc>
-              <a:buFont typeface="Arial" panose="020B0604020202020204" pitchFamily="34" charset="0"/>
-              <a:buChar char="•"/>
-            </a:pPr>
-            <a:r>
-              <a:rPr lang="en-US" dirty="0"/>
-              <a:t>JavaScript provides a special operator called ternary operator :? that assigns a value to a variable based on some condition</a:t>
-            </a:r>
-            <a:r>
-              <a:rPr lang="en-US" dirty="0" smtClean="0"/>
-              <a:t>.</a:t>
-            </a:r>
-          </a:p>
-          <a:p>
-            <a:pPr marL="285750" indent="-285750">
-              <a:lnSpc>
-                <a:spcPct val="150000"/>
-              </a:lnSpc>
-              <a:buFont typeface="Arial" panose="020B0604020202020204" pitchFamily="34" charset="0"/>
-              <a:buChar char="•"/>
-            </a:pPr>
-            <a:r>
-              <a:rPr lang="en-US" dirty="0"/>
-              <a:t>Ternary operator ?: is a short form of if-else condition</a:t>
-            </a:r>
-            <a:endParaRPr lang="en-IN" dirty="0"/>
-          </a:p>
-        </p:txBody>
-      </p:sp>
-    </p:spTree>
-    <p:extLst>
-      <p:ext uri="{BB962C8B-B14F-4D97-AF65-F5344CB8AC3E}">
-        <p14:creationId xmlns="" xmlns:p14="http://schemas.microsoft.com/office/powerpoint/2010/main" val="3586889122"/>
-      </p:ext>
-    </p:extLst>
-  </p:cSld>
-  <p:clrMapOvr>
-    <a:masterClrMapping/>
-  </p:clrMapOvr>
-  <p:timing>
-    <p:tnLst>
-      <p:par>
-        <p:cTn id="1" dur="indefinite" restart="never" nodeType="tmRoot"/>
-      </p:par>
-    </p:tnLst>
-  </p:timing>
-</p:sld>
-</file>
-
-<file path=ppt/slides/slide13.xml><?xml version="1.0" encoding="utf-8"?>
-<p:sld xmlns:a="http://schemas.openxmlformats.org/drawingml/2006/main" xmlns:r="http://schemas.openxmlformats.org/officeDocument/2006/relationships" xmlns:p="http://schemas.openxmlformats.org/presentationml/2006/main">
-  <p:cSld>
-    <p:spTree>
-      <p:nvGrpSpPr>
-        <p:cNvPr id="1" name=""/>
-        <p:cNvGrpSpPr/>
-        <p:nvPr/>
-      </p:nvGrpSpPr>
-      <p:grpSpPr>
-        <a:xfrm>
-          <a:off x="0" y="0"/>
-          <a:ext cx="0" cy="0"/>
-          <a:chOff x="0" y="0"/>
-          <a:chExt cx="0" cy="0"/>
-        </a:xfrm>
-      </p:grpSpPr>
-      <p:sp>
-        <p:nvSpPr>
-          <p:cNvPr id="4" name="Content Placeholder 13"/>
-          <p:cNvSpPr txBox="1">
-            <a:spLocks/>
-          </p:cNvSpPr>
-          <p:nvPr/>
-        </p:nvSpPr>
-        <p:spPr>
-          <a:xfrm>
-            <a:off x="321126" y="144620"/>
-            <a:ext cx="9791700" cy="630192"/>
-          </a:xfrm>
-          <a:prstGeom prst="rect">
-            <a:avLst/>
-          </a:prstGeom>
-        </p:spPr>
-        <p:txBody>
-          <a:bodyPr vert="horz" lIns="91440" tIns="45720" rIns="91440" bIns="45720" rtlCol="0">
-            <a:noAutofit/>
-          </a:bodyPr>
-          <a:lstStyle>
-            <a:lvl1pPr marL="0" indent="0" algn="ctr" defTabSz="914400" rtl="0" eaLnBrk="1" latinLnBrk="0" hangingPunct="1">
-              <a:lnSpc>
-                <a:spcPct val="90000"/>
-              </a:lnSpc>
-              <a:spcBef>
-                <a:spcPts val="1000"/>
-              </a:spcBef>
-              <a:buFont typeface="Arial" panose="020B0604020202020204" pitchFamily="34" charset="0"/>
-              <a:buNone/>
-              <a:defRPr kumimoji="1" sz="2400" kern="1200">
-                <a:solidFill>
-                  <a:schemeClr val="tx1"/>
-                </a:solidFill>
-                <a:latin typeface="+mn-lt"/>
-                <a:ea typeface="+mn-ea"/>
-                <a:cs typeface="+mn-cs"/>
-              </a:defRPr>
-            </a:lvl1pPr>
-            <a:lvl2pPr marL="457200" indent="0" algn="ctr" defTabSz="914400" rtl="0" eaLnBrk="1" latinLnBrk="0" hangingPunct="1">
-              <a:lnSpc>
-                <a:spcPct val="90000"/>
-              </a:lnSpc>
-              <a:spcBef>
-                <a:spcPts val="500"/>
-              </a:spcBef>
-              <a:buFont typeface="Arial" panose="020B0604020202020204" pitchFamily="34" charset="0"/>
-              <a:buNone/>
-              <a:defRPr kumimoji="1" sz="2000" kern="1200">
-                <a:solidFill>
-                  <a:schemeClr val="tx1"/>
-                </a:solidFill>
-                <a:latin typeface="+mn-lt"/>
-                <a:ea typeface="+mn-ea"/>
-                <a:cs typeface="+mn-cs"/>
-              </a:defRPr>
-            </a:lvl2pPr>
-            <a:lvl3pPr marL="914400" indent="0" algn="ctr" defTabSz="914400" rtl="0" eaLnBrk="1" latinLnBrk="0" hangingPunct="1">
-              <a:lnSpc>
-                <a:spcPct val="90000"/>
-              </a:lnSpc>
-              <a:spcBef>
-                <a:spcPts val="500"/>
-              </a:spcBef>
-              <a:buFont typeface="Arial" panose="020B0604020202020204" pitchFamily="34" charset="0"/>
-              <a:buNone/>
-              <a:defRPr kumimoji="1" sz="1800" kern="1200">
-                <a:solidFill>
-                  <a:schemeClr val="tx1"/>
-                </a:solidFill>
-                <a:latin typeface="+mn-lt"/>
-                <a:ea typeface="+mn-ea"/>
-                <a:cs typeface="+mn-cs"/>
-              </a:defRPr>
-            </a:lvl3pPr>
-            <a:lvl4pPr marL="1371600" indent="0" algn="ctr" defTabSz="914400" rtl="0" eaLnBrk="1" latinLnBrk="0" hangingPunct="1">
-              <a:lnSpc>
-                <a:spcPct val="90000"/>
-              </a:lnSpc>
-              <a:spcBef>
-                <a:spcPts val="500"/>
-              </a:spcBef>
-              <a:buFont typeface="Arial" panose="020B0604020202020204" pitchFamily="34" charset="0"/>
-              <a:buNone/>
-              <a:defRPr kumimoji="1" sz="1600" kern="1200">
-                <a:solidFill>
-                  <a:schemeClr val="tx1"/>
-                </a:solidFill>
-                <a:latin typeface="+mn-lt"/>
-                <a:ea typeface="+mn-ea"/>
-                <a:cs typeface="+mn-cs"/>
-              </a:defRPr>
-            </a:lvl4pPr>
-            <a:lvl5pPr marL="1828800" indent="0" algn="ctr" defTabSz="914400" rtl="0" eaLnBrk="1" latinLnBrk="0" hangingPunct="1">
-              <a:lnSpc>
-                <a:spcPct val="90000"/>
-              </a:lnSpc>
-              <a:spcBef>
-                <a:spcPts val="500"/>
-              </a:spcBef>
-              <a:buFont typeface="Arial" panose="020B0604020202020204" pitchFamily="34" charset="0"/>
-              <a:buNone/>
-              <a:defRPr kumimoji="1" sz="1600" kern="1200">
-                <a:solidFill>
-                  <a:schemeClr val="tx1"/>
-                </a:solidFill>
-                <a:latin typeface="+mn-lt"/>
-                <a:ea typeface="+mn-ea"/>
-                <a:cs typeface="+mn-cs"/>
-              </a:defRPr>
-            </a:lvl5pPr>
-            <a:lvl6pPr marL="2286000" indent="0" algn="ctr" defTabSz="914400" rtl="0" eaLnBrk="1" latinLnBrk="0" hangingPunct="1">
-              <a:lnSpc>
-                <a:spcPct val="90000"/>
-              </a:lnSpc>
-              <a:spcBef>
-                <a:spcPts val="500"/>
-              </a:spcBef>
-              <a:buFont typeface="Arial" panose="020B0604020202020204" pitchFamily="34" charset="0"/>
-              <a:buNone/>
-              <a:defRPr kumimoji="1" sz="1600" kern="1200">
-                <a:solidFill>
-                  <a:schemeClr val="tx1"/>
-                </a:solidFill>
-                <a:latin typeface="+mn-lt"/>
-                <a:ea typeface="+mn-ea"/>
-                <a:cs typeface="+mn-cs"/>
-              </a:defRPr>
-            </a:lvl6pPr>
-            <a:lvl7pPr marL="2743200" indent="0" algn="ctr" defTabSz="914400" rtl="0" eaLnBrk="1" latinLnBrk="0" hangingPunct="1">
-              <a:lnSpc>
-                <a:spcPct val="90000"/>
-              </a:lnSpc>
-              <a:spcBef>
-                <a:spcPts val="500"/>
-              </a:spcBef>
-              <a:buFont typeface="Arial" panose="020B0604020202020204" pitchFamily="34" charset="0"/>
-              <a:buNone/>
-              <a:defRPr kumimoji="1" sz="1600" kern="1200">
-                <a:solidFill>
-                  <a:schemeClr val="tx1"/>
-                </a:solidFill>
-                <a:latin typeface="+mn-lt"/>
-                <a:ea typeface="+mn-ea"/>
-                <a:cs typeface="+mn-cs"/>
-              </a:defRPr>
-            </a:lvl7pPr>
-            <a:lvl8pPr marL="3200400" indent="0" algn="ctr" defTabSz="914400" rtl="0" eaLnBrk="1" latinLnBrk="0" hangingPunct="1">
-              <a:lnSpc>
-                <a:spcPct val="90000"/>
-              </a:lnSpc>
-              <a:spcBef>
-                <a:spcPts val="500"/>
-              </a:spcBef>
-              <a:buFont typeface="Arial" panose="020B0604020202020204" pitchFamily="34" charset="0"/>
-              <a:buNone/>
-              <a:defRPr kumimoji="1" sz="1600" kern="1200">
-                <a:solidFill>
-                  <a:schemeClr val="tx1"/>
-                </a:solidFill>
-                <a:latin typeface="+mn-lt"/>
-                <a:ea typeface="+mn-ea"/>
-                <a:cs typeface="+mn-cs"/>
-              </a:defRPr>
-            </a:lvl8pPr>
-            <a:lvl9pPr marL="3657600" indent="0" algn="ctr" defTabSz="914400" rtl="0" eaLnBrk="1" latinLnBrk="0" hangingPunct="1">
-              <a:lnSpc>
-                <a:spcPct val="90000"/>
-              </a:lnSpc>
-              <a:spcBef>
-                <a:spcPts val="500"/>
-              </a:spcBef>
-              <a:buFont typeface="Arial" panose="020B0604020202020204" pitchFamily="34" charset="0"/>
-              <a:buNone/>
-              <a:defRPr kumimoji="1" sz="1600" kern="1200">
-                <a:solidFill>
-                  <a:schemeClr val="tx1"/>
-                </a:solidFill>
-                <a:latin typeface="+mn-lt"/>
-                <a:ea typeface="+mn-ea"/>
-                <a:cs typeface="+mn-cs"/>
-              </a:defRPr>
-            </a:lvl9pPr>
-          </a:lstStyle>
-          <a:p>
-            <a:pPr algn="l"/>
-            <a:r>
-              <a:rPr lang="en-US" sz="3600" b="1" dirty="0">
-                <a:solidFill>
-                  <a:srgbClr val="0064B5"/>
-                </a:solidFill>
-              </a:rPr>
-              <a:t>JavaScript conditional statements</a:t>
-            </a:r>
-          </a:p>
-        </p:txBody>
-      </p:sp>
-      <p:sp>
-        <p:nvSpPr>
-          <p:cNvPr id="9" name="Rectangle 8"/>
-          <p:cNvSpPr/>
-          <p:nvPr/>
-        </p:nvSpPr>
-        <p:spPr>
-          <a:xfrm>
-            <a:off x="447023" y="817282"/>
-            <a:ext cx="10691240" cy="2308324"/>
-          </a:xfrm>
-          <a:prstGeom prst="rect">
-            <a:avLst/>
-          </a:prstGeom>
-        </p:spPr>
-        <p:txBody>
-          <a:bodyPr wrap="square">
-            <a:spAutoFit/>
-          </a:bodyPr>
-          <a:lstStyle/>
-          <a:p>
-            <a:r>
-              <a:rPr lang="en-US" dirty="0"/>
-              <a:t>JavaScript includes if-else conditional statements to control the program flow, similar to other programming languages</a:t>
-            </a:r>
-            <a:r>
-              <a:rPr lang="en-US" dirty="0" smtClean="0"/>
-              <a:t>.</a:t>
-            </a:r>
-          </a:p>
-          <a:p>
-            <a:pPr marL="285750" indent="-285750">
-              <a:lnSpc>
-                <a:spcPct val="150000"/>
-              </a:lnSpc>
-              <a:buFont typeface="Arial" panose="020B0604020202020204" pitchFamily="34" charset="0"/>
-              <a:buChar char="•"/>
-            </a:pPr>
-            <a:r>
-              <a:rPr lang="en-US" dirty="0"/>
-              <a:t>if condition</a:t>
-            </a:r>
-          </a:p>
-          <a:p>
-            <a:pPr marL="285750" indent="-285750">
-              <a:lnSpc>
-                <a:spcPct val="150000"/>
-              </a:lnSpc>
-              <a:buFont typeface="Arial" panose="020B0604020202020204" pitchFamily="34" charset="0"/>
-              <a:buChar char="•"/>
-            </a:pPr>
-            <a:r>
-              <a:rPr lang="en-US" dirty="0"/>
-              <a:t>if-else condition</a:t>
-            </a:r>
-          </a:p>
-          <a:p>
-            <a:pPr marL="285750" indent="-285750">
-              <a:lnSpc>
-                <a:spcPct val="150000"/>
-              </a:lnSpc>
-              <a:buFont typeface="Arial" panose="020B0604020202020204" pitchFamily="34" charset="0"/>
-              <a:buChar char="•"/>
-            </a:pPr>
-            <a:r>
-              <a:rPr lang="en-US" dirty="0"/>
-              <a:t>else if condition</a:t>
-            </a:r>
-          </a:p>
-          <a:p>
-            <a:pPr marL="285750" indent="-285750">
-              <a:lnSpc>
-                <a:spcPct val="150000"/>
-              </a:lnSpc>
-              <a:buFont typeface="Arial" panose="020B0604020202020204" pitchFamily="34" charset="0"/>
-              <a:buChar char="•"/>
-            </a:pPr>
-            <a:endParaRPr lang="en-US" dirty="0"/>
-          </a:p>
-        </p:txBody>
-      </p:sp>
-      <p:pic>
-        <p:nvPicPr>
-          <p:cNvPr id="2" name="Picture 1"/>
-          <p:cNvPicPr>
-            <a:picLocks noChangeAspect="1"/>
-          </p:cNvPicPr>
-          <p:nvPr/>
-        </p:nvPicPr>
-        <p:blipFill>
-          <a:blip r:embed="rId2"/>
-          <a:stretch>
-            <a:fillRect/>
-          </a:stretch>
-        </p:blipFill>
-        <p:spPr>
-          <a:xfrm>
-            <a:off x="3814583" y="1740758"/>
-            <a:ext cx="3133725" cy="4019550"/>
-          </a:xfrm>
-          <a:prstGeom prst="rect">
-            <a:avLst/>
-          </a:prstGeom>
-        </p:spPr>
-      </p:pic>
-    </p:spTree>
-    <p:extLst>
-      <p:ext uri="{BB962C8B-B14F-4D97-AF65-F5344CB8AC3E}">
-        <p14:creationId xmlns="" xmlns:p14="http://schemas.microsoft.com/office/powerpoint/2010/main" val="3542214462"/>
-      </p:ext>
-    </p:extLst>
-  </p:cSld>
-  <p:clrMapOvr>
-    <a:masterClrMapping/>
-  </p:clrMapOvr>
-  <p:timing>
-    <p:tnLst>
-      <p:par>
-        <p:cTn id="1" dur="indefinite" restart="never" nodeType="tmRoot"/>
-      </p:par>
-    </p:tnLst>
-  </p:timing>
-</p:sld>
-</file>
-
-<file path=ppt/slides/slide14.xml><?xml version="1.0" encoding="utf-8"?>
-<p:sld xmlns:a="http://schemas.openxmlformats.org/drawingml/2006/main" xmlns:r="http://schemas.openxmlformats.org/officeDocument/2006/relationships" xmlns:p="http://schemas.openxmlformats.org/presentationml/2006/main">
-  <p:cSld>
-    <p:spTree>
-      <p:nvGrpSpPr>
-        <p:cNvPr id="1" name=""/>
-        <p:cNvGrpSpPr/>
-        <p:nvPr/>
-      </p:nvGrpSpPr>
-      <p:grpSpPr>
-        <a:xfrm>
-          <a:off x="0" y="0"/>
-          <a:ext cx="0" cy="0"/>
-          <a:chOff x="0" y="0"/>
-          <a:chExt cx="0" cy="0"/>
-        </a:xfrm>
-      </p:grpSpPr>
-      <p:sp>
-        <p:nvSpPr>
-          <p:cNvPr id="4" name="Content Placeholder 13"/>
-          <p:cNvSpPr txBox="1">
-            <a:spLocks/>
-          </p:cNvSpPr>
-          <p:nvPr/>
-        </p:nvSpPr>
-        <p:spPr>
-          <a:xfrm>
-            <a:off x="321126" y="144620"/>
-            <a:ext cx="9791700" cy="630192"/>
-          </a:xfrm>
-          <a:prstGeom prst="rect">
-            <a:avLst/>
-          </a:prstGeom>
-        </p:spPr>
-        <p:txBody>
-          <a:bodyPr vert="horz" lIns="91440" tIns="45720" rIns="91440" bIns="45720" rtlCol="0">
-            <a:noAutofit/>
-          </a:bodyPr>
-          <a:lstStyle>
-            <a:lvl1pPr marL="0" indent="0" algn="ctr" defTabSz="914400" rtl="0" eaLnBrk="1" latinLnBrk="0" hangingPunct="1">
-              <a:lnSpc>
-                <a:spcPct val="90000"/>
-              </a:lnSpc>
-              <a:spcBef>
-                <a:spcPts val="1000"/>
-              </a:spcBef>
-              <a:buFont typeface="Arial" panose="020B0604020202020204" pitchFamily="34" charset="0"/>
-              <a:buNone/>
-              <a:defRPr kumimoji="1" sz="2400" kern="1200">
-                <a:solidFill>
-                  <a:schemeClr val="tx1"/>
-                </a:solidFill>
-                <a:latin typeface="+mn-lt"/>
-                <a:ea typeface="+mn-ea"/>
-                <a:cs typeface="+mn-cs"/>
-              </a:defRPr>
-            </a:lvl1pPr>
-            <a:lvl2pPr marL="457200" indent="0" algn="ctr" defTabSz="914400" rtl="0" eaLnBrk="1" latinLnBrk="0" hangingPunct="1">
-              <a:lnSpc>
-                <a:spcPct val="90000"/>
-              </a:lnSpc>
-              <a:spcBef>
-                <a:spcPts val="500"/>
-              </a:spcBef>
-              <a:buFont typeface="Arial" panose="020B0604020202020204" pitchFamily="34" charset="0"/>
-              <a:buNone/>
-              <a:defRPr kumimoji="1" sz="2000" kern="1200">
-                <a:solidFill>
-                  <a:schemeClr val="tx1"/>
-                </a:solidFill>
-                <a:latin typeface="+mn-lt"/>
-                <a:ea typeface="+mn-ea"/>
-                <a:cs typeface="+mn-cs"/>
-              </a:defRPr>
-            </a:lvl2pPr>
-            <a:lvl3pPr marL="914400" indent="0" algn="ctr" defTabSz="914400" rtl="0" eaLnBrk="1" latinLnBrk="0" hangingPunct="1">
-              <a:lnSpc>
-                <a:spcPct val="90000"/>
-              </a:lnSpc>
-              <a:spcBef>
-                <a:spcPts val="500"/>
-              </a:spcBef>
-              <a:buFont typeface="Arial" panose="020B0604020202020204" pitchFamily="34" charset="0"/>
-              <a:buNone/>
-              <a:defRPr kumimoji="1" sz="1800" kern="1200">
-                <a:solidFill>
-                  <a:schemeClr val="tx1"/>
-                </a:solidFill>
-                <a:latin typeface="+mn-lt"/>
-                <a:ea typeface="+mn-ea"/>
-                <a:cs typeface="+mn-cs"/>
-              </a:defRPr>
-            </a:lvl3pPr>
-            <a:lvl4pPr marL="1371600" indent="0" algn="ctr" defTabSz="914400" rtl="0" eaLnBrk="1" latinLnBrk="0" hangingPunct="1">
-              <a:lnSpc>
-                <a:spcPct val="90000"/>
-              </a:lnSpc>
-              <a:spcBef>
-                <a:spcPts val="500"/>
-              </a:spcBef>
-              <a:buFont typeface="Arial" panose="020B0604020202020204" pitchFamily="34" charset="0"/>
-              <a:buNone/>
-              <a:defRPr kumimoji="1" sz="1600" kern="1200">
-                <a:solidFill>
-                  <a:schemeClr val="tx1"/>
-                </a:solidFill>
-                <a:latin typeface="+mn-lt"/>
-                <a:ea typeface="+mn-ea"/>
-                <a:cs typeface="+mn-cs"/>
-              </a:defRPr>
-            </a:lvl4pPr>
-            <a:lvl5pPr marL="1828800" indent="0" algn="ctr" defTabSz="914400" rtl="0" eaLnBrk="1" latinLnBrk="0" hangingPunct="1">
-              <a:lnSpc>
-                <a:spcPct val="90000"/>
-              </a:lnSpc>
-              <a:spcBef>
-                <a:spcPts val="500"/>
-              </a:spcBef>
-              <a:buFont typeface="Arial" panose="020B0604020202020204" pitchFamily="34" charset="0"/>
-              <a:buNone/>
-              <a:defRPr kumimoji="1" sz="1600" kern="1200">
-                <a:solidFill>
-                  <a:schemeClr val="tx1"/>
-                </a:solidFill>
-                <a:latin typeface="+mn-lt"/>
-                <a:ea typeface="+mn-ea"/>
-                <a:cs typeface="+mn-cs"/>
-              </a:defRPr>
-            </a:lvl5pPr>
-            <a:lvl6pPr marL="2286000" indent="0" algn="ctr" defTabSz="914400" rtl="0" eaLnBrk="1" latinLnBrk="0" hangingPunct="1">
-              <a:lnSpc>
-                <a:spcPct val="90000"/>
-              </a:lnSpc>
-              <a:spcBef>
-                <a:spcPts val="500"/>
-              </a:spcBef>
-              <a:buFont typeface="Arial" panose="020B0604020202020204" pitchFamily="34" charset="0"/>
-              <a:buNone/>
-              <a:defRPr kumimoji="1" sz="1600" kern="1200">
-                <a:solidFill>
-                  <a:schemeClr val="tx1"/>
-                </a:solidFill>
-                <a:latin typeface="+mn-lt"/>
-                <a:ea typeface="+mn-ea"/>
-                <a:cs typeface="+mn-cs"/>
-              </a:defRPr>
-            </a:lvl6pPr>
-            <a:lvl7pPr marL="2743200" indent="0" algn="ctr" defTabSz="914400" rtl="0" eaLnBrk="1" latinLnBrk="0" hangingPunct="1">
-              <a:lnSpc>
-                <a:spcPct val="90000"/>
-              </a:lnSpc>
-              <a:spcBef>
-                <a:spcPts val="500"/>
-              </a:spcBef>
-              <a:buFont typeface="Arial" panose="020B0604020202020204" pitchFamily="34" charset="0"/>
-              <a:buNone/>
-              <a:defRPr kumimoji="1" sz="1600" kern="1200">
-                <a:solidFill>
-                  <a:schemeClr val="tx1"/>
-                </a:solidFill>
-                <a:latin typeface="+mn-lt"/>
-                <a:ea typeface="+mn-ea"/>
-                <a:cs typeface="+mn-cs"/>
-              </a:defRPr>
-            </a:lvl7pPr>
-            <a:lvl8pPr marL="3200400" indent="0" algn="ctr" defTabSz="914400" rtl="0" eaLnBrk="1" latinLnBrk="0" hangingPunct="1">
-              <a:lnSpc>
-                <a:spcPct val="90000"/>
-              </a:lnSpc>
-              <a:spcBef>
-                <a:spcPts val="500"/>
-              </a:spcBef>
-              <a:buFont typeface="Arial" panose="020B0604020202020204" pitchFamily="34" charset="0"/>
-              <a:buNone/>
-              <a:defRPr kumimoji="1" sz="1600" kern="1200">
-                <a:solidFill>
-                  <a:schemeClr val="tx1"/>
-                </a:solidFill>
-                <a:latin typeface="+mn-lt"/>
-                <a:ea typeface="+mn-ea"/>
-                <a:cs typeface="+mn-cs"/>
-              </a:defRPr>
-            </a:lvl8pPr>
-            <a:lvl9pPr marL="3657600" indent="0" algn="ctr" defTabSz="914400" rtl="0" eaLnBrk="1" latinLnBrk="0" hangingPunct="1">
-              <a:lnSpc>
-                <a:spcPct val="90000"/>
-              </a:lnSpc>
-              <a:spcBef>
-                <a:spcPts val="500"/>
-              </a:spcBef>
-              <a:buFont typeface="Arial" panose="020B0604020202020204" pitchFamily="34" charset="0"/>
-              <a:buNone/>
-              <a:defRPr kumimoji="1" sz="1600" kern="1200">
-                <a:solidFill>
-                  <a:schemeClr val="tx1"/>
-                </a:solidFill>
-                <a:latin typeface="+mn-lt"/>
-                <a:ea typeface="+mn-ea"/>
-                <a:cs typeface="+mn-cs"/>
-              </a:defRPr>
-            </a:lvl9pPr>
-          </a:lstStyle>
-          <a:p>
-            <a:pPr algn="l"/>
-            <a:r>
-              <a:rPr lang="en-US" sz="3600" b="1" dirty="0" smtClean="0">
-                <a:solidFill>
-                  <a:srgbClr val="0064B5"/>
-                </a:solidFill>
-              </a:rPr>
-              <a:t>Conditional statements – if condition</a:t>
-            </a:r>
-            <a:endParaRPr lang="en-US" sz="3600" b="1" dirty="0">
-              <a:solidFill>
-                <a:srgbClr val="0064B5"/>
-              </a:solidFill>
-            </a:endParaRPr>
-          </a:p>
-        </p:txBody>
-      </p:sp>
-      <p:sp>
-        <p:nvSpPr>
-          <p:cNvPr id="7" name="Rectangle 6"/>
-          <p:cNvSpPr/>
-          <p:nvPr/>
-        </p:nvSpPr>
-        <p:spPr>
-          <a:xfrm>
-            <a:off x="321126" y="2532254"/>
-            <a:ext cx="4433754" cy="3633414"/>
-          </a:xfrm>
-          <a:prstGeom prst="rect">
-            <a:avLst/>
-          </a:prstGeom>
-          <a:gradFill flip="none" rotWithShape="1">
-            <a:gsLst>
-              <a:gs pos="0">
-                <a:schemeClr val="bg2"/>
-              </a:gs>
-              <a:gs pos="50000">
-                <a:schemeClr val="accent3">
-                  <a:lumMod val="20000"/>
-                  <a:lumOff val="80000"/>
-                  <a:shade val="67500"/>
-                  <a:satMod val="115000"/>
-                </a:schemeClr>
-              </a:gs>
-              <a:gs pos="100000">
-                <a:schemeClr val="accent3">
-                  <a:lumMod val="20000"/>
-                  <a:lumOff val="80000"/>
-                  <a:shade val="100000"/>
-                  <a:satMod val="115000"/>
-                </a:schemeClr>
-              </a:gs>
-            </a:gsLst>
-            <a:lin ang="6600000" scaled="0"/>
-            <a:tileRect/>
-          </a:gradFill>
-          <a:ln>
-            <a:solidFill>
-              <a:schemeClr val="tx1">
-                <a:lumMod val="50000"/>
-                <a:lumOff val="50000"/>
-              </a:schemeClr>
-            </a:solidFill>
-          </a:ln>
-        </p:spPr>
-        <p:style>
-          <a:lnRef idx="2">
-            <a:schemeClr val="accent1">
-              <a:shade val="50000"/>
-            </a:schemeClr>
-          </a:lnRef>
-          <a:fillRef idx="1">
-            <a:schemeClr val="accent1"/>
-          </a:fillRef>
-          <a:effectRef idx="0">
-            <a:schemeClr val="accent1"/>
-          </a:effectRef>
-          <a:fontRef idx="minor">
-            <a:schemeClr val="lt1"/>
-          </a:fontRef>
-        </p:style>
-        <p:txBody>
-          <a:bodyPr rtlCol="0" anchor="ctr"/>
-          <a:lstStyle/>
-          <a:p>
-            <a:r>
-              <a:rPr lang="en-US" sz="1500" b="1" u="sng" dirty="0" smtClean="0">
-                <a:solidFill>
-                  <a:schemeClr val="tx1"/>
-                </a:solidFill>
-              </a:rPr>
-              <a:t>Syntax:</a:t>
-            </a:r>
-            <a:endParaRPr lang="en-US" sz="1500" b="1" u="sng" dirty="0">
-              <a:solidFill>
-                <a:schemeClr val="tx1"/>
-              </a:solidFill>
-            </a:endParaRPr>
-          </a:p>
-          <a:p>
-            <a:r>
-              <a:rPr lang="en-US" sz="1500" dirty="0">
-                <a:solidFill>
-                  <a:schemeClr val="tx1"/>
-                </a:solidFill>
-              </a:rPr>
-              <a:t>if(condition expression)</a:t>
-            </a:r>
-          </a:p>
-          <a:p>
-            <a:r>
-              <a:rPr lang="en-US" sz="1500" dirty="0">
-                <a:solidFill>
-                  <a:schemeClr val="tx1"/>
-                </a:solidFill>
-              </a:rPr>
-              <a:t>{</a:t>
-            </a:r>
-          </a:p>
-          <a:p>
-            <a:r>
-              <a:rPr lang="en-US" sz="1500" dirty="0">
-                <a:solidFill>
-                  <a:schemeClr val="tx1"/>
-                </a:solidFill>
-              </a:rPr>
-              <a:t>    // code to be executed if condition is true</a:t>
-            </a:r>
-          </a:p>
-          <a:p>
-            <a:r>
-              <a:rPr lang="en-US" sz="1500" dirty="0">
-                <a:solidFill>
-                  <a:schemeClr val="tx1"/>
-                </a:solidFill>
-              </a:rPr>
-              <a:t>}</a:t>
-            </a:r>
-            <a:endParaRPr lang="en-US" sz="1500" dirty="0" smtClean="0">
-              <a:solidFill>
-                <a:schemeClr val="tx1"/>
-              </a:solidFill>
-            </a:endParaRPr>
-          </a:p>
-          <a:p>
-            <a:r>
-              <a:rPr lang="en-US" sz="1500" b="1" u="sng" dirty="0" smtClean="0">
-                <a:solidFill>
-                  <a:schemeClr val="tx1"/>
-                </a:solidFill>
-              </a:rPr>
-              <a:t>Example:</a:t>
-            </a:r>
-            <a:endParaRPr lang="en-US" sz="1500" b="1" u="sng" dirty="0">
-              <a:solidFill>
-                <a:schemeClr val="tx1"/>
-              </a:solidFill>
-            </a:endParaRPr>
-          </a:p>
-          <a:p>
-            <a:endParaRPr lang="en-US" sz="1500" dirty="0" smtClean="0">
-              <a:solidFill>
-                <a:schemeClr val="tx1"/>
-              </a:solidFill>
-            </a:endParaRPr>
-          </a:p>
-          <a:p>
-            <a:r>
-              <a:rPr lang="en-US" sz="1500" dirty="0">
-                <a:solidFill>
-                  <a:schemeClr val="tx1"/>
-                </a:solidFill>
-              </a:rPr>
-              <a:t>if( 1 &gt; 0)</a:t>
-            </a:r>
-          </a:p>
-          <a:p>
-            <a:r>
-              <a:rPr lang="en-US" sz="1500" dirty="0">
-                <a:solidFill>
-                  <a:schemeClr val="tx1"/>
-                </a:solidFill>
-              </a:rPr>
-              <a:t>{</a:t>
-            </a:r>
-          </a:p>
-          <a:p>
-            <a:r>
-              <a:rPr lang="en-US" sz="1500" dirty="0">
-                <a:solidFill>
-                  <a:schemeClr val="tx1"/>
-                </a:solidFill>
-              </a:rPr>
-              <a:t>    alert("1 is greater than 0");</a:t>
-            </a:r>
-          </a:p>
-          <a:p>
-            <a:r>
-              <a:rPr lang="en-US" sz="1500" dirty="0" smtClean="0">
-                <a:solidFill>
-                  <a:schemeClr val="tx1"/>
-                </a:solidFill>
-              </a:rPr>
-              <a:t>}</a:t>
-            </a:r>
-            <a:endParaRPr lang="en-US" sz="1500" dirty="0">
-              <a:solidFill>
-                <a:schemeClr val="tx1"/>
-              </a:solidFill>
-            </a:endParaRPr>
-          </a:p>
-          <a:p>
-            <a:r>
-              <a:rPr lang="en-US" sz="1500" dirty="0">
-                <a:solidFill>
-                  <a:schemeClr val="tx1"/>
-                </a:solidFill>
-              </a:rPr>
-              <a:t>if( 1 &lt; 0)</a:t>
-            </a:r>
-          </a:p>
-          <a:p>
-            <a:r>
-              <a:rPr lang="en-US" sz="1500" dirty="0">
-                <a:solidFill>
-                  <a:schemeClr val="tx1"/>
-                </a:solidFill>
-              </a:rPr>
-              <a:t>{</a:t>
-            </a:r>
-          </a:p>
-          <a:p>
-            <a:r>
-              <a:rPr lang="en-US" sz="1500" dirty="0">
-                <a:solidFill>
-                  <a:schemeClr val="tx1"/>
-                </a:solidFill>
-              </a:rPr>
-              <a:t>    alert("1 is less than 0");</a:t>
-            </a:r>
-          </a:p>
-          <a:p>
-            <a:r>
-              <a:rPr lang="en-US" sz="1500" dirty="0">
-                <a:solidFill>
-                  <a:schemeClr val="tx1"/>
-                </a:solidFill>
-              </a:rPr>
-              <a:t>}</a:t>
-            </a:r>
-            <a:endParaRPr lang="en-US" sz="1500" dirty="0" smtClean="0">
-              <a:solidFill>
-                <a:schemeClr val="tx1"/>
-              </a:solidFill>
-            </a:endParaRPr>
-          </a:p>
-        </p:txBody>
-      </p:sp>
-      <p:sp>
-        <p:nvSpPr>
-          <p:cNvPr id="9" name="Rectangle 8"/>
-          <p:cNvSpPr/>
-          <p:nvPr/>
-        </p:nvSpPr>
-        <p:spPr>
-          <a:xfrm>
-            <a:off x="321126" y="623289"/>
-            <a:ext cx="10691240" cy="1711366"/>
-          </a:xfrm>
-          <a:prstGeom prst="rect">
-            <a:avLst/>
-          </a:prstGeom>
-        </p:spPr>
-        <p:txBody>
-          <a:bodyPr wrap="square">
-            <a:spAutoFit/>
-          </a:bodyPr>
-          <a:lstStyle/>
-          <a:p>
-            <a:pPr marL="285750" indent="-285750">
-              <a:lnSpc>
-                <a:spcPct val="150000"/>
-              </a:lnSpc>
-              <a:buFont typeface="Arial" panose="020B0604020202020204" pitchFamily="34" charset="0"/>
-              <a:buChar char="•"/>
-            </a:pPr>
-            <a:r>
-              <a:rPr lang="en-US" dirty="0"/>
-              <a:t>The keyword if tells JavaScript to start the conditional statement.</a:t>
-            </a:r>
-          </a:p>
-          <a:p>
-            <a:pPr marL="285750" indent="-285750">
-              <a:lnSpc>
-                <a:spcPct val="150000"/>
-              </a:lnSpc>
-              <a:buFont typeface="Arial" panose="020B0604020202020204" pitchFamily="34" charset="0"/>
-              <a:buChar char="•"/>
-            </a:pPr>
-            <a:r>
-              <a:rPr lang="en-US" dirty="0"/>
-              <a:t>(</a:t>
-            </a:r>
-            <a:r>
-              <a:rPr lang="en-US" dirty="0" smtClean="0"/>
-              <a:t>1 </a:t>
-            </a:r>
-            <a:r>
-              <a:rPr lang="en-US" dirty="0"/>
-              <a:t>&gt; </a:t>
-            </a:r>
-            <a:r>
-              <a:rPr lang="en-US" dirty="0" smtClean="0"/>
-              <a:t>0) </a:t>
-            </a:r>
-            <a:r>
-              <a:rPr lang="en-US" dirty="0"/>
-              <a:t>is the condition to test, which in this case is true — </a:t>
-            </a:r>
-            <a:r>
-              <a:rPr lang="en-US" dirty="0" smtClean="0"/>
-              <a:t>1 </a:t>
-            </a:r>
-            <a:r>
-              <a:rPr lang="en-US" dirty="0"/>
-              <a:t>is greater than </a:t>
-            </a:r>
-            <a:r>
-              <a:rPr lang="en-US" dirty="0" smtClean="0"/>
-              <a:t>0.</a:t>
-            </a:r>
-            <a:endParaRPr lang="en-US" dirty="0"/>
-          </a:p>
-          <a:p>
-            <a:pPr marL="285750" indent="-285750">
-              <a:lnSpc>
-                <a:spcPct val="150000"/>
-              </a:lnSpc>
-              <a:buFont typeface="Arial" panose="020B0604020202020204" pitchFamily="34" charset="0"/>
-              <a:buChar char="•"/>
-            </a:pPr>
-            <a:r>
-              <a:rPr lang="en-US" dirty="0"/>
-              <a:t>The part contained inside curly braces {} is the block of code to run.</a:t>
-            </a:r>
-          </a:p>
-          <a:p>
-            <a:pPr marL="285750" indent="-285750">
-              <a:lnSpc>
-                <a:spcPct val="150000"/>
-              </a:lnSpc>
-              <a:buFont typeface="Arial" panose="020B0604020202020204" pitchFamily="34" charset="0"/>
-              <a:buChar char="•"/>
-            </a:pPr>
-            <a:r>
-              <a:rPr lang="en-US" dirty="0"/>
-              <a:t>Because the condition passes, the variable outcome is assigned the value "if block".</a:t>
-            </a:r>
-          </a:p>
-        </p:txBody>
-      </p:sp>
-      <p:pic>
-        <p:nvPicPr>
-          <p:cNvPr id="3" name="Picture 2"/>
-          <p:cNvPicPr>
-            <a:picLocks noChangeAspect="1"/>
-          </p:cNvPicPr>
-          <p:nvPr/>
-        </p:nvPicPr>
-        <p:blipFill>
-          <a:blip r:embed="rId2"/>
-          <a:stretch>
-            <a:fillRect/>
-          </a:stretch>
-        </p:blipFill>
-        <p:spPr>
-          <a:xfrm>
-            <a:off x="5081587" y="2558476"/>
-            <a:ext cx="6296025" cy="3209925"/>
-          </a:xfrm>
-          <a:prstGeom prst="rect">
-            <a:avLst/>
-          </a:prstGeom>
-        </p:spPr>
-      </p:pic>
-    </p:spTree>
-    <p:extLst>
-      <p:ext uri="{BB962C8B-B14F-4D97-AF65-F5344CB8AC3E}">
-        <p14:creationId xmlns="" xmlns:p14="http://schemas.microsoft.com/office/powerpoint/2010/main" val="112580541"/>
-      </p:ext>
-    </p:extLst>
-  </p:cSld>
-  <p:clrMapOvr>
-    <a:masterClrMapping/>
-  </p:clrMapOvr>
-  <p:timing>
-    <p:tnLst>
-      <p:par>
-        <p:cTn id="1" dur="indefinite" restart="never" nodeType="tmRoot"/>
-      </p:par>
-    </p:tnLst>
-  </p:timing>
-</p:sld>
-</file>
-
-<file path=ppt/slides/slide15.xml><?xml version="1.0" encoding="utf-8"?>
-<p:sld xmlns:a="http://schemas.openxmlformats.org/drawingml/2006/main" xmlns:r="http://schemas.openxmlformats.org/officeDocument/2006/relationships" xmlns:p="http://schemas.openxmlformats.org/presentationml/2006/main">
-  <p:cSld>
-    <p:spTree>
-      <p:nvGrpSpPr>
-        <p:cNvPr id="1" name=""/>
-        <p:cNvGrpSpPr/>
-        <p:nvPr/>
-      </p:nvGrpSpPr>
-      <p:grpSpPr>
-        <a:xfrm>
-          <a:off x="0" y="0"/>
-          <a:ext cx="0" cy="0"/>
-          <a:chOff x="0" y="0"/>
-          <a:chExt cx="0" cy="0"/>
-        </a:xfrm>
-      </p:grpSpPr>
-      <p:sp>
-        <p:nvSpPr>
-          <p:cNvPr id="4" name="Content Placeholder 13"/>
-          <p:cNvSpPr txBox="1">
-            <a:spLocks/>
-          </p:cNvSpPr>
-          <p:nvPr/>
-        </p:nvSpPr>
-        <p:spPr>
-          <a:xfrm>
-            <a:off x="321126" y="144620"/>
-            <a:ext cx="9791700" cy="630192"/>
-          </a:xfrm>
-          <a:prstGeom prst="rect">
-            <a:avLst/>
-          </a:prstGeom>
-        </p:spPr>
-        <p:txBody>
-          <a:bodyPr vert="horz" lIns="91440" tIns="45720" rIns="91440" bIns="45720" rtlCol="0">
-            <a:noAutofit/>
-          </a:bodyPr>
-          <a:lstStyle>
-            <a:lvl1pPr marL="0" indent="0" algn="ctr" defTabSz="914400" rtl="0" eaLnBrk="1" latinLnBrk="0" hangingPunct="1">
-              <a:lnSpc>
-                <a:spcPct val="90000"/>
-              </a:lnSpc>
-              <a:spcBef>
-                <a:spcPts val="1000"/>
-              </a:spcBef>
-              <a:buFont typeface="Arial" panose="020B0604020202020204" pitchFamily="34" charset="0"/>
-              <a:buNone/>
-              <a:defRPr kumimoji="1" sz="2400" kern="1200">
-                <a:solidFill>
-                  <a:schemeClr val="tx1"/>
-                </a:solidFill>
-                <a:latin typeface="+mn-lt"/>
-                <a:ea typeface="+mn-ea"/>
-                <a:cs typeface="+mn-cs"/>
-              </a:defRPr>
-            </a:lvl1pPr>
-            <a:lvl2pPr marL="457200" indent="0" algn="ctr" defTabSz="914400" rtl="0" eaLnBrk="1" latinLnBrk="0" hangingPunct="1">
-              <a:lnSpc>
-                <a:spcPct val="90000"/>
-              </a:lnSpc>
-              <a:spcBef>
-                <a:spcPts val="500"/>
-              </a:spcBef>
-              <a:buFont typeface="Arial" panose="020B0604020202020204" pitchFamily="34" charset="0"/>
-              <a:buNone/>
-              <a:defRPr kumimoji="1" sz="2000" kern="1200">
-                <a:solidFill>
-                  <a:schemeClr val="tx1"/>
-                </a:solidFill>
-                <a:latin typeface="+mn-lt"/>
-                <a:ea typeface="+mn-ea"/>
-                <a:cs typeface="+mn-cs"/>
-              </a:defRPr>
-            </a:lvl2pPr>
-            <a:lvl3pPr marL="914400" indent="0" algn="ctr" defTabSz="914400" rtl="0" eaLnBrk="1" latinLnBrk="0" hangingPunct="1">
-              <a:lnSpc>
-                <a:spcPct val="90000"/>
-              </a:lnSpc>
-              <a:spcBef>
-                <a:spcPts val="500"/>
-              </a:spcBef>
-              <a:buFont typeface="Arial" panose="020B0604020202020204" pitchFamily="34" charset="0"/>
-              <a:buNone/>
-              <a:defRPr kumimoji="1" sz="1800" kern="1200">
-                <a:solidFill>
-                  <a:schemeClr val="tx1"/>
-                </a:solidFill>
-                <a:latin typeface="+mn-lt"/>
-                <a:ea typeface="+mn-ea"/>
-                <a:cs typeface="+mn-cs"/>
-              </a:defRPr>
-            </a:lvl3pPr>
-            <a:lvl4pPr marL="1371600" indent="0" algn="ctr" defTabSz="914400" rtl="0" eaLnBrk="1" latinLnBrk="0" hangingPunct="1">
-              <a:lnSpc>
-                <a:spcPct val="90000"/>
-              </a:lnSpc>
-              <a:spcBef>
-                <a:spcPts val="500"/>
-              </a:spcBef>
-              <a:buFont typeface="Arial" panose="020B0604020202020204" pitchFamily="34" charset="0"/>
-              <a:buNone/>
-              <a:defRPr kumimoji="1" sz="1600" kern="1200">
-                <a:solidFill>
-                  <a:schemeClr val="tx1"/>
-                </a:solidFill>
-                <a:latin typeface="+mn-lt"/>
-                <a:ea typeface="+mn-ea"/>
-                <a:cs typeface="+mn-cs"/>
-              </a:defRPr>
-            </a:lvl4pPr>
-            <a:lvl5pPr marL="1828800" indent="0" algn="ctr" defTabSz="914400" rtl="0" eaLnBrk="1" latinLnBrk="0" hangingPunct="1">
-              <a:lnSpc>
-                <a:spcPct val="90000"/>
-              </a:lnSpc>
-              <a:spcBef>
-                <a:spcPts val="500"/>
-              </a:spcBef>
-              <a:buFont typeface="Arial" panose="020B0604020202020204" pitchFamily="34" charset="0"/>
-              <a:buNone/>
-              <a:defRPr kumimoji="1" sz="1600" kern="1200">
-                <a:solidFill>
-                  <a:schemeClr val="tx1"/>
-                </a:solidFill>
-                <a:latin typeface="+mn-lt"/>
-                <a:ea typeface="+mn-ea"/>
-                <a:cs typeface="+mn-cs"/>
-              </a:defRPr>
-            </a:lvl5pPr>
-            <a:lvl6pPr marL="2286000" indent="0" algn="ctr" defTabSz="914400" rtl="0" eaLnBrk="1" latinLnBrk="0" hangingPunct="1">
-              <a:lnSpc>
-                <a:spcPct val="90000"/>
-              </a:lnSpc>
-              <a:spcBef>
-                <a:spcPts val="500"/>
-              </a:spcBef>
-              <a:buFont typeface="Arial" panose="020B0604020202020204" pitchFamily="34" charset="0"/>
-              <a:buNone/>
-              <a:defRPr kumimoji="1" sz="1600" kern="1200">
-                <a:solidFill>
-                  <a:schemeClr val="tx1"/>
-                </a:solidFill>
-                <a:latin typeface="+mn-lt"/>
-                <a:ea typeface="+mn-ea"/>
-                <a:cs typeface="+mn-cs"/>
-              </a:defRPr>
-            </a:lvl6pPr>
-            <a:lvl7pPr marL="2743200" indent="0" algn="ctr" defTabSz="914400" rtl="0" eaLnBrk="1" latinLnBrk="0" hangingPunct="1">
-              <a:lnSpc>
-                <a:spcPct val="90000"/>
-              </a:lnSpc>
-              <a:spcBef>
-                <a:spcPts val="500"/>
-              </a:spcBef>
-              <a:buFont typeface="Arial" panose="020B0604020202020204" pitchFamily="34" charset="0"/>
-              <a:buNone/>
-              <a:defRPr kumimoji="1" sz="1600" kern="1200">
-                <a:solidFill>
-                  <a:schemeClr val="tx1"/>
-                </a:solidFill>
-                <a:latin typeface="+mn-lt"/>
-                <a:ea typeface="+mn-ea"/>
-                <a:cs typeface="+mn-cs"/>
-              </a:defRPr>
-            </a:lvl7pPr>
-            <a:lvl8pPr marL="3200400" indent="0" algn="ctr" defTabSz="914400" rtl="0" eaLnBrk="1" latinLnBrk="0" hangingPunct="1">
-              <a:lnSpc>
-                <a:spcPct val="90000"/>
-              </a:lnSpc>
-              <a:spcBef>
-                <a:spcPts val="500"/>
-              </a:spcBef>
-              <a:buFont typeface="Arial" panose="020B0604020202020204" pitchFamily="34" charset="0"/>
-              <a:buNone/>
-              <a:defRPr kumimoji="1" sz="1600" kern="1200">
-                <a:solidFill>
-                  <a:schemeClr val="tx1"/>
-                </a:solidFill>
-                <a:latin typeface="+mn-lt"/>
-                <a:ea typeface="+mn-ea"/>
-                <a:cs typeface="+mn-cs"/>
-              </a:defRPr>
-            </a:lvl8pPr>
-            <a:lvl9pPr marL="3657600" indent="0" algn="ctr" defTabSz="914400" rtl="0" eaLnBrk="1" latinLnBrk="0" hangingPunct="1">
-              <a:lnSpc>
-                <a:spcPct val="90000"/>
-              </a:lnSpc>
-              <a:spcBef>
-                <a:spcPts val="500"/>
-              </a:spcBef>
-              <a:buFont typeface="Arial" panose="020B0604020202020204" pitchFamily="34" charset="0"/>
-              <a:buNone/>
-              <a:defRPr kumimoji="1" sz="1600" kern="1200">
-                <a:solidFill>
-                  <a:schemeClr val="tx1"/>
-                </a:solidFill>
-                <a:latin typeface="+mn-lt"/>
-                <a:ea typeface="+mn-ea"/>
-                <a:cs typeface="+mn-cs"/>
-              </a:defRPr>
-            </a:lvl9pPr>
-          </a:lstStyle>
-          <a:p>
-            <a:pPr algn="l"/>
-            <a:r>
-              <a:rPr lang="en-US" sz="3600" b="1" dirty="0">
-                <a:solidFill>
-                  <a:srgbClr val="0064B5"/>
-                </a:solidFill>
-              </a:rPr>
-              <a:t>Conditional statements - Else condition</a:t>
-            </a:r>
-          </a:p>
-          <a:p>
-            <a:pPr algn="l"/>
-            <a:endParaRPr lang="en-US" sz="3600" b="1" dirty="0">
-              <a:solidFill>
-                <a:srgbClr val="0064B5"/>
-              </a:solidFill>
-            </a:endParaRPr>
-          </a:p>
-        </p:txBody>
-      </p:sp>
-      <p:sp>
-        <p:nvSpPr>
-          <p:cNvPr id="7" name="Rectangle 6"/>
-          <p:cNvSpPr/>
-          <p:nvPr/>
-        </p:nvSpPr>
-        <p:spPr>
-          <a:xfrm>
-            <a:off x="447023" y="1468109"/>
-            <a:ext cx="5570600" cy="4723685"/>
-          </a:xfrm>
-          <a:prstGeom prst="rect">
-            <a:avLst/>
-          </a:prstGeom>
-          <a:gradFill flip="none" rotWithShape="1">
-            <a:gsLst>
-              <a:gs pos="0">
-                <a:schemeClr val="bg2"/>
-              </a:gs>
-              <a:gs pos="50000">
-                <a:schemeClr val="accent3">
-                  <a:lumMod val="20000"/>
-                  <a:lumOff val="80000"/>
-                  <a:shade val="67500"/>
-                  <a:satMod val="115000"/>
-                </a:schemeClr>
-              </a:gs>
-              <a:gs pos="100000">
-                <a:schemeClr val="accent3">
-                  <a:lumMod val="20000"/>
-                  <a:lumOff val="80000"/>
-                  <a:shade val="100000"/>
-                  <a:satMod val="115000"/>
-                </a:schemeClr>
-              </a:gs>
-            </a:gsLst>
-            <a:lin ang="6600000" scaled="0"/>
-            <a:tileRect/>
-          </a:gradFill>
-          <a:ln>
-            <a:solidFill>
-              <a:schemeClr val="tx1">
-                <a:lumMod val="50000"/>
-                <a:lumOff val="50000"/>
-              </a:schemeClr>
-            </a:solidFill>
-          </a:ln>
-        </p:spPr>
-        <p:style>
-          <a:lnRef idx="2">
-            <a:schemeClr val="accent1">
-              <a:shade val="50000"/>
-            </a:schemeClr>
-          </a:lnRef>
-          <a:fillRef idx="1">
-            <a:schemeClr val="accent1"/>
-          </a:fillRef>
-          <a:effectRef idx="0">
-            <a:schemeClr val="accent1"/>
-          </a:effectRef>
-          <a:fontRef idx="minor">
-            <a:schemeClr val="lt1"/>
-          </a:fontRef>
-        </p:style>
-        <p:txBody>
-          <a:bodyPr rtlCol="0" anchor="ctr"/>
-          <a:lstStyle/>
-          <a:p>
-            <a:r>
-              <a:rPr lang="en-US" sz="1500" b="1" u="sng" dirty="0" smtClean="0">
-                <a:solidFill>
-                  <a:schemeClr val="tx1"/>
-                </a:solidFill>
-              </a:rPr>
-              <a:t>Syntax:</a:t>
-            </a:r>
-            <a:endParaRPr lang="en-US" sz="1500" b="1" u="sng" dirty="0">
-              <a:solidFill>
-                <a:schemeClr val="tx1"/>
-              </a:solidFill>
-            </a:endParaRPr>
-          </a:p>
-          <a:p>
-            <a:r>
-              <a:rPr lang="en-US" sz="1500" dirty="0">
-                <a:solidFill>
-                  <a:schemeClr val="tx1"/>
-                </a:solidFill>
-              </a:rPr>
-              <a:t>if(condition expression)</a:t>
-            </a:r>
-          </a:p>
-          <a:p>
-            <a:r>
-              <a:rPr lang="en-US" sz="1500" dirty="0">
-                <a:solidFill>
-                  <a:schemeClr val="tx1"/>
-                </a:solidFill>
-              </a:rPr>
-              <a:t>{</a:t>
-            </a:r>
-          </a:p>
-          <a:p>
-            <a:r>
-              <a:rPr lang="en-US" sz="1500" dirty="0">
-                <a:solidFill>
-                  <a:schemeClr val="tx1"/>
-                </a:solidFill>
-              </a:rPr>
-              <a:t>    //  block of code to be executed if the condition is true}</a:t>
-            </a:r>
-          </a:p>
-          <a:p>
-            <a:r>
-              <a:rPr lang="en-US" sz="1500" dirty="0" smtClean="0">
-                <a:solidFill>
-                  <a:schemeClr val="tx1"/>
-                </a:solidFill>
-              </a:rPr>
-              <a:t>else</a:t>
-            </a:r>
-            <a:r>
-              <a:rPr lang="en-US" sz="1500" dirty="0">
-                <a:solidFill>
-                  <a:schemeClr val="tx1"/>
-                </a:solidFill>
-              </a:rPr>
-              <a:t>{</a:t>
-            </a:r>
-          </a:p>
-          <a:p>
-            <a:r>
-              <a:rPr lang="en-US" sz="1500" dirty="0">
-                <a:solidFill>
-                  <a:schemeClr val="tx1"/>
-                </a:solidFill>
-              </a:rPr>
-              <a:t>//  block of code to be executed if the condition is </a:t>
-            </a:r>
-            <a:r>
-              <a:rPr lang="en-US" sz="1500" dirty="0" smtClean="0">
-                <a:solidFill>
-                  <a:schemeClr val="tx1"/>
-                </a:solidFill>
-              </a:rPr>
-              <a:t>false</a:t>
-            </a:r>
-          </a:p>
-          <a:p>
-            <a:r>
-              <a:rPr lang="en-US" sz="1500" dirty="0" smtClean="0">
-                <a:solidFill>
-                  <a:schemeClr val="tx1"/>
-                </a:solidFill>
-              </a:rPr>
-              <a:t>}</a:t>
-            </a:r>
-            <a:endParaRPr lang="en-US" sz="1500" dirty="0">
-              <a:solidFill>
-                <a:schemeClr val="tx1"/>
-              </a:solidFill>
-            </a:endParaRPr>
-          </a:p>
-          <a:p>
-            <a:endParaRPr lang="en-US" sz="1500" b="1" u="sng" dirty="0">
-              <a:solidFill>
-                <a:schemeClr val="tx1"/>
-              </a:solidFill>
-            </a:endParaRPr>
-          </a:p>
-          <a:p>
-            <a:r>
-              <a:rPr lang="en-US" sz="1500" b="1" u="sng" dirty="0" smtClean="0">
-                <a:solidFill>
-                  <a:schemeClr val="tx1"/>
-                </a:solidFill>
-              </a:rPr>
-              <a:t>Example:</a:t>
-            </a:r>
-            <a:endParaRPr lang="en-US" sz="1500" dirty="0" smtClean="0">
-              <a:solidFill>
-                <a:schemeClr val="tx1"/>
-              </a:solidFill>
-            </a:endParaRPr>
-          </a:p>
-          <a:p>
-            <a:r>
-              <a:rPr lang="en-US" sz="1500" dirty="0" smtClean="0">
-                <a:solidFill>
-                  <a:schemeClr val="tx1"/>
-                </a:solidFill>
-              </a:rPr>
-              <a:t>let </a:t>
-            </a:r>
-            <a:r>
-              <a:rPr lang="en-US" sz="1500" dirty="0" err="1" smtClean="0">
-                <a:solidFill>
-                  <a:schemeClr val="tx1"/>
-                </a:solidFill>
-              </a:rPr>
-              <a:t>num</a:t>
-            </a:r>
-            <a:r>
-              <a:rPr lang="en-US" sz="1500" dirty="0" smtClean="0">
-                <a:solidFill>
-                  <a:schemeClr val="tx1"/>
-                </a:solidFill>
-              </a:rPr>
-              <a:t> = 2</a:t>
-            </a:r>
-          </a:p>
-          <a:p>
-            <a:r>
-              <a:rPr lang="en-US" sz="1500" dirty="0" smtClean="0">
-                <a:solidFill>
-                  <a:schemeClr val="tx1"/>
-                </a:solidFill>
-              </a:rPr>
-              <a:t>// </a:t>
-            </a:r>
-            <a:r>
-              <a:rPr lang="en-US" sz="1500" dirty="0">
-                <a:solidFill>
-                  <a:schemeClr val="tx1"/>
-                </a:solidFill>
-              </a:rPr>
-              <a:t>let </a:t>
-            </a:r>
-            <a:r>
-              <a:rPr lang="en-US" sz="1500" dirty="0" err="1">
-                <a:solidFill>
-                  <a:schemeClr val="tx1"/>
-                </a:solidFill>
-              </a:rPr>
-              <a:t>num</a:t>
-            </a:r>
-            <a:r>
-              <a:rPr lang="en-US" sz="1500" dirty="0">
-                <a:solidFill>
-                  <a:schemeClr val="tx1"/>
-                </a:solidFill>
-              </a:rPr>
-              <a:t> </a:t>
-            </a:r>
-            <a:r>
-              <a:rPr lang="en-US" sz="1500" dirty="0" smtClean="0">
-                <a:solidFill>
-                  <a:schemeClr val="tx1"/>
-                </a:solidFill>
-              </a:rPr>
-              <a:t>= -2</a:t>
-            </a:r>
-            <a:endParaRPr lang="en-US" sz="1500" dirty="0">
-              <a:solidFill>
-                <a:schemeClr val="tx1"/>
-              </a:solidFill>
-            </a:endParaRPr>
-          </a:p>
-          <a:p>
-            <a:r>
-              <a:rPr lang="en-US" sz="1500" dirty="0" smtClean="0">
-                <a:solidFill>
-                  <a:schemeClr val="tx1"/>
-                </a:solidFill>
-              </a:rPr>
-              <a:t>if(</a:t>
-            </a:r>
-            <a:r>
-              <a:rPr lang="en-US" sz="1500" dirty="0">
-                <a:solidFill>
-                  <a:schemeClr val="tx1"/>
-                </a:solidFill>
-              </a:rPr>
-              <a:t>number</a:t>
-            </a:r>
-            <a:r>
-              <a:rPr lang="en-US" sz="1500" dirty="0" smtClean="0">
-                <a:solidFill>
-                  <a:schemeClr val="tx1"/>
-                </a:solidFill>
-              </a:rPr>
-              <a:t> </a:t>
-            </a:r>
-            <a:r>
-              <a:rPr lang="en-US" sz="1500" dirty="0">
-                <a:solidFill>
-                  <a:schemeClr val="tx1"/>
-                </a:solidFill>
-              </a:rPr>
-              <a:t>&gt; 0)</a:t>
-            </a:r>
-          </a:p>
-          <a:p>
-            <a:r>
-              <a:rPr lang="en-US" sz="1500" dirty="0">
-                <a:solidFill>
-                  <a:schemeClr val="tx1"/>
-                </a:solidFill>
-              </a:rPr>
-              <a:t>{</a:t>
-            </a:r>
-          </a:p>
-          <a:p>
-            <a:r>
-              <a:rPr lang="en-US" sz="1500" dirty="0">
-                <a:solidFill>
-                  <a:schemeClr val="tx1"/>
-                </a:solidFill>
-              </a:rPr>
-              <a:t>    </a:t>
-            </a:r>
-            <a:r>
-              <a:rPr lang="en-US" sz="1500" dirty="0" smtClean="0">
-                <a:solidFill>
-                  <a:schemeClr val="tx1"/>
-                </a:solidFill>
-              </a:rPr>
-              <a:t>alert(</a:t>
-            </a:r>
-            <a:r>
-              <a:rPr lang="en-US" sz="1500" dirty="0" err="1" smtClean="0">
-                <a:solidFill>
-                  <a:schemeClr val="tx1"/>
-                </a:solidFill>
-              </a:rPr>
-              <a:t>num</a:t>
-            </a:r>
-            <a:r>
-              <a:rPr lang="en-US" sz="1500" dirty="0" smtClean="0">
-                <a:solidFill>
-                  <a:schemeClr val="tx1"/>
-                </a:solidFill>
-              </a:rPr>
-              <a:t> +” is greater than 0”);</a:t>
-            </a:r>
-            <a:endParaRPr lang="en-US" sz="1500" dirty="0">
-              <a:solidFill>
-                <a:schemeClr val="tx1"/>
-              </a:solidFill>
-            </a:endParaRPr>
-          </a:p>
-          <a:p>
-            <a:r>
-              <a:rPr lang="en-US" sz="1500" dirty="0">
-                <a:solidFill>
-                  <a:schemeClr val="tx1"/>
-                </a:solidFill>
-              </a:rPr>
-              <a:t>}</a:t>
-            </a:r>
-          </a:p>
-          <a:p>
-            <a:r>
-              <a:rPr lang="en-US" sz="1500" dirty="0" smtClean="0">
-                <a:solidFill>
-                  <a:schemeClr val="tx1"/>
-                </a:solidFill>
-              </a:rPr>
-              <a:t>else</a:t>
-            </a:r>
-            <a:endParaRPr lang="en-US" sz="1500" dirty="0">
-              <a:solidFill>
-                <a:schemeClr val="tx1"/>
-              </a:solidFill>
-            </a:endParaRPr>
-          </a:p>
-          <a:p>
-            <a:r>
-              <a:rPr lang="en-US" sz="1500" dirty="0">
-                <a:solidFill>
-                  <a:schemeClr val="tx1"/>
-                </a:solidFill>
-              </a:rPr>
-              <a:t>{</a:t>
-            </a:r>
-          </a:p>
-          <a:p>
-            <a:r>
-              <a:rPr lang="en-US" sz="1500" dirty="0">
-                <a:solidFill>
-                  <a:schemeClr val="tx1"/>
-                </a:solidFill>
-              </a:rPr>
-              <a:t>    alert(</a:t>
-            </a:r>
-            <a:r>
-              <a:rPr lang="en-US" sz="1500" dirty="0" err="1">
-                <a:solidFill>
-                  <a:schemeClr val="tx1"/>
-                </a:solidFill>
-              </a:rPr>
-              <a:t>num</a:t>
-            </a:r>
-            <a:r>
-              <a:rPr lang="en-US" sz="1500" dirty="0">
-                <a:solidFill>
-                  <a:schemeClr val="tx1"/>
-                </a:solidFill>
-              </a:rPr>
-              <a:t> +” is </a:t>
-            </a:r>
-            <a:r>
-              <a:rPr lang="en-US" sz="1500" dirty="0" smtClean="0">
-                <a:solidFill>
-                  <a:schemeClr val="tx1"/>
-                </a:solidFill>
-              </a:rPr>
-              <a:t>less </a:t>
-            </a:r>
-            <a:r>
-              <a:rPr lang="en-US" sz="1500" dirty="0">
-                <a:solidFill>
-                  <a:schemeClr val="tx1"/>
-                </a:solidFill>
-              </a:rPr>
-              <a:t>than 0”);</a:t>
-            </a:r>
-          </a:p>
-          <a:p>
-            <a:r>
-              <a:rPr lang="en-US" sz="1500" dirty="0" smtClean="0">
-                <a:solidFill>
-                  <a:schemeClr val="tx1"/>
-                </a:solidFill>
-              </a:rPr>
-              <a:t>}</a:t>
-            </a:r>
-          </a:p>
-        </p:txBody>
-      </p:sp>
-      <p:sp>
-        <p:nvSpPr>
-          <p:cNvPr id="9" name="Rectangle 8"/>
-          <p:cNvSpPr/>
-          <p:nvPr/>
-        </p:nvSpPr>
-        <p:spPr>
-          <a:xfrm>
-            <a:off x="447023" y="817282"/>
-            <a:ext cx="10691240" cy="464871"/>
-          </a:xfrm>
-          <a:prstGeom prst="rect">
-            <a:avLst/>
-          </a:prstGeom>
-        </p:spPr>
-        <p:txBody>
-          <a:bodyPr wrap="square">
-            <a:spAutoFit/>
-          </a:bodyPr>
-          <a:lstStyle/>
-          <a:p>
-            <a:pPr marL="285750" indent="-285750">
-              <a:lnSpc>
-                <a:spcPct val="150000"/>
-              </a:lnSpc>
-              <a:buFont typeface="Arial" panose="020B0604020202020204" pitchFamily="34" charset="0"/>
-              <a:buChar char="•"/>
-            </a:pPr>
-            <a:endParaRPr lang="en-US" dirty="0"/>
-          </a:p>
-        </p:txBody>
-      </p:sp>
-      <p:sp>
-        <p:nvSpPr>
-          <p:cNvPr id="2" name="Rectangle 1"/>
-          <p:cNvSpPr/>
-          <p:nvPr/>
-        </p:nvSpPr>
-        <p:spPr>
-          <a:xfrm>
-            <a:off x="321126" y="697757"/>
-            <a:ext cx="9606645" cy="646331"/>
-          </a:xfrm>
-          <a:prstGeom prst="rect">
-            <a:avLst/>
-          </a:prstGeom>
-        </p:spPr>
-        <p:txBody>
-          <a:bodyPr wrap="square">
-            <a:spAutoFit/>
-          </a:bodyPr>
-          <a:lstStyle/>
-          <a:p>
-            <a:r>
-              <a:rPr lang="en-US" dirty="0">
-                <a:solidFill>
-                  <a:srgbClr val="181717"/>
-                </a:solidFill>
-              </a:rPr>
-              <a:t>Use else statement when you want to execute the code every time when if condition evaluates to false.</a:t>
-            </a:r>
-            <a:endParaRPr lang="en-IN" dirty="0"/>
-          </a:p>
-        </p:txBody>
-      </p:sp>
-      <p:pic>
-        <p:nvPicPr>
-          <p:cNvPr id="10" name="Picture 9"/>
-          <p:cNvPicPr>
-            <a:picLocks noChangeAspect="1"/>
-          </p:cNvPicPr>
-          <p:nvPr/>
-        </p:nvPicPr>
-        <p:blipFill>
-          <a:blip r:embed="rId2"/>
-          <a:stretch>
-            <a:fillRect/>
-          </a:stretch>
-        </p:blipFill>
-        <p:spPr>
-          <a:xfrm>
-            <a:off x="6096000" y="1468109"/>
-            <a:ext cx="5795890" cy="3111658"/>
-          </a:xfrm>
-          <a:prstGeom prst="rect">
-            <a:avLst/>
-          </a:prstGeom>
-        </p:spPr>
-      </p:pic>
-    </p:spTree>
-    <p:extLst>
-      <p:ext uri="{BB962C8B-B14F-4D97-AF65-F5344CB8AC3E}">
-        <p14:creationId xmlns="" xmlns:p14="http://schemas.microsoft.com/office/powerpoint/2010/main" val="3691728405"/>
-      </p:ext>
-    </p:extLst>
-  </p:cSld>
-  <p:clrMapOvr>
-    <a:masterClrMapping/>
-  </p:clrMapOvr>
-  <p:timing>
-    <p:tnLst>
-      <p:par>
-        <p:cTn id="1" dur="indefinite" restart="never" nodeType="tmRoot"/>
-      </p:par>
-    </p:tnLst>
-  </p:timing>
-</p:sld>
-</file>
-
-<file path=ppt/slides/slide16.xml><?xml version="1.0" encoding="utf-8"?>
-<p:sld xmlns:a="http://schemas.openxmlformats.org/drawingml/2006/main" xmlns:r="http://schemas.openxmlformats.org/officeDocument/2006/relationships" xmlns:p="http://schemas.openxmlformats.org/presentationml/2006/main">
-  <p:cSld>
-    <p:spTree>
-      <p:nvGrpSpPr>
-        <p:cNvPr id="1" name=""/>
-        <p:cNvGrpSpPr/>
-        <p:nvPr/>
-      </p:nvGrpSpPr>
-      <p:grpSpPr>
-        <a:xfrm>
-          <a:off x="0" y="0"/>
-          <a:ext cx="0" cy="0"/>
-          <a:chOff x="0" y="0"/>
-          <a:chExt cx="0" cy="0"/>
-        </a:xfrm>
-      </p:grpSpPr>
-      <p:sp>
-        <p:nvSpPr>
-          <p:cNvPr id="4" name="Content Placeholder 13"/>
-          <p:cNvSpPr txBox="1">
-            <a:spLocks/>
-          </p:cNvSpPr>
-          <p:nvPr/>
-        </p:nvSpPr>
-        <p:spPr>
-          <a:xfrm>
-            <a:off x="228598" y="46330"/>
-            <a:ext cx="9791700" cy="630192"/>
-          </a:xfrm>
-          <a:prstGeom prst="rect">
-            <a:avLst/>
-          </a:prstGeom>
-        </p:spPr>
-        <p:txBody>
-          <a:bodyPr vert="horz" lIns="91440" tIns="45720" rIns="91440" bIns="45720" rtlCol="0">
-            <a:noAutofit/>
-          </a:bodyPr>
-          <a:lstStyle>
-            <a:lvl1pPr marL="0" indent="0" algn="ctr" defTabSz="914400" rtl="0" eaLnBrk="1" latinLnBrk="0" hangingPunct="1">
-              <a:lnSpc>
-                <a:spcPct val="90000"/>
-              </a:lnSpc>
-              <a:spcBef>
-                <a:spcPts val="1000"/>
-              </a:spcBef>
-              <a:buFont typeface="Arial" panose="020B0604020202020204" pitchFamily="34" charset="0"/>
-              <a:buNone/>
-              <a:defRPr kumimoji="1" sz="2400" kern="1200">
-                <a:solidFill>
-                  <a:schemeClr val="tx1"/>
-                </a:solidFill>
-                <a:latin typeface="+mn-lt"/>
-                <a:ea typeface="+mn-ea"/>
-                <a:cs typeface="+mn-cs"/>
-              </a:defRPr>
-            </a:lvl1pPr>
-            <a:lvl2pPr marL="457200" indent="0" algn="ctr" defTabSz="914400" rtl="0" eaLnBrk="1" latinLnBrk="0" hangingPunct="1">
-              <a:lnSpc>
-                <a:spcPct val="90000"/>
-              </a:lnSpc>
-              <a:spcBef>
-                <a:spcPts val="500"/>
-              </a:spcBef>
-              <a:buFont typeface="Arial" panose="020B0604020202020204" pitchFamily="34" charset="0"/>
-              <a:buNone/>
-              <a:defRPr kumimoji="1" sz="2000" kern="1200">
-                <a:solidFill>
-                  <a:schemeClr val="tx1"/>
-                </a:solidFill>
-                <a:latin typeface="+mn-lt"/>
-                <a:ea typeface="+mn-ea"/>
-                <a:cs typeface="+mn-cs"/>
-              </a:defRPr>
-            </a:lvl2pPr>
-            <a:lvl3pPr marL="914400" indent="0" algn="ctr" defTabSz="914400" rtl="0" eaLnBrk="1" latinLnBrk="0" hangingPunct="1">
-              <a:lnSpc>
-                <a:spcPct val="90000"/>
-              </a:lnSpc>
-              <a:spcBef>
-                <a:spcPts val="500"/>
-              </a:spcBef>
-              <a:buFont typeface="Arial" panose="020B0604020202020204" pitchFamily="34" charset="0"/>
-              <a:buNone/>
-              <a:defRPr kumimoji="1" sz="1800" kern="1200">
-                <a:solidFill>
-                  <a:schemeClr val="tx1"/>
-                </a:solidFill>
-                <a:latin typeface="+mn-lt"/>
-                <a:ea typeface="+mn-ea"/>
-                <a:cs typeface="+mn-cs"/>
-              </a:defRPr>
-            </a:lvl3pPr>
-            <a:lvl4pPr marL="1371600" indent="0" algn="ctr" defTabSz="914400" rtl="0" eaLnBrk="1" latinLnBrk="0" hangingPunct="1">
-              <a:lnSpc>
-                <a:spcPct val="90000"/>
-              </a:lnSpc>
-              <a:spcBef>
-                <a:spcPts val="500"/>
-              </a:spcBef>
-              <a:buFont typeface="Arial" panose="020B0604020202020204" pitchFamily="34" charset="0"/>
-              <a:buNone/>
-              <a:defRPr kumimoji="1" sz="1600" kern="1200">
-                <a:solidFill>
-                  <a:schemeClr val="tx1"/>
-                </a:solidFill>
-                <a:latin typeface="+mn-lt"/>
-                <a:ea typeface="+mn-ea"/>
-                <a:cs typeface="+mn-cs"/>
-              </a:defRPr>
-            </a:lvl4pPr>
-            <a:lvl5pPr marL="1828800" indent="0" algn="ctr" defTabSz="914400" rtl="0" eaLnBrk="1" latinLnBrk="0" hangingPunct="1">
-              <a:lnSpc>
-                <a:spcPct val="90000"/>
-              </a:lnSpc>
-              <a:spcBef>
-                <a:spcPts val="500"/>
-              </a:spcBef>
-              <a:buFont typeface="Arial" panose="020B0604020202020204" pitchFamily="34" charset="0"/>
-              <a:buNone/>
-              <a:defRPr kumimoji="1" sz="1600" kern="1200">
-                <a:solidFill>
-                  <a:schemeClr val="tx1"/>
-                </a:solidFill>
-                <a:latin typeface="+mn-lt"/>
-                <a:ea typeface="+mn-ea"/>
-                <a:cs typeface="+mn-cs"/>
-              </a:defRPr>
-            </a:lvl5pPr>
-            <a:lvl6pPr marL="2286000" indent="0" algn="ctr" defTabSz="914400" rtl="0" eaLnBrk="1" latinLnBrk="0" hangingPunct="1">
-              <a:lnSpc>
-                <a:spcPct val="90000"/>
-              </a:lnSpc>
-              <a:spcBef>
-                <a:spcPts val="500"/>
-              </a:spcBef>
-              <a:buFont typeface="Arial" panose="020B0604020202020204" pitchFamily="34" charset="0"/>
-              <a:buNone/>
-              <a:defRPr kumimoji="1" sz="1600" kern="1200">
-                <a:solidFill>
-                  <a:schemeClr val="tx1"/>
-                </a:solidFill>
-                <a:latin typeface="+mn-lt"/>
-                <a:ea typeface="+mn-ea"/>
-                <a:cs typeface="+mn-cs"/>
-              </a:defRPr>
-            </a:lvl6pPr>
-            <a:lvl7pPr marL="2743200" indent="0" algn="ctr" defTabSz="914400" rtl="0" eaLnBrk="1" latinLnBrk="0" hangingPunct="1">
-              <a:lnSpc>
-                <a:spcPct val="90000"/>
-              </a:lnSpc>
-              <a:spcBef>
-                <a:spcPts val="500"/>
-              </a:spcBef>
-              <a:buFont typeface="Arial" panose="020B0604020202020204" pitchFamily="34" charset="0"/>
-              <a:buNone/>
-              <a:defRPr kumimoji="1" sz="1600" kern="1200">
-                <a:solidFill>
-                  <a:schemeClr val="tx1"/>
-                </a:solidFill>
-                <a:latin typeface="+mn-lt"/>
-                <a:ea typeface="+mn-ea"/>
-                <a:cs typeface="+mn-cs"/>
-              </a:defRPr>
-            </a:lvl7pPr>
-            <a:lvl8pPr marL="3200400" indent="0" algn="ctr" defTabSz="914400" rtl="0" eaLnBrk="1" latinLnBrk="0" hangingPunct="1">
-              <a:lnSpc>
-                <a:spcPct val="90000"/>
-              </a:lnSpc>
-              <a:spcBef>
-                <a:spcPts val="500"/>
-              </a:spcBef>
-              <a:buFont typeface="Arial" panose="020B0604020202020204" pitchFamily="34" charset="0"/>
-              <a:buNone/>
-              <a:defRPr kumimoji="1" sz="1600" kern="1200">
-                <a:solidFill>
-                  <a:schemeClr val="tx1"/>
-                </a:solidFill>
-                <a:latin typeface="+mn-lt"/>
-                <a:ea typeface="+mn-ea"/>
-                <a:cs typeface="+mn-cs"/>
-              </a:defRPr>
-            </a:lvl8pPr>
-            <a:lvl9pPr marL="3657600" indent="0" algn="ctr" defTabSz="914400" rtl="0" eaLnBrk="1" latinLnBrk="0" hangingPunct="1">
-              <a:lnSpc>
-                <a:spcPct val="90000"/>
-              </a:lnSpc>
-              <a:spcBef>
-                <a:spcPts val="500"/>
-              </a:spcBef>
-              <a:buFont typeface="Arial" panose="020B0604020202020204" pitchFamily="34" charset="0"/>
-              <a:buNone/>
-              <a:defRPr kumimoji="1" sz="1600" kern="1200">
-                <a:solidFill>
-                  <a:schemeClr val="tx1"/>
-                </a:solidFill>
-                <a:latin typeface="+mn-lt"/>
-                <a:ea typeface="+mn-ea"/>
-                <a:cs typeface="+mn-cs"/>
-              </a:defRPr>
-            </a:lvl9pPr>
-          </a:lstStyle>
-          <a:p>
-            <a:pPr algn="l"/>
-            <a:r>
-              <a:rPr lang="en-US" sz="3600" b="1" dirty="0">
-                <a:solidFill>
-                  <a:srgbClr val="0064B5"/>
-                </a:solidFill>
-              </a:rPr>
-              <a:t>Conditional statements </a:t>
-            </a:r>
-            <a:r>
-              <a:rPr lang="en-US" sz="3600" b="1" dirty="0" smtClean="0">
-                <a:solidFill>
-                  <a:srgbClr val="0064B5"/>
-                </a:solidFill>
-              </a:rPr>
-              <a:t>– Else if </a:t>
-            </a:r>
-            <a:r>
-              <a:rPr lang="en-US" sz="3600" b="1" dirty="0">
-                <a:solidFill>
-                  <a:srgbClr val="0064B5"/>
-                </a:solidFill>
-              </a:rPr>
-              <a:t>condition</a:t>
-            </a:r>
-          </a:p>
-          <a:p>
-            <a:pPr algn="l"/>
-            <a:endParaRPr lang="en-US" sz="3600" b="1" dirty="0">
-              <a:solidFill>
-                <a:srgbClr val="0064B5"/>
-              </a:solidFill>
-            </a:endParaRPr>
-          </a:p>
-        </p:txBody>
-      </p:sp>
-      <p:sp>
-        <p:nvSpPr>
-          <p:cNvPr id="7" name="Rectangle 6"/>
-          <p:cNvSpPr/>
-          <p:nvPr/>
-        </p:nvSpPr>
-        <p:spPr>
-          <a:xfrm>
-            <a:off x="150763" y="1199672"/>
-            <a:ext cx="4973685" cy="4723685"/>
-          </a:xfrm>
-          <a:prstGeom prst="rect">
-            <a:avLst/>
-          </a:prstGeom>
-          <a:gradFill flip="none" rotWithShape="1">
-            <a:gsLst>
-              <a:gs pos="0">
-                <a:schemeClr val="bg2"/>
-              </a:gs>
-              <a:gs pos="50000">
-                <a:schemeClr val="accent3">
-                  <a:lumMod val="20000"/>
-                  <a:lumOff val="80000"/>
-                  <a:shade val="67500"/>
-                  <a:satMod val="115000"/>
-                </a:schemeClr>
-              </a:gs>
-              <a:gs pos="100000">
-                <a:schemeClr val="accent3">
-                  <a:lumMod val="20000"/>
-                  <a:lumOff val="80000"/>
-                  <a:shade val="100000"/>
-                  <a:satMod val="115000"/>
-                </a:schemeClr>
-              </a:gs>
-            </a:gsLst>
-            <a:lin ang="6600000" scaled="0"/>
-            <a:tileRect/>
-          </a:gradFill>
-          <a:ln>
-            <a:solidFill>
-              <a:schemeClr val="tx1">
-                <a:lumMod val="50000"/>
-                <a:lumOff val="50000"/>
-              </a:schemeClr>
-            </a:solidFill>
-          </a:ln>
-        </p:spPr>
-        <p:style>
-          <a:lnRef idx="2">
-            <a:schemeClr val="accent1">
-              <a:shade val="50000"/>
-            </a:schemeClr>
-          </a:lnRef>
-          <a:fillRef idx="1">
-            <a:schemeClr val="accent1"/>
-          </a:fillRef>
-          <a:effectRef idx="0">
-            <a:schemeClr val="accent1"/>
-          </a:effectRef>
-          <a:fontRef idx="minor">
-            <a:schemeClr val="lt1"/>
-          </a:fontRef>
-        </p:style>
-        <p:txBody>
-          <a:bodyPr rtlCol="0" anchor="ctr"/>
-          <a:lstStyle/>
-          <a:p>
-            <a:r>
-              <a:rPr lang="en-US" sz="1500" b="1" u="sng" dirty="0" smtClean="0">
-                <a:solidFill>
-                  <a:schemeClr val="tx1"/>
-                </a:solidFill>
-              </a:rPr>
-              <a:t>Syntax:</a:t>
-            </a:r>
-            <a:endParaRPr lang="en-US" sz="1500" b="1" u="sng" dirty="0">
-              <a:solidFill>
-                <a:schemeClr val="tx1"/>
-              </a:solidFill>
-            </a:endParaRPr>
-          </a:p>
-          <a:p>
-            <a:r>
-              <a:rPr lang="en-US" sz="1500" dirty="0">
-                <a:solidFill>
-                  <a:schemeClr val="tx1"/>
-                </a:solidFill>
-              </a:rPr>
-              <a:t>if(condition expression)</a:t>
-            </a:r>
-          </a:p>
-          <a:p>
-            <a:r>
-              <a:rPr lang="en-US" sz="1500" dirty="0">
-                <a:solidFill>
-                  <a:schemeClr val="tx1"/>
-                </a:solidFill>
-              </a:rPr>
-              <a:t>{</a:t>
-            </a:r>
-          </a:p>
-          <a:p>
-            <a:r>
-              <a:rPr lang="en-US" sz="1500" dirty="0">
-                <a:solidFill>
-                  <a:schemeClr val="tx1"/>
-                </a:solidFill>
-              </a:rPr>
-              <a:t>    //Execute this code block</a:t>
-            </a:r>
-          </a:p>
-          <a:p>
-            <a:r>
-              <a:rPr lang="en-US" sz="1500" dirty="0">
-                <a:solidFill>
-                  <a:schemeClr val="tx1"/>
-                </a:solidFill>
-              </a:rPr>
-              <a:t>}</a:t>
-            </a:r>
-          </a:p>
-          <a:p>
-            <a:r>
-              <a:rPr lang="en-US" sz="1500" dirty="0">
-                <a:solidFill>
-                  <a:schemeClr val="tx1"/>
-                </a:solidFill>
-              </a:rPr>
-              <a:t>else if(condition expression){ </a:t>
-            </a:r>
-          </a:p>
-          <a:p>
-            <a:r>
-              <a:rPr lang="en-US" sz="1500" dirty="0">
-                <a:solidFill>
-                  <a:schemeClr val="tx1"/>
-                </a:solidFill>
-              </a:rPr>
-              <a:t>    //Execute this code block</a:t>
-            </a:r>
-          </a:p>
-          <a:p>
-            <a:r>
-              <a:rPr lang="en-US" sz="1500" dirty="0">
-                <a:solidFill>
-                  <a:schemeClr val="tx1"/>
-                </a:solidFill>
-              </a:rPr>
-              <a:t>}</a:t>
-            </a:r>
-            <a:endParaRPr lang="en-US" sz="1500" b="1" u="sng" dirty="0">
-              <a:solidFill>
-                <a:schemeClr val="tx1"/>
-              </a:solidFill>
-            </a:endParaRPr>
-          </a:p>
-          <a:p>
-            <a:r>
-              <a:rPr lang="en-US" sz="1500" b="1" u="sng" dirty="0" smtClean="0">
-                <a:solidFill>
-                  <a:schemeClr val="tx1"/>
-                </a:solidFill>
-              </a:rPr>
-              <a:t>Example:</a:t>
-            </a:r>
-            <a:endParaRPr lang="en-US" sz="1500" dirty="0" smtClean="0">
-              <a:solidFill>
-                <a:schemeClr val="tx1"/>
-              </a:solidFill>
-            </a:endParaRPr>
-          </a:p>
-          <a:p>
-            <a:r>
-              <a:rPr lang="en-US" sz="1500" dirty="0">
-                <a:solidFill>
-                  <a:schemeClr val="tx1"/>
-                </a:solidFill>
-              </a:rPr>
-              <a:t>// check if the number if positive, negative or zero</a:t>
-            </a:r>
-          </a:p>
-          <a:p>
-            <a:r>
-              <a:rPr lang="en-US" sz="1500" dirty="0" smtClean="0">
-                <a:solidFill>
-                  <a:schemeClr val="tx1"/>
-                </a:solidFill>
-              </a:rPr>
-              <a:t>let </a:t>
-            </a:r>
-            <a:r>
-              <a:rPr lang="en-US" sz="1500" dirty="0">
-                <a:solidFill>
-                  <a:schemeClr val="tx1"/>
-                </a:solidFill>
-              </a:rPr>
-              <a:t>number = </a:t>
-            </a:r>
-            <a:r>
-              <a:rPr lang="en-US" sz="1500" dirty="0" smtClean="0">
-                <a:solidFill>
-                  <a:schemeClr val="tx1"/>
-                </a:solidFill>
-              </a:rPr>
-              <a:t>2;</a:t>
-            </a:r>
-            <a:endParaRPr lang="en-US" sz="1500" dirty="0">
-              <a:solidFill>
-                <a:schemeClr val="tx1"/>
-              </a:solidFill>
-            </a:endParaRPr>
-          </a:p>
-          <a:p>
-            <a:r>
-              <a:rPr lang="en-US" sz="1500" dirty="0" smtClean="0">
-                <a:solidFill>
-                  <a:schemeClr val="tx1"/>
-                </a:solidFill>
-              </a:rPr>
-              <a:t>number </a:t>
-            </a:r>
-            <a:r>
-              <a:rPr lang="en-US" sz="1500" dirty="0">
-                <a:solidFill>
-                  <a:schemeClr val="tx1"/>
-                </a:solidFill>
-              </a:rPr>
-              <a:t>is positive");</a:t>
-            </a:r>
-          </a:p>
-          <a:p>
-            <a:r>
-              <a:rPr lang="en-US" sz="1500" dirty="0">
-                <a:solidFill>
-                  <a:schemeClr val="tx1"/>
-                </a:solidFill>
-              </a:rPr>
-              <a:t>} if (number &gt; 0) {</a:t>
-            </a:r>
-          </a:p>
-          <a:p>
-            <a:r>
-              <a:rPr lang="en-US" sz="1500" dirty="0">
-                <a:solidFill>
-                  <a:schemeClr val="tx1"/>
-                </a:solidFill>
-              </a:rPr>
-              <a:t>    console.log("The </a:t>
-            </a:r>
-          </a:p>
-          <a:p>
-            <a:r>
-              <a:rPr lang="en-US" sz="1500" dirty="0" smtClean="0">
-                <a:solidFill>
-                  <a:schemeClr val="tx1"/>
-                </a:solidFill>
-              </a:rPr>
-              <a:t>else </a:t>
-            </a:r>
-            <a:r>
-              <a:rPr lang="en-US" sz="1500" dirty="0">
-                <a:solidFill>
-                  <a:schemeClr val="tx1"/>
-                </a:solidFill>
-              </a:rPr>
-              <a:t>if (number == 0) {</a:t>
-            </a:r>
-          </a:p>
-          <a:p>
-            <a:r>
-              <a:rPr lang="en-US" sz="1500" dirty="0">
-                <a:solidFill>
-                  <a:schemeClr val="tx1"/>
-                </a:solidFill>
-              </a:rPr>
-              <a:t>  console.log("The number is 0");</a:t>
-            </a:r>
-          </a:p>
-          <a:p>
-            <a:r>
-              <a:rPr lang="en-US" sz="1500" dirty="0">
-                <a:solidFill>
-                  <a:schemeClr val="tx1"/>
-                </a:solidFill>
-              </a:rPr>
-              <a:t>}</a:t>
-            </a:r>
-          </a:p>
-          <a:p>
-            <a:r>
-              <a:rPr lang="en-US" sz="1500" dirty="0" smtClean="0">
-                <a:solidFill>
-                  <a:schemeClr val="tx1"/>
-                </a:solidFill>
-              </a:rPr>
-              <a:t>else </a:t>
-            </a:r>
-            <a:r>
-              <a:rPr lang="en-US" sz="1500" dirty="0">
-                <a:solidFill>
-                  <a:schemeClr val="tx1"/>
-                </a:solidFill>
-              </a:rPr>
-              <a:t>{</a:t>
-            </a:r>
-          </a:p>
-          <a:p>
-            <a:r>
-              <a:rPr lang="en-US" sz="1500" dirty="0">
-                <a:solidFill>
-                  <a:schemeClr val="tx1"/>
-                </a:solidFill>
-              </a:rPr>
-              <a:t>    console.log("The number is negative");</a:t>
-            </a:r>
-          </a:p>
-          <a:p>
-            <a:r>
-              <a:rPr lang="en-US" sz="1500" dirty="0">
-                <a:solidFill>
-                  <a:schemeClr val="tx1"/>
-                </a:solidFill>
-              </a:rPr>
-              <a:t>}</a:t>
-            </a:r>
-            <a:endParaRPr lang="en-US" sz="1500" dirty="0" smtClean="0">
-              <a:solidFill>
-                <a:schemeClr val="tx1"/>
-              </a:solidFill>
-            </a:endParaRPr>
-          </a:p>
-        </p:txBody>
-      </p:sp>
-      <p:sp>
-        <p:nvSpPr>
-          <p:cNvPr id="9" name="Rectangle 8"/>
-          <p:cNvSpPr/>
-          <p:nvPr/>
-        </p:nvSpPr>
-        <p:spPr>
-          <a:xfrm>
-            <a:off x="447023" y="817282"/>
-            <a:ext cx="10691240" cy="464871"/>
-          </a:xfrm>
-          <a:prstGeom prst="rect">
-            <a:avLst/>
-          </a:prstGeom>
-        </p:spPr>
-        <p:txBody>
-          <a:bodyPr wrap="square">
-            <a:spAutoFit/>
-          </a:bodyPr>
-          <a:lstStyle/>
-          <a:p>
-            <a:pPr marL="285750" indent="-285750">
-              <a:lnSpc>
-                <a:spcPct val="150000"/>
-              </a:lnSpc>
-              <a:buFont typeface="Arial" panose="020B0604020202020204" pitchFamily="34" charset="0"/>
-              <a:buChar char="•"/>
-            </a:pPr>
-            <a:endParaRPr lang="en-US" dirty="0"/>
-          </a:p>
-        </p:txBody>
-      </p:sp>
-      <p:sp>
-        <p:nvSpPr>
-          <p:cNvPr id="2" name="Rectangle 1"/>
-          <p:cNvSpPr/>
-          <p:nvPr/>
-        </p:nvSpPr>
-        <p:spPr>
-          <a:xfrm>
-            <a:off x="321126" y="697757"/>
-            <a:ext cx="9606645" cy="369332"/>
-          </a:xfrm>
-          <a:prstGeom prst="rect">
-            <a:avLst/>
-          </a:prstGeom>
-        </p:spPr>
-        <p:txBody>
-          <a:bodyPr wrap="square">
-            <a:spAutoFit/>
-          </a:bodyPr>
-          <a:lstStyle/>
-          <a:p>
-            <a:r>
-              <a:rPr lang="en-US" dirty="0">
-                <a:solidFill>
-                  <a:srgbClr val="181717"/>
-                </a:solidFill>
-              </a:rPr>
-              <a:t>Use "else if" condition when you want to apply second level condition after if statement</a:t>
-            </a:r>
-            <a:endParaRPr lang="en-IN" dirty="0"/>
-          </a:p>
-        </p:txBody>
-      </p:sp>
-      <p:pic>
-        <p:nvPicPr>
-          <p:cNvPr id="11" name="Picture 10"/>
-          <p:cNvPicPr>
-            <a:picLocks noChangeAspect="1"/>
-          </p:cNvPicPr>
-          <p:nvPr/>
-        </p:nvPicPr>
-        <p:blipFill>
-          <a:blip r:embed="rId2"/>
-          <a:stretch>
-            <a:fillRect/>
-          </a:stretch>
-        </p:blipFill>
-        <p:spPr>
-          <a:xfrm>
-            <a:off x="5150575" y="1199672"/>
-            <a:ext cx="7010249" cy="3119624"/>
-          </a:xfrm>
-          <a:prstGeom prst="rect">
-            <a:avLst/>
-          </a:prstGeom>
-        </p:spPr>
-      </p:pic>
-    </p:spTree>
-    <p:extLst>
-      <p:ext uri="{BB962C8B-B14F-4D97-AF65-F5344CB8AC3E}">
-        <p14:creationId xmlns="" xmlns:p14="http://schemas.microsoft.com/office/powerpoint/2010/main" val="3373404606"/>
-      </p:ext>
-    </p:extLst>
-  </p:cSld>
-  <p:clrMapOvr>
-    <a:masterClrMapping/>
-  </p:clrMapOvr>
-  <p:timing>
-    <p:tnLst>
-      <p:par>
-        <p:cTn id="1" dur="indefinite" restart="never" nodeType="tmRoot"/>
-      </p:par>
-    </p:tnLst>
-  </p:timing>
-</p:sld>
-</file>
-
-<file path=ppt/slides/slide17.xml><?xml version="1.0" encoding="utf-8"?>
-<p:sld xmlns:a="http://schemas.openxmlformats.org/drawingml/2006/main" xmlns:r="http://schemas.openxmlformats.org/officeDocument/2006/relationships" xmlns:p="http://schemas.openxmlformats.org/presentationml/2006/main">
-  <p:cSld>
-    <p:spTree>
-      <p:nvGrpSpPr>
-        <p:cNvPr id="1" name=""/>
-        <p:cNvGrpSpPr/>
-        <p:nvPr/>
-      </p:nvGrpSpPr>
-      <p:grpSpPr>
-        <a:xfrm>
-          <a:off x="0" y="0"/>
-          <a:ext cx="0" cy="0"/>
-          <a:chOff x="0" y="0"/>
-          <a:chExt cx="0" cy="0"/>
-        </a:xfrm>
-      </p:grpSpPr>
-      <p:sp>
-        <p:nvSpPr>
-          <p:cNvPr id="4" name="Content Placeholder 13"/>
-          <p:cNvSpPr txBox="1">
-            <a:spLocks/>
-          </p:cNvSpPr>
-          <p:nvPr/>
-        </p:nvSpPr>
-        <p:spPr>
-          <a:xfrm>
-            <a:off x="256350" y="19305"/>
-            <a:ext cx="9791700" cy="630192"/>
-          </a:xfrm>
-          <a:prstGeom prst="rect">
-            <a:avLst/>
-          </a:prstGeom>
-        </p:spPr>
-        <p:txBody>
-          <a:bodyPr vert="horz" lIns="91440" tIns="45720" rIns="91440" bIns="45720" rtlCol="0">
-            <a:noAutofit/>
-          </a:bodyPr>
-          <a:lstStyle>
-            <a:lvl1pPr marL="0" indent="0" algn="ctr" defTabSz="914400" rtl="0" eaLnBrk="1" latinLnBrk="0" hangingPunct="1">
-              <a:lnSpc>
-                <a:spcPct val="90000"/>
-              </a:lnSpc>
-              <a:spcBef>
-                <a:spcPts val="1000"/>
-              </a:spcBef>
-              <a:buFont typeface="Arial" panose="020B0604020202020204" pitchFamily="34" charset="0"/>
-              <a:buNone/>
-              <a:defRPr kumimoji="1" sz="2400" kern="1200">
-                <a:solidFill>
-                  <a:schemeClr val="tx1"/>
-                </a:solidFill>
-                <a:latin typeface="+mn-lt"/>
-                <a:ea typeface="+mn-ea"/>
-                <a:cs typeface="+mn-cs"/>
-              </a:defRPr>
-            </a:lvl1pPr>
-            <a:lvl2pPr marL="457200" indent="0" algn="ctr" defTabSz="914400" rtl="0" eaLnBrk="1" latinLnBrk="0" hangingPunct="1">
-              <a:lnSpc>
-                <a:spcPct val="90000"/>
-              </a:lnSpc>
-              <a:spcBef>
-                <a:spcPts val="500"/>
-              </a:spcBef>
-              <a:buFont typeface="Arial" panose="020B0604020202020204" pitchFamily="34" charset="0"/>
-              <a:buNone/>
-              <a:defRPr kumimoji="1" sz="2000" kern="1200">
-                <a:solidFill>
-                  <a:schemeClr val="tx1"/>
-                </a:solidFill>
-                <a:latin typeface="+mn-lt"/>
-                <a:ea typeface="+mn-ea"/>
-                <a:cs typeface="+mn-cs"/>
-              </a:defRPr>
-            </a:lvl2pPr>
-            <a:lvl3pPr marL="914400" indent="0" algn="ctr" defTabSz="914400" rtl="0" eaLnBrk="1" latinLnBrk="0" hangingPunct="1">
-              <a:lnSpc>
-                <a:spcPct val="90000"/>
-              </a:lnSpc>
-              <a:spcBef>
-                <a:spcPts val="500"/>
-              </a:spcBef>
-              <a:buFont typeface="Arial" panose="020B0604020202020204" pitchFamily="34" charset="0"/>
-              <a:buNone/>
-              <a:defRPr kumimoji="1" sz="1800" kern="1200">
-                <a:solidFill>
-                  <a:schemeClr val="tx1"/>
-                </a:solidFill>
-                <a:latin typeface="+mn-lt"/>
-                <a:ea typeface="+mn-ea"/>
-                <a:cs typeface="+mn-cs"/>
-              </a:defRPr>
-            </a:lvl3pPr>
-            <a:lvl4pPr marL="1371600" indent="0" algn="ctr" defTabSz="914400" rtl="0" eaLnBrk="1" latinLnBrk="0" hangingPunct="1">
-              <a:lnSpc>
-                <a:spcPct val="90000"/>
-              </a:lnSpc>
-              <a:spcBef>
-                <a:spcPts val="500"/>
-              </a:spcBef>
-              <a:buFont typeface="Arial" panose="020B0604020202020204" pitchFamily="34" charset="0"/>
-              <a:buNone/>
-              <a:defRPr kumimoji="1" sz="1600" kern="1200">
-                <a:solidFill>
-                  <a:schemeClr val="tx1"/>
-                </a:solidFill>
-                <a:latin typeface="+mn-lt"/>
-                <a:ea typeface="+mn-ea"/>
-                <a:cs typeface="+mn-cs"/>
-              </a:defRPr>
-            </a:lvl4pPr>
-            <a:lvl5pPr marL="1828800" indent="0" algn="ctr" defTabSz="914400" rtl="0" eaLnBrk="1" latinLnBrk="0" hangingPunct="1">
-              <a:lnSpc>
-                <a:spcPct val="90000"/>
-              </a:lnSpc>
-              <a:spcBef>
-                <a:spcPts val="500"/>
-              </a:spcBef>
-              <a:buFont typeface="Arial" panose="020B0604020202020204" pitchFamily="34" charset="0"/>
-              <a:buNone/>
-              <a:defRPr kumimoji="1" sz="1600" kern="1200">
-                <a:solidFill>
-                  <a:schemeClr val="tx1"/>
-                </a:solidFill>
-                <a:latin typeface="+mn-lt"/>
-                <a:ea typeface="+mn-ea"/>
-                <a:cs typeface="+mn-cs"/>
-              </a:defRPr>
-            </a:lvl5pPr>
-            <a:lvl6pPr marL="2286000" indent="0" algn="ctr" defTabSz="914400" rtl="0" eaLnBrk="1" latinLnBrk="0" hangingPunct="1">
-              <a:lnSpc>
-                <a:spcPct val="90000"/>
-              </a:lnSpc>
-              <a:spcBef>
-                <a:spcPts val="500"/>
-              </a:spcBef>
-              <a:buFont typeface="Arial" panose="020B0604020202020204" pitchFamily="34" charset="0"/>
-              <a:buNone/>
-              <a:defRPr kumimoji="1" sz="1600" kern="1200">
-                <a:solidFill>
-                  <a:schemeClr val="tx1"/>
-                </a:solidFill>
-                <a:latin typeface="+mn-lt"/>
-                <a:ea typeface="+mn-ea"/>
-                <a:cs typeface="+mn-cs"/>
-              </a:defRPr>
-            </a:lvl6pPr>
-            <a:lvl7pPr marL="2743200" indent="0" algn="ctr" defTabSz="914400" rtl="0" eaLnBrk="1" latinLnBrk="0" hangingPunct="1">
-              <a:lnSpc>
-                <a:spcPct val="90000"/>
-              </a:lnSpc>
-              <a:spcBef>
-                <a:spcPts val="500"/>
-              </a:spcBef>
-              <a:buFont typeface="Arial" panose="020B0604020202020204" pitchFamily="34" charset="0"/>
-              <a:buNone/>
-              <a:defRPr kumimoji="1" sz="1600" kern="1200">
-                <a:solidFill>
-                  <a:schemeClr val="tx1"/>
-                </a:solidFill>
-                <a:latin typeface="+mn-lt"/>
-                <a:ea typeface="+mn-ea"/>
-                <a:cs typeface="+mn-cs"/>
-              </a:defRPr>
-            </a:lvl7pPr>
-            <a:lvl8pPr marL="3200400" indent="0" algn="ctr" defTabSz="914400" rtl="0" eaLnBrk="1" latinLnBrk="0" hangingPunct="1">
-              <a:lnSpc>
-                <a:spcPct val="90000"/>
-              </a:lnSpc>
-              <a:spcBef>
-                <a:spcPts val="500"/>
-              </a:spcBef>
-              <a:buFont typeface="Arial" panose="020B0604020202020204" pitchFamily="34" charset="0"/>
-              <a:buNone/>
-              <a:defRPr kumimoji="1" sz="1600" kern="1200">
-                <a:solidFill>
-                  <a:schemeClr val="tx1"/>
-                </a:solidFill>
-                <a:latin typeface="+mn-lt"/>
-                <a:ea typeface="+mn-ea"/>
-                <a:cs typeface="+mn-cs"/>
-              </a:defRPr>
-            </a:lvl8pPr>
-            <a:lvl9pPr marL="3657600" indent="0" algn="ctr" defTabSz="914400" rtl="0" eaLnBrk="1" latinLnBrk="0" hangingPunct="1">
-              <a:lnSpc>
-                <a:spcPct val="90000"/>
-              </a:lnSpc>
-              <a:spcBef>
-                <a:spcPts val="500"/>
-              </a:spcBef>
-              <a:buFont typeface="Arial" panose="020B0604020202020204" pitchFamily="34" charset="0"/>
-              <a:buNone/>
-              <a:defRPr kumimoji="1" sz="1600" kern="1200">
-                <a:solidFill>
-                  <a:schemeClr val="tx1"/>
-                </a:solidFill>
-                <a:latin typeface="+mn-lt"/>
-                <a:ea typeface="+mn-ea"/>
-                <a:cs typeface="+mn-cs"/>
-              </a:defRPr>
-            </a:lvl9pPr>
-          </a:lstStyle>
-          <a:p>
-            <a:pPr algn="l"/>
-            <a:r>
-              <a:rPr lang="en-US" sz="3600" b="1" dirty="0">
-                <a:solidFill>
-                  <a:srgbClr val="0064B5"/>
-                </a:solidFill>
-              </a:rPr>
-              <a:t>JavaScript </a:t>
-            </a:r>
-            <a:r>
-              <a:rPr lang="en-US" sz="3600" b="1" dirty="0" smtClean="0">
-                <a:solidFill>
-                  <a:srgbClr val="0064B5"/>
-                </a:solidFill>
-              </a:rPr>
-              <a:t>conditional statements - Switch</a:t>
-            </a:r>
-            <a:endParaRPr lang="en-US" sz="3600" b="1" dirty="0">
-              <a:solidFill>
-                <a:srgbClr val="0064B5"/>
-              </a:solidFill>
-            </a:endParaRPr>
-          </a:p>
-        </p:txBody>
-      </p:sp>
-      <p:sp>
-        <p:nvSpPr>
-          <p:cNvPr id="9" name="Rectangle 8"/>
-          <p:cNvSpPr/>
-          <p:nvPr/>
-        </p:nvSpPr>
-        <p:spPr>
-          <a:xfrm>
-            <a:off x="256350" y="573736"/>
-            <a:ext cx="10691240" cy="974626"/>
-          </a:xfrm>
-          <a:prstGeom prst="rect">
-            <a:avLst/>
-          </a:prstGeom>
-        </p:spPr>
-        <p:txBody>
-          <a:bodyPr wrap="square">
-            <a:spAutoFit/>
-          </a:bodyPr>
-          <a:lstStyle/>
-          <a:p>
-            <a:pPr marL="285750" indent="-285750">
-              <a:spcAft>
-                <a:spcPts val="400"/>
-              </a:spcAft>
-              <a:buFont typeface="Arial" panose="020B0604020202020204" pitchFamily="34" charset="0"/>
-              <a:buChar char="•"/>
-            </a:pPr>
-            <a:r>
-              <a:rPr lang="en-US" dirty="0"/>
-              <a:t>The JavaScript switch statement is used in decision making</a:t>
-            </a:r>
-            <a:r>
-              <a:rPr lang="en-US" dirty="0" smtClean="0"/>
-              <a:t>.</a:t>
-            </a:r>
-          </a:p>
-          <a:p>
-            <a:pPr marL="285750" indent="-285750">
-              <a:spcAft>
-                <a:spcPts val="400"/>
-              </a:spcAft>
-              <a:buFont typeface="Arial" panose="020B0604020202020204" pitchFamily="34" charset="0"/>
-              <a:buChar char="•"/>
-            </a:pPr>
-            <a:r>
-              <a:rPr lang="en-US" dirty="0" smtClean="0"/>
-              <a:t>The </a:t>
-            </a:r>
-            <a:r>
-              <a:rPr lang="en-US" dirty="0"/>
-              <a:t>switch statement evaluates an expression and executes the corresponding body that matches the expression's result.</a:t>
-            </a:r>
-          </a:p>
-        </p:txBody>
-      </p:sp>
-      <p:sp>
-        <p:nvSpPr>
-          <p:cNvPr id="8" name="Rectangle 7"/>
-          <p:cNvSpPr/>
-          <p:nvPr/>
-        </p:nvSpPr>
-        <p:spPr>
-          <a:xfrm>
-            <a:off x="256350" y="1548362"/>
-            <a:ext cx="4973685" cy="3685489"/>
-          </a:xfrm>
-          <a:prstGeom prst="rect">
-            <a:avLst/>
-          </a:prstGeom>
-          <a:gradFill flip="none" rotWithShape="1">
-            <a:gsLst>
-              <a:gs pos="0">
-                <a:schemeClr val="bg2"/>
-              </a:gs>
-              <a:gs pos="50000">
-                <a:schemeClr val="accent3">
-                  <a:lumMod val="20000"/>
-                  <a:lumOff val="80000"/>
-                  <a:shade val="67500"/>
-                  <a:satMod val="115000"/>
-                </a:schemeClr>
-              </a:gs>
-              <a:gs pos="100000">
-                <a:schemeClr val="accent3">
-                  <a:lumMod val="20000"/>
-                  <a:lumOff val="80000"/>
-                  <a:shade val="100000"/>
-                  <a:satMod val="115000"/>
-                </a:schemeClr>
-              </a:gs>
-            </a:gsLst>
-            <a:lin ang="6600000" scaled="0"/>
-            <a:tileRect/>
-          </a:gradFill>
-          <a:ln>
-            <a:solidFill>
-              <a:schemeClr val="tx1">
-                <a:lumMod val="50000"/>
-                <a:lumOff val="50000"/>
-              </a:schemeClr>
-            </a:solidFill>
-          </a:ln>
-        </p:spPr>
-        <p:style>
-          <a:lnRef idx="2">
-            <a:schemeClr val="accent1">
-              <a:shade val="50000"/>
-            </a:schemeClr>
-          </a:lnRef>
-          <a:fillRef idx="1">
-            <a:schemeClr val="accent1"/>
-          </a:fillRef>
-          <a:effectRef idx="0">
-            <a:schemeClr val="accent1"/>
-          </a:effectRef>
-          <a:fontRef idx="minor">
-            <a:schemeClr val="lt1"/>
-          </a:fontRef>
-        </p:style>
-        <p:txBody>
-          <a:bodyPr rtlCol="0" anchor="ctr"/>
-          <a:lstStyle/>
-          <a:p>
-            <a:r>
-              <a:rPr lang="en-US" sz="1500" b="1" u="sng" dirty="0" smtClean="0">
-                <a:solidFill>
-                  <a:schemeClr val="tx1"/>
-                </a:solidFill>
-              </a:rPr>
-              <a:t>Syntax:</a:t>
-            </a:r>
-            <a:endParaRPr lang="en-US" sz="1500" b="1" u="sng" dirty="0">
-              <a:solidFill>
-                <a:schemeClr val="tx1"/>
-              </a:solidFill>
-            </a:endParaRPr>
-          </a:p>
-          <a:p>
-            <a:r>
-              <a:rPr lang="en-US" sz="1500" dirty="0">
-                <a:solidFill>
-                  <a:schemeClr val="tx1"/>
-                </a:solidFill>
-              </a:rPr>
-              <a:t>switch(expression or literal value){</a:t>
-            </a:r>
-          </a:p>
-          <a:p>
-            <a:r>
-              <a:rPr lang="en-US" sz="1500" dirty="0">
-                <a:solidFill>
-                  <a:schemeClr val="tx1"/>
-                </a:solidFill>
-              </a:rPr>
-              <a:t>    case 1:</a:t>
-            </a:r>
-          </a:p>
-          <a:p>
-            <a:r>
-              <a:rPr lang="en-US" sz="1500" dirty="0">
-                <a:solidFill>
-                  <a:schemeClr val="tx1"/>
-                </a:solidFill>
-              </a:rPr>
-              <a:t>        //code to be executed</a:t>
-            </a:r>
-          </a:p>
-          <a:p>
-            <a:r>
-              <a:rPr lang="en-US" sz="1500" dirty="0">
-                <a:solidFill>
-                  <a:schemeClr val="tx1"/>
-                </a:solidFill>
-              </a:rPr>
-              <a:t>      break;</a:t>
-            </a:r>
-          </a:p>
-          <a:p>
-            <a:r>
-              <a:rPr lang="en-US" sz="1500" dirty="0">
-                <a:solidFill>
-                  <a:schemeClr val="tx1"/>
-                </a:solidFill>
-              </a:rPr>
-              <a:t>    case 2:</a:t>
-            </a:r>
-          </a:p>
-          <a:p>
-            <a:r>
-              <a:rPr lang="en-US" sz="1500" dirty="0">
-                <a:solidFill>
-                  <a:schemeClr val="tx1"/>
-                </a:solidFill>
-              </a:rPr>
-              <a:t>        //code to be executed</a:t>
-            </a:r>
-          </a:p>
-          <a:p>
-            <a:r>
-              <a:rPr lang="en-US" sz="1500" dirty="0">
-                <a:solidFill>
-                  <a:schemeClr val="tx1"/>
-                </a:solidFill>
-              </a:rPr>
-              <a:t>        break;</a:t>
-            </a:r>
-          </a:p>
-          <a:p>
-            <a:r>
-              <a:rPr lang="en-US" sz="1500" dirty="0">
-                <a:solidFill>
-                  <a:schemeClr val="tx1"/>
-                </a:solidFill>
-              </a:rPr>
-              <a:t>    case n:</a:t>
-            </a:r>
-          </a:p>
-          <a:p>
-            <a:r>
-              <a:rPr lang="en-US" sz="1500" dirty="0">
-                <a:solidFill>
-                  <a:schemeClr val="tx1"/>
-                </a:solidFill>
-              </a:rPr>
-              <a:t>        //code to be executed</a:t>
-            </a:r>
-          </a:p>
-          <a:p>
-            <a:r>
-              <a:rPr lang="en-US" sz="1500" dirty="0">
-                <a:solidFill>
-                  <a:schemeClr val="tx1"/>
-                </a:solidFill>
-              </a:rPr>
-              <a:t>        break;</a:t>
-            </a:r>
-          </a:p>
-          <a:p>
-            <a:r>
-              <a:rPr lang="en-US" sz="1500" dirty="0">
-                <a:solidFill>
-                  <a:schemeClr val="tx1"/>
-                </a:solidFill>
-              </a:rPr>
-              <a:t>    default:</a:t>
-            </a:r>
-          </a:p>
-          <a:p>
-            <a:r>
-              <a:rPr lang="en-US" sz="1500" dirty="0">
-                <a:solidFill>
-                  <a:schemeClr val="tx1"/>
-                </a:solidFill>
-              </a:rPr>
-              <a:t>        //default code to be executed </a:t>
-            </a:r>
-          </a:p>
-          <a:p>
-            <a:r>
-              <a:rPr lang="en-US" sz="1500" dirty="0">
-                <a:solidFill>
-                  <a:schemeClr val="tx1"/>
-                </a:solidFill>
-              </a:rPr>
-              <a:t>        //if none of the above case executed</a:t>
-            </a:r>
-          </a:p>
-          <a:p>
-            <a:r>
-              <a:rPr lang="en-US" sz="1500" dirty="0">
-                <a:solidFill>
-                  <a:schemeClr val="tx1"/>
-                </a:solidFill>
-              </a:rPr>
-              <a:t>}</a:t>
-            </a:r>
-            <a:endParaRPr lang="en-US" sz="1500" dirty="0" smtClean="0">
-              <a:solidFill>
-                <a:schemeClr val="tx1"/>
-              </a:solidFill>
-            </a:endParaRPr>
-          </a:p>
-        </p:txBody>
-      </p:sp>
-      <p:pic>
-        <p:nvPicPr>
-          <p:cNvPr id="10" name="Picture 9"/>
-          <p:cNvPicPr>
-            <a:picLocks noChangeAspect="1"/>
-          </p:cNvPicPr>
-          <p:nvPr/>
-        </p:nvPicPr>
-        <p:blipFill>
-          <a:blip r:embed="rId2"/>
-          <a:stretch>
-            <a:fillRect/>
-          </a:stretch>
-        </p:blipFill>
-        <p:spPr>
-          <a:xfrm>
-            <a:off x="5768640" y="1548362"/>
-            <a:ext cx="4411680" cy="4756356"/>
-          </a:xfrm>
-          <a:prstGeom prst="rect">
-            <a:avLst/>
-          </a:prstGeom>
-        </p:spPr>
-      </p:pic>
-    </p:spTree>
-    <p:extLst>
-      <p:ext uri="{BB962C8B-B14F-4D97-AF65-F5344CB8AC3E}">
-        <p14:creationId xmlns="" xmlns:p14="http://schemas.microsoft.com/office/powerpoint/2010/main" val="811566285"/>
-      </p:ext>
-    </p:extLst>
-  </p:cSld>
-  <p:clrMapOvr>
-    <a:masterClrMapping/>
-  </p:clrMapOvr>
-  <p:timing>
-    <p:tnLst>
-      <p:par>
-        <p:cTn id="1" dur="indefinite" restart="never" nodeType="tmRoot"/>
-      </p:par>
-    </p:tnLst>
-  </p:timing>
-</p:sld>
-</file>
-
-<file path=ppt/slides/slide18.xml><?xml version="1.0" encoding="utf-8"?>
-<p:sld xmlns:a="http://schemas.openxmlformats.org/drawingml/2006/main" xmlns:r="http://schemas.openxmlformats.org/officeDocument/2006/relationships" xmlns:p="http://schemas.openxmlformats.org/presentationml/2006/main">
-  <p:cSld>
-    <p:spTree>
-      <p:nvGrpSpPr>
-        <p:cNvPr id="1" name=""/>
-        <p:cNvGrpSpPr/>
-        <p:nvPr/>
-      </p:nvGrpSpPr>
-      <p:grpSpPr>
-        <a:xfrm>
-          <a:off x="0" y="0"/>
-          <a:ext cx="0" cy="0"/>
-          <a:chOff x="0" y="0"/>
-          <a:chExt cx="0" cy="0"/>
-        </a:xfrm>
-      </p:grpSpPr>
-      <p:sp>
-        <p:nvSpPr>
-          <p:cNvPr id="4" name="Content Placeholder 13"/>
-          <p:cNvSpPr txBox="1">
-            <a:spLocks/>
-          </p:cNvSpPr>
-          <p:nvPr/>
-        </p:nvSpPr>
-        <p:spPr>
-          <a:xfrm>
-            <a:off x="256350" y="19305"/>
-            <a:ext cx="9791700" cy="630192"/>
-          </a:xfrm>
-          <a:prstGeom prst="rect">
-            <a:avLst/>
-          </a:prstGeom>
-        </p:spPr>
-        <p:txBody>
-          <a:bodyPr vert="horz" lIns="91440" tIns="45720" rIns="91440" bIns="45720" rtlCol="0">
-            <a:noAutofit/>
-          </a:bodyPr>
-          <a:lstStyle>
-            <a:lvl1pPr marL="0" indent="0" algn="ctr" defTabSz="914400" rtl="0" eaLnBrk="1" latinLnBrk="0" hangingPunct="1">
-              <a:lnSpc>
-                <a:spcPct val="90000"/>
-              </a:lnSpc>
-              <a:spcBef>
-                <a:spcPts val="1000"/>
-              </a:spcBef>
-              <a:buFont typeface="Arial" panose="020B0604020202020204" pitchFamily="34" charset="0"/>
-              <a:buNone/>
-              <a:defRPr kumimoji="1" sz="2400" kern="1200">
-                <a:solidFill>
-                  <a:schemeClr val="tx1"/>
-                </a:solidFill>
-                <a:latin typeface="+mn-lt"/>
-                <a:ea typeface="+mn-ea"/>
-                <a:cs typeface="+mn-cs"/>
-              </a:defRPr>
-            </a:lvl1pPr>
-            <a:lvl2pPr marL="457200" indent="0" algn="ctr" defTabSz="914400" rtl="0" eaLnBrk="1" latinLnBrk="0" hangingPunct="1">
-              <a:lnSpc>
-                <a:spcPct val="90000"/>
-              </a:lnSpc>
-              <a:spcBef>
-                <a:spcPts val="500"/>
-              </a:spcBef>
-              <a:buFont typeface="Arial" panose="020B0604020202020204" pitchFamily="34" charset="0"/>
-              <a:buNone/>
-              <a:defRPr kumimoji="1" sz="2000" kern="1200">
-                <a:solidFill>
-                  <a:schemeClr val="tx1"/>
-                </a:solidFill>
-                <a:latin typeface="+mn-lt"/>
-                <a:ea typeface="+mn-ea"/>
-                <a:cs typeface="+mn-cs"/>
-              </a:defRPr>
-            </a:lvl2pPr>
-            <a:lvl3pPr marL="914400" indent="0" algn="ctr" defTabSz="914400" rtl="0" eaLnBrk="1" latinLnBrk="0" hangingPunct="1">
-              <a:lnSpc>
-                <a:spcPct val="90000"/>
-              </a:lnSpc>
-              <a:spcBef>
-                <a:spcPts val="500"/>
-              </a:spcBef>
-              <a:buFont typeface="Arial" panose="020B0604020202020204" pitchFamily="34" charset="0"/>
-              <a:buNone/>
-              <a:defRPr kumimoji="1" sz="1800" kern="1200">
-                <a:solidFill>
-                  <a:schemeClr val="tx1"/>
-                </a:solidFill>
-                <a:latin typeface="+mn-lt"/>
-                <a:ea typeface="+mn-ea"/>
-                <a:cs typeface="+mn-cs"/>
-              </a:defRPr>
-            </a:lvl3pPr>
-            <a:lvl4pPr marL="1371600" indent="0" algn="ctr" defTabSz="914400" rtl="0" eaLnBrk="1" latinLnBrk="0" hangingPunct="1">
-              <a:lnSpc>
-                <a:spcPct val="90000"/>
-              </a:lnSpc>
-              <a:spcBef>
-                <a:spcPts val="500"/>
-              </a:spcBef>
-              <a:buFont typeface="Arial" panose="020B0604020202020204" pitchFamily="34" charset="0"/>
-              <a:buNone/>
-              <a:defRPr kumimoji="1" sz="1600" kern="1200">
-                <a:solidFill>
-                  <a:schemeClr val="tx1"/>
-                </a:solidFill>
-                <a:latin typeface="+mn-lt"/>
-                <a:ea typeface="+mn-ea"/>
-                <a:cs typeface="+mn-cs"/>
-              </a:defRPr>
-            </a:lvl4pPr>
-            <a:lvl5pPr marL="1828800" indent="0" algn="ctr" defTabSz="914400" rtl="0" eaLnBrk="1" latinLnBrk="0" hangingPunct="1">
-              <a:lnSpc>
-                <a:spcPct val="90000"/>
-              </a:lnSpc>
-              <a:spcBef>
-                <a:spcPts val="500"/>
-              </a:spcBef>
-              <a:buFont typeface="Arial" panose="020B0604020202020204" pitchFamily="34" charset="0"/>
-              <a:buNone/>
-              <a:defRPr kumimoji="1" sz="1600" kern="1200">
-                <a:solidFill>
-                  <a:schemeClr val="tx1"/>
-                </a:solidFill>
-                <a:latin typeface="+mn-lt"/>
-                <a:ea typeface="+mn-ea"/>
-                <a:cs typeface="+mn-cs"/>
-              </a:defRPr>
-            </a:lvl5pPr>
-            <a:lvl6pPr marL="2286000" indent="0" algn="ctr" defTabSz="914400" rtl="0" eaLnBrk="1" latinLnBrk="0" hangingPunct="1">
-              <a:lnSpc>
-                <a:spcPct val="90000"/>
-              </a:lnSpc>
-              <a:spcBef>
-                <a:spcPts val="500"/>
-              </a:spcBef>
-              <a:buFont typeface="Arial" panose="020B0604020202020204" pitchFamily="34" charset="0"/>
-              <a:buNone/>
-              <a:defRPr kumimoji="1" sz="1600" kern="1200">
-                <a:solidFill>
-                  <a:schemeClr val="tx1"/>
-                </a:solidFill>
-                <a:latin typeface="+mn-lt"/>
-                <a:ea typeface="+mn-ea"/>
-                <a:cs typeface="+mn-cs"/>
-              </a:defRPr>
-            </a:lvl6pPr>
-            <a:lvl7pPr marL="2743200" indent="0" algn="ctr" defTabSz="914400" rtl="0" eaLnBrk="1" latinLnBrk="0" hangingPunct="1">
-              <a:lnSpc>
-                <a:spcPct val="90000"/>
-              </a:lnSpc>
-              <a:spcBef>
-                <a:spcPts val="500"/>
-              </a:spcBef>
-              <a:buFont typeface="Arial" panose="020B0604020202020204" pitchFamily="34" charset="0"/>
-              <a:buNone/>
-              <a:defRPr kumimoji="1" sz="1600" kern="1200">
-                <a:solidFill>
-                  <a:schemeClr val="tx1"/>
-                </a:solidFill>
-                <a:latin typeface="+mn-lt"/>
-                <a:ea typeface="+mn-ea"/>
-                <a:cs typeface="+mn-cs"/>
-              </a:defRPr>
-            </a:lvl7pPr>
-            <a:lvl8pPr marL="3200400" indent="0" algn="ctr" defTabSz="914400" rtl="0" eaLnBrk="1" latinLnBrk="0" hangingPunct="1">
-              <a:lnSpc>
-                <a:spcPct val="90000"/>
-              </a:lnSpc>
-              <a:spcBef>
-                <a:spcPts val="500"/>
-              </a:spcBef>
-              <a:buFont typeface="Arial" panose="020B0604020202020204" pitchFamily="34" charset="0"/>
-              <a:buNone/>
-              <a:defRPr kumimoji="1" sz="1600" kern="1200">
-                <a:solidFill>
-                  <a:schemeClr val="tx1"/>
-                </a:solidFill>
-                <a:latin typeface="+mn-lt"/>
-                <a:ea typeface="+mn-ea"/>
-                <a:cs typeface="+mn-cs"/>
-              </a:defRPr>
-            </a:lvl8pPr>
-            <a:lvl9pPr marL="3657600" indent="0" algn="ctr" defTabSz="914400" rtl="0" eaLnBrk="1" latinLnBrk="0" hangingPunct="1">
-              <a:lnSpc>
-                <a:spcPct val="90000"/>
-              </a:lnSpc>
-              <a:spcBef>
-                <a:spcPts val="500"/>
-              </a:spcBef>
-              <a:buFont typeface="Arial" panose="020B0604020202020204" pitchFamily="34" charset="0"/>
-              <a:buNone/>
-              <a:defRPr kumimoji="1" sz="1600" kern="1200">
-                <a:solidFill>
-                  <a:schemeClr val="tx1"/>
-                </a:solidFill>
-                <a:latin typeface="+mn-lt"/>
-                <a:ea typeface="+mn-ea"/>
-                <a:cs typeface="+mn-cs"/>
-              </a:defRPr>
-            </a:lvl9pPr>
-          </a:lstStyle>
-          <a:p>
-            <a:pPr algn="l"/>
-            <a:r>
-              <a:rPr lang="en-US" sz="3600" b="1" dirty="0">
-                <a:solidFill>
-                  <a:srgbClr val="0064B5"/>
-                </a:solidFill>
-              </a:rPr>
-              <a:t>JavaScript </a:t>
-            </a:r>
-            <a:r>
-              <a:rPr lang="en-US" sz="3600" b="1" dirty="0" smtClean="0">
-                <a:solidFill>
-                  <a:srgbClr val="0064B5"/>
-                </a:solidFill>
-              </a:rPr>
-              <a:t>conditional statements - Switch</a:t>
-            </a:r>
-            <a:endParaRPr lang="en-US" sz="3600" b="1" dirty="0">
-              <a:solidFill>
-                <a:srgbClr val="0064B5"/>
-              </a:solidFill>
-            </a:endParaRPr>
-          </a:p>
-        </p:txBody>
-      </p:sp>
-      <p:sp>
-        <p:nvSpPr>
-          <p:cNvPr id="8" name="Rectangle 7"/>
-          <p:cNvSpPr/>
-          <p:nvPr/>
-        </p:nvSpPr>
-        <p:spPr>
-          <a:xfrm>
-            <a:off x="352145" y="790716"/>
-            <a:ext cx="4973685" cy="4277673"/>
-          </a:xfrm>
-          <a:prstGeom prst="rect">
-            <a:avLst/>
-          </a:prstGeom>
-          <a:gradFill flip="none" rotWithShape="1">
-            <a:gsLst>
-              <a:gs pos="0">
-                <a:schemeClr val="bg2"/>
-              </a:gs>
-              <a:gs pos="50000">
-                <a:schemeClr val="accent3">
-                  <a:lumMod val="20000"/>
-                  <a:lumOff val="80000"/>
-                  <a:shade val="67500"/>
-                  <a:satMod val="115000"/>
-                </a:schemeClr>
-              </a:gs>
-              <a:gs pos="100000">
-                <a:schemeClr val="accent3">
-                  <a:lumMod val="20000"/>
-                  <a:lumOff val="80000"/>
-                  <a:shade val="100000"/>
-                  <a:satMod val="115000"/>
-                </a:schemeClr>
-              </a:gs>
-            </a:gsLst>
-            <a:lin ang="6600000" scaled="0"/>
-            <a:tileRect/>
-          </a:gradFill>
-          <a:ln>
-            <a:solidFill>
-              <a:schemeClr val="tx1">
-                <a:lumMod val="50000"/>
-                <a:lumOff val="50000"/>
-              </a:schemeClr>
-            </a:solidFill>
-          </a:ln>
-        </p:spPr>
-        <p:style>
-          <a:lnRef idx="2">
-            <a:schemeClr val="accent1">
-              <a:shade val="50000"/>
-            </a:schemeClr>
-          </a:lnRef>
-          <a:fillRef idx="1">
-            <a:schemeClr val="accent1"/>
-          </a:fillRef>
-          <a:effectRef idx="0">
-            <a:schemeClr val="accent1"/>
-          </a:effectRef>
-          <a:fontRef idx="minor">
-            <a:schemeClr val="lt1"/>
-          </a:fontRef>
-        </p:style>
-        <p:txBody>
-          <a:bodyPr rtlCol="0" anchor="ctr"/>
-          <a:lstStyle/>
-          <a:p>
-            <a:r>
-              <a:rPr lang="en-US" sz="1500" b="1" u="sng" dirty="0" smtClean="0">
-                <a:solidFill>
-                  <a:schemeClr val="tx1"/>
-                </a:solidFill>
-              </a:rPr>
-              <a:t>Example:</a:t>
-            </a:r>
-            <a:endParaRPr lang="en-US" sz="1500" b="1" u="sng" dirty="0">
-              <a:solidFill>
-                <a:schemeClr val="tx1"/>
-              </a:solidFill>
-            </a:endParaRPr>
-          </a:p>
-          <a:p>
-            <a:r>
-              <a:rPr lang="en-US" sz="1500" dirty="0">
-                <a:solidFill>
-                  <a:schemeClr val="tx1"/>
-                </a:solidFill>
-              </a:rPr>
-              <a:t>let a = 2</a:t>
-            </a:r>
-            <a:r>
-              <a:rPr lang="en-US" sz="1500" dirty="0" smtClean="0">
-                <a:solidFill>
-                  <a:schemeClr val="tx1"/>
-                </a:solidFill>
-              </a:rPr>
-              <a:t>;</a:t>
-            </a:r>
-          </a:p>
-          <a:p>
-            <a:endParaRPr lang="en-US" sz="1500" dirty="0" smtClean="0">
-              <a:solidFill>
-                <a:schemeClr val="tx1"/>
-              </a:solidFill>
-            </a:endParaRPr>
-          </a:p>
-          <a:p>
-            <a:r>
-              <a:rPr lang="en-US" sz="1500" dirty="0" smtClean="0">
-                <a:solidFill>
-                  <a:schemeClr val="tx1"/>
-                </a:solidFill>
-              </a:rPr>
-              <a:t>switch </a:t>
-            </a:r>
-            <a:r>
-              <a:rPr lang="en-US" sz="1500" dirty="0">
-                <a:solidFill>
-                  <a:schemeClr val="tx1"/>
-                </a:solidFill>
-              </a:rPr>
-              <a:t>(a) {</a:t>
-            </a:r>
-          </a:p>
-          <a:p>
-            <a:endParaRPr lang="en-US" sz="1500" dirty="0">
-              <a:solidFill>
-                <a:schemeClr val="tx1"/>
-              </a:solidFill>
-            </a:endParaRPr>
-          </a:p>
-          <a:p>
-            <a:r>
-              <a:rPr lang="en-US" sz="1500" dirty="0">
-                <a:solidFill>
-                  <a:schemeClr val="tx1"/>
-                </a:solidFill>
-              </a:rPr>
-              <a:t>    case 1:</a:t>
-            </a:r>
-          </a:p>
-          <a:p>
-            <a:r>
-              <a:rPr lang="en-US" sz="1500" dirty="0">
-                <a:solidFill>
-                  <a:schemeClr val="tx1"/>
-                </a:solidFill>
-              </a:rPr>
-              <a:t>        a = 'one';</a:t>
-            </a:r>
-          </a:p>
-          <a:p>
-            <a:r>
-              <a:rPr lang="en-US" sz="1500" dirty="0">
-                <a:solidFill>
-                  <a:schemeClr val="tx1"/>
-                </a:solidFill>
-              </a:rPr>
-              <a:t>        break;</a:t>
-            </a:r>
-          </a:p>
-          <a:p>
-            <a:r>
-              <a:rPr lang="en-US" sz="1500" dirty="0">
-                <a:solidFill>
-                  <a:schemeClr val="tx1"/>
-                </a:solidFill>
-              </a:rPr>
-              <a:t>    case 2:</a:t>
-            </a:r>
-          </a:p>
-          <a:p>
-            <a:r>
-              <a:rPr lang="en-US" sz="1500" dirty="0">
-                <a:solidFill>
-                  <a:schemeClr val="tx1"/>
-                </a:solidFill>
-              </a:rPr>
-              <a:t>        a = 'two';</a:t>
-            </a:r>
-          </a:p>
-          <a:p>
-            <a:r>
-              <a:rPr lang="en-US" sz="1500" dirty="0">
-                <a:solidFill>
-                  <a:schemeClr val="tx1"/>
-                </a:solidFill>
-              </a:rPr>
-              <a:t>        break;</a:t>
-            </a:r>
-          </a:p>
-          <a:p>
-            <a:r>
-              <a:rPr lang="en-US" sz="1500" dirty="0">
-                <a:solidFill>
-                  <a:schemeClr val="tx1"/>
-                </a:solidFill>
-              </a:rPr>
-              <a:t>    default:</a:t>
-            </a:r>
-          </a:p>
-          <a:p>
-            <a:r>
-              <a:rPr lang="en-US" sz="1500" dirty="0">
-                <a:solidFill>
-                  <a:schemeClr val="tx1"/>
-                </a:solidFill>
-              </a:rPr>
-              <a:t>        a = 'not found';</a:t>
-            </a:r>
-          </a:p>
-          <a:p>
-            <a:r>
-              <a:rPr lang="en-US" sz="1500" dirty="0">
-                <a:solidFill>
-                  <a:schemeClr val="tx1"/>
-                </a:solidFill>
-              </a:rPr>
-              <a:t>        break;</a:t>
-            </a:r>
-          </a:p>
-          <a:p>
-            <a:r>
-              <a:rPr lang="en-US" sz="1500" dirty="0">
-                <a:solidFill>
-                  <a:schemeClr val="tx1"/>
-                </a:solidFill>
-              </a:rPr>
-              <a:t>}</a:t>
-            </a:r>
-          </a:p>
-          <a:p>
-            <a:r>
-              <a:rPr lang="en-US" sz="1500" dirty="0">
-                <a:solidFill>
-                  <a:schemeClr val="tx1"/>
-                </a:solidFill>
-              </a:rPr>
-              <a:t>console.log(`The value is </a:t>
-            </a:r>
-            <a:r>
-              <a:rPr lang="en-US" sz="1500" dirty="0" smtClean="0">
-                <a:solidFill>
-                  <a:schemeClr val="tx1"/>
-                </a:solidFill>
-              </a:rPr>
-              <a:t>‘+{</a:t>
-            </a:r>
-            <a:r>
-              <a:rPr lang="en-US" sz="1500" dirty="0">
-                <a:solidFill>
-                  <a:schemeClr val="tx1"/>
-                </a:solidFill>
-              </a:rPr>
-              <a:t>a</a:t>
-            </a:r>
-            <a:r>
-              <a:rPr lang="en-US" sz="1500" dirty="0" smtClean="0">
-                <a:solidFill>
-                  <a:schemeClr val="tx1"/>
-                </a:solidFill>
-              </a:rPr>
-              <a:t>});</a:t>
-            </a:r>
-          </a:p>
-        </p:txBody>
-      </p:sp>
-      <p:sp>
-        <p:nvSpPr>
-          <p:cNvPr id="11" name="Rectangle 10"/>
-          <p:cNvSpPr/>
-          <p:nvPr/>
-        </p:nvSpPr>
-        <p:spPr>
-          <a:xfrm>
-            <a:off x="5828598" y="790716"/>
-            <a:ext cx="4973685" cy="4277673"/>
-          </a:xfrm>
-          <a:prstGeom prst="rect">
-            <a:avLst/>
-          </a:prstGeom>
-          <a:gradFill flip="none" rotWithShape="1">
-            <a:gsLst>
-              <a:gs pos="0">
-                <a:schemeClr val="bg2"/>
-              </a:gs>
-              <a:gs pos="50000">
-                <a:schemeClr val="accent3">
-                  <a:lumMod val="20000"/>
-                  <a:lumOff val="80000"/>
-                  <a:shade val="67500"/>
-                  <a:satMod val="115000"/>
-                </a:schemeClr>
-              </a:gs>
-              <a:gs pos="100000">
-                <a:schemeClr val="accent3">
-                  <a:lumMod val="20000"/>
-                  <a:lumOff val="80000"/>
-                  <a:shade val="100000"/>
-                  <a:satMod val="115000"/>
-                </a:schemeClr>
-              </a:gs>
-            </a:gsLst>
-            <a:lin ang="6600000" scaled="0"/>
-            <a:tileRect/>
-          </a:gradFill>
-          <a:ln>
-            <a:solidFill>
-              <a:schemeClr val="tx1">
-                <a:lumMod val="50000"/>
-                <a:lumOff val="50000"/>
-              </a:schemeClr>
-            </a:solidFill>
-          </a:ln>
-        </p:spPr>
-        <p:style>
-          <a:lnRef idx="2">
-            <a:schemeClr val="accent1">
-              <a:shade val="50000"/>
-            </a:schemeClr>
-          </a:lnRef>
-          <a:fillRef idx="1">
-            <a:schemeClr val="accent1"/>
-          </a:fillRef>
-          <a:effectRef idx="0">
-            <a:schemeClr val="accent1"/>
-          </a:effectRef>
-          <a:fontRef idx="minor">
-            <a:schemeClr val="lt1"/>
-          </a:fontRef>
-        </p:style>
-        <p:txBody>
-          <a:bodyPr rtlCol="0" anchor="ctr"/>
-          <a:lstStyle/>
-          <a:p>
-            <a:r>
-              <a:rPr lang="en-US" sz="1500" b="1" u="sng" dirty="0">
-                <a:solidFill>
-                  <a:schemeClr val="tx1"/>
-                </a:solidFill>
-              </a:rPr>
-              <a:t>Example:</a:t>
-            </a:r>
-          </a:p>
-          <a:p>
-            <a:r>
-              <a:rPr lang="en-US" sz="1500" dirty="0">
-                <a:solidFill>
-                  <a:schemeClr val="tx1"/>
-                </a:solidFill>
-              </a:rPr>
-              <a:t>let</a:t>
-            </a:r>
-            <a:r>
-              <a:rPr lang="en-US" sz="1500" dirty="0" smtClean="0">
-                <a:solidFill>
-                  <a:schemeClr val="tx1"/>
-                </a:solidFill>
-              </a:rPr>
-              <a:t> </a:t>
-            </a:r>
-            <a:r>
-              <a:rPr lang="en-US" sz="1500" dirty="0" err="1">
-                <a:solidFill>
-                  <a:schemeClr val="tx1"/>
-                </a:solidFill>
-              </a:rPr>
-              <a:t>str</a:t>
-            </a:r>
-            <a:r>
-              <a:rPr lang="en-US" sz="1500" dirty="0">
-                <a:solidFill>
-                  <a:schemeClr val="tx1"/>
-                </a:solidFill>
-              </a:rPr>
-              <a:t> = "bill";</a:t>
-            </a:r>
-          </a:p>
-          <a:p>
-            <a:endParaRPr lang="en-US" sz="1500" dirty="0">
-              <a:solidFill>
-                <a:schemeClr val="tx1"/>
-              </a:solidFill>
-            </a:endParaRPr>
-          </a:p>
-          <a:p>
-            <a:r>
-              <a:rPr lang="en-US" sz="1500" dirty="0">
-                <a:solidFill>
-                  <a:schemeClr val="tx1"/>
-                </a:solidFill>
-              </a:rPr>
-              <a:t>switch (</a:t>
-            </a:r>
-            <a:r>
-              <a:rPr lang="en-US" sz="1500" dirty="0" err="1">
-                <a:solidFill>
-                  <a:schemeClr val="tx1"/>
-                </a:solidFill>
-              </a:rPr>
-              <a:t>str</a:t>
-            </a:r>
-            <a:r>
-              <a:rPr lang="en-US" sz="1500" dirty="0">
-                <a:solidFill>
-                  <a:schemeClr val="tx1"/>
-                </a:solidFill>
-              </a:rPr>
-              <a:t>) </a:t>
-            </a:r>
-          </a:p>
-          <a:p>
-            <a:r>
-              <a:rPr lang="en-US" sz="1500" dirty="0">
-                <a:solidFill>
-                  <a:schemeClr val="tx1"/>
-                </a:solidFill>
-              </a:rPr>
-              <a:t>{</a:t>
-            </a:r>
-          </a:p>
-          <a:p>
-            <a:r>
-              <a:rPr lang="en-US" sz="1500" dirty="0">
-                <a:solidFill>
-                  <a:schemeClr val="tx1"/>
-                </a:solidFill>
-              </a:rPr>
-              <a:t>    case "</a:t>
-            </a:r>
-            <a:r>
-              <a:rPr lang="en-US" sz="1500" dirty="0" err="1">
-                <a:solidFill>
-                  <a:schemeClr val="tx1"/>
-                </a:solidFill>
-              </a:rPr>
-              <a:t>steve</a:t>
-            </a:r>
-            <a:r>
-              <a:rPr lang="en-US" sz="1500" dirty="0">
-                <a:solidFill>
-                  <a:schemeClr val="tx1"/>
-                </a:solidFill>
-              </a:rPr>
-              <a:t>":</a:t>
-            </a:r>
-          </a:p>
-          <a:p>
-            <a:r>
-              <a:rPr lang="en-US" sz="1500" dirty="0">
-                <a:solidFill>
-                  <a:schemeClr val="tx1"/>
-                </a:solidFill>
-              </a:rPr>
-              <a:t>        alert("This is Steve");</a:t>
-            </a:r>
-          </a:p>
-          <a:p>
-            <a:r>
-              <a:rPr lang="en-US" sz="1500" dirty="0">
-                <a:solidFill>
-                  <a:schemeClr val="tx1"/>
-                </a:solidFill>
-              </a:rPr>
-              <a:t>    case "bill":</a:t>
-            </a:r>
-          </a:p>
-          <a:p>
-            <a:r>
-              <a:rPr lang="en-US" sz="1500" dirty="0">
-                <a:solidFill>
-                  <a:schemeClr val="tx1"/>
-                </a:solidFill>
-              </a:rPr>
-              <a:t>        alert("This is Bill");</a:t>
-            </a:r>
-          </a:p>
-          <a:p>
-            <a:r>
-              <a:rPr lang="en-US" sz="1500" dirty="0">
-                <a:solidFill>
-                  <a:schemeClr val="tx1"/>
-                </a:solidFill>
-              </a:rPr>
-              <a:t>        break;</a:t>
-            </a:r>
-          </a:p>
-          <a:p>
-            <a:r>
-              <a:rPr lang="en-US" sz="1500" dirty="0">
-                <a:solidFill>
-                  <a:schemeClr val="tx1"/>
-                </a:solidFill>
-              </a:rPr>
-              <a:t>    case "john":</a:t>
-            </a:r>
-          </a:p>
-          <a:p>
-            <a:r>
-              <a:rPr lang="en-US" sz="1500" dirty="0">
-                <a:solidFill>
-                  <a:schemeClr val="tx1"/>
-                </a:solidFill>
-              </a:rPr>
-              <a:t>        alert("This is John");</a:t>
-            </a:r>
-          </a:p>
-          <a:p>
-            <a:r>
-              <a:rPr lang="en-US" sz="1500" dirty="0">
-                <a:solidFill>
-                  <a:schemeClr val="tx1"/>
-                </a:solidFill>
-              </a:rPr>
-              <a:t>        break;</a:t>
-            </a:r>
-          </a:p>
-          <a:p>
-            <a:r>
-              <a:rPr lang="en-US" sz="1500" dirty="0">
-                <a:solidFill>
-                  <a:schemeClr val="tx1"/>
-                </a:solidFill>
-              </a:rPr>
-              <a:t>    default:</a:t>
-            </a:r>
-          </a:p>
-          <a:p>
-            <a:r>
-              <a:rPr lang="en-US" sz="1500" dirty="0">
-                <a:solidFill>
-                  <a:schemeClr val="tx1"/>
-                </a:solidFill>
-              </a:rPr>
-              <a:t>        alert("Unknown Person");</a:t>
-            </a:r>
-          </a:p>
-          <a:p>
-            <a:r>
-              <a:rPr lang="en-US" sz="1500" dirty="0">
-                <a:solidFill>
-                  <a:schemeClr val="tx1"/>
-                </a:solidFill>
-              </a:rPr>
-              <a:t>        break;</a:t>
-            </a:r>
-          </a:p>
-          <a:p>
-            <a:r>
-              <a:rPr lang="en-US" sz="1500" dirty="0" smtClean="0">
-                <a:solidFill>
-                  <a:schemeClr val="tx1"/>
-                </a:solidFill>
-              </a:rPr>
-              <a:t>}</a:t>
-            </a:r>
-          </a:p>
-        </p:txBody>
-      </p:sp>
-    </p:spTree>
-    <p:extLst>
-      <p:ext uri="{BB962C8B-B14F-4D97-AF65-F5344CB8AC3E}">
-        <p14:creationId xmlns="" xmlns:p14="http://schemas.microsoft.com/office/powerpoint/2010/main" val="2008029780"/>
+        <p14:creationId xmlns:p14="http://schemas.microsoft.com/office/powerpoint/2010/main" xmlns="" val="4062787881"/>
       </p:ext>
     </p:extLst>
   </p:cSld>
@@ -10634,7 +3727,7 @@
     </p:spTree>
     <p:extLst>
       <p:ext uri="{BB962C8B-B14F-4D97-AF65-F5344CB8AC3E}">
-        <p14:creationId xmlns="" xmlns:p14="http://schemas.microsoft.com/office/powerpoint/2010/main" val="4167289064"/>
+        <p14:creationId xmlns:p14="http://schemas.microsoft.com/office/powerpoint/2010/main" xmlns="" val="4167289064"/>
       </p:ext>
     </p:extLst>
   </p:cSld>
@@ -11305,7 +4398,7 @@
     </p:spTree>
     <p:extLst>
       <p:ext uri="{BB962C8B-B14F-4D97-AF65-F5344CB8AC3E}">
-        <p14:creationId xmlns="" xmlns:p14="http://schemas.microsoft.com/office/powerpoint/2010/main" val="2630542178"/>
+        <p14:creationId xmlns:p14="http://schemas.microsoft.com/office/powerpoint/2010/main" xmlns="" val="2630542178"/>
       </p:ext>
     </p:extLst>
   </p:cSld>
@@ -11870,7 +4963,7 @@
     </p:spTree>
     <p:extLst>
       <p:ext uri="{BB962C8B-B14F-4D97-AF65-F5344CB8AC3E}">
-        <p14:creationId xmlns="" xmlns:p14="http://schemas.microsoft.com/office/powerpoint/2010/main" val="3489281536"/>
+        <p14:creationId xmlns:p14="http://schemas.microsoft.com/office/powerpoint/2010/main" xmlns="" val="3489281536"/>
       </p:ext>
     </p:extLst>
   </p:cSld>
@@ -12119,7 +5212,7 @@
           <p:nvPr>
             <p:extLst>
               <p:ext uri="{D42A27DB-BD31-4B8C-83A1-F6EECF244321}">
-                <p14:modId xmlns="" xmlns:p14="http://schemas.microsoft.com/office/powerpoint/2010/main" val="1200004312"/>
+                <p14:modId xmlns:p14="http://schemas.microsoft.com/office/powerpoint/2010/main" xmlns="" val="1200004312"/>
               </p:ext>
             </p:extLst>
           </p:nvPr>
@@ -12138,14 +5231,14 @@
                 <a:gridCol w="3187737">
                   <a:extLst>
                     <a:ext uri="{9D8B030D-6E8A-4147-A177-3AD203B41FA5}">
-                      <a16:colId xmlns="" xmlns:a16="http://schemas.microsoft.com/office/drawing/2014/main" val="3478525792"/>
+                      <a16:colId xmlns:a16="http://schemas.microsoft.com/office/drawing/2014/main" xmlns="" val="3478525792"/>
                     </a:ext>
                   </a:extLst>
                 </a:gridCol>
                 <a:gridCol w="7592966">
                   <a:extLst>
                     <a:ext uri="{9D8B030D-6E8A-4147-A177-3AD203B41FA5}">
-                      <a16:colId xmlns="" xmlns:a16="http://schemas.microsoft.com/office/drawing/2014/main" val="758128924"/>
+                      <a16:colId xmlns:a16="http://schemas.microsoft.com/office/drawing/2014/main" xmlns="" val="758128924"/>
                     </a:ext>
                   </a:extLst>
                 </a:gridCol>
@@ -12213,7 +5306,7 @@
                 </a:tc>
                 <a:extLst>
                   <a:ext uri="{0D108BD9-81ED-4DB2-BD59-A6C34878D82A}">
-                    <a16:rowId xmlns="" xmlns:a16="http://schemas.microsoft.com/office/drawing/2014/main" val="1739176940"/>
+                    <a16:rowId xmlns:a16="http://schemas.microsoft.com/office/drawing/2014/main" xmlns="" val="1739176940"/>
                   </a:ext>
                 </a:extLst>
               </a:tr>
@@ -12266,7 +5359,7 @@
                 </a:tc>
                 <a:extLst>
                   <a:ext uri="{0D108BD9-81ED-4DB2-BD59-A6C34878D82A}">
-                    <a16:rowId xmlns="" xmlns:a16="http://schemas.microsoft.com/office/drawing/2014/main" val="1259775395"/>
+                    <a16:rowId xmlns:a16="http://schemas.microsoft.com/office/drawing/2014/main" xmlns="" val="1259775395"/>
                   </a:ext>
                 </a:extLst>
               </a:tr>
@@ -12319,7 +5412,7 @@
                 </a:tc>
                 <a:extLst>
                   <a:ext uri="{0D108BD9-81ED-4DB2-BD59-A6C34878D82A}">
-                    <a16:rowId xmlns="" xmlns:a16="http://schemas.microsoft.com/office/drawing/2014/main" val="472364976"/>
+                    <a16:rowId xmlns:a16="http://schemas.microsoft.com/office/drawing/2014/main" xmlns="" val="472364976"/>
                   </a:ext>
                 </a:extLst>
               </a:tr>
@@ -12372,7 +5465,7 @@
                 </a:tc>
                 <a:extLst>
                   <a:ext uri="{0D108BD9-81ED-4DB2-BD59-A6C34878D82A}">
-                    <a16:rowId xmlns="" xmlns:a16="http://schemas.microsoft.com/office/drawing/2014/main" val="2436068800"/>
+                    <a16:rowId xmlns:a16="http://schemas.microsoft.com/office/drawing/2014/main" xmlns="" val="2436068800"/>
                   </a:ext>
                 </a:extLst>
               </a:tr>
@@ -12500,7 +5593,7 @@
                 </a:tc>
                 <a:extLst>
                   <a:ext uri="{0D108BD9-81ED-4DB2-BD59-A6C34878D82A}">
-                    <a16:rowId xmlns="" xmlns:a16="http://schemas.microsoft.com/office/drawing/2014/main" val="2660880856"/>
+                    <a16:rowId xmlns:a16="http://schemas.microsoft.com/office/drawing/2014/main" xmlns="" val="2660880856"/>
                   </a:ext>
                 </a:extLst>
               </a:tr>
@@ -12553,7 +5646,7 @@
                 </a:tc>
                 <a:extLst>
                   <a:ext uri="{0D108BD9-81ED-4DB2-BD59-A6C34878D82A}">
-                    <a16:rowId xmlns="" xmlns:a16="http://schemas.microsoft.com/office/drawing/2014/main" val="3669380881"/>
+                    <a16:rowId xmlns:a16="http://schemas.microsoft.com/office/drawing/2014/main" xmlns="" val="3669380881"/>
                   </a:ext>
                 </a:extLst>
               </a:tr>
@@ -12726,7 +5819,7 @@
     </p:spTree>
     <p:extLst>
       <p:ext uri="{BB962C8B-B14F-4D97-AF65-F5344CB8AC3E}">
-        <p14:creationId xmlns="" xmlns:p14="http://schemas.microsoft.com/office/powerpoint/2010/main" val="1280473000"/>
+        <p14:creationId xmlns:p14="http://schemas.microsoft.com/office/powerpoint/2010/main" xmlns="" val="1280473000"/>
       </p:ext>
     </p:extLst>
   </p:cSld>
@@ -13096,7 +6189,7 @@
     </p:spTree>
     <p:extLst>
       <p:ext uri="{BB962C8B-B14F-4D97-AF65-F5344CB8AC3E}">
-        <p14:creationId xmlns="" xmlns:p14="http://schemas.microsoft.com/office/powerpoint/2010/main" val="3214238033"/>
+        <p14:creationId xmlns:p14="http://schemas.microsoft.com/office/powerpoint/2010/main" xmlns="" val="3214238033"/>
       </p:ext>
     </p:extLst>
   </p:cSld>
@@ -13345,7 +6438,7 @@
           <p:nvPr>
             <p:extLst>
               <p:ext uri="{D42A27DB-BD31-4B8C-83A1-F6EECF244321}">
-                <p14:modId xmlns="" xmlns:p14="http://schemas.microsoft.com/office/powerpoint/2010/main" val="363288962"/>
+                <p14:modId xmlns:p14="http://schemas.microsoft.com/office/powerpoint/2010/main" xmlns="" val="363288962"/>
               </p:ext>
             </p:extLst>
           </p:nvPr>
@@ -13364,14 +6457,14 @@
                 <a:gridCol w="2508925">
                   <a:extLst>
                     <a:ext uri="{9D8B030D-6E8A-4147-A177-3AD203B41FA5}">
-                      <a16:colId xmlns="" xmlns:a16="http://schemas.microsoft.com/office/drawing/2014/main" val="3478525792"/>
+                      <a16:colId xmlns:a16="http://schemas.microsoft.com/office/drawing/2014/main" xmlns="" val="3478525792"/>
                     </a:ext>
                   </a:extLst>
                 </a:gridCol>
                 <a:gridCol w="5976084">
                   <a:extLst>
                     <a:ext uri="{9D8B030D-6E8A-4147-A177-3AD203B41FA5}">
-                      <a16:colId xmlns="" xmlns:a16="http://schemas.microsoft.com/office/drawing/2014/main" val="758128924"/>
+                      <a16:colId xmlns:a16="http://schemas.microsoft.com/office/drawing/2014/main" xmlns="" val="758128924"/>
                     </a:ext>
                   </a:extLst>
                 </a:gridCol>
@@ -13439,7 +6532,7 @@
                 </a:tc>
                 <a:extLst>
                   <a:ext uri="{0D108BD9-81ED-4DB2-BD59-A6C34878D82A}">
-                    <a16:rowId xmlns="" xmlns:a16="http://schemas.microsoft.com/office/drawing/2014/main" val="1739176940"/>
+                    <a16:rowId xmlns:a16="http://schemas.microsoft.com/office/drawing/2014/main" xmlns="" val="1739176940"/>
                   </a:ext>
                 </a:extLst>
               </a:tr>
@@ -13498,7 +6591,7 @@
                 </a:tc>
                 <a:extLst>
                   <a:ext uri="{0D108BD9-81ED-4DB2-BD59-A6C34878D82A}">
-                    <a16:rowId xmlns="" xmlns:a16="http://schemas.microsoft.com/office/drawing/2014/main" val="1259775395"/>
+                    <a16:rowId xmlns:a16="http://schemas.microsoft.com/office/drawing/2014/main" xmlns="" val="1259775395"/>
                   </a:ext>
                 </a:extLst>
               </a:tr>
@@ -13563,7 +6656,7 @@
                 </a:tc>
                 <a:extLst>
                   <a:ext uri="{0D108BD9-81ED-4DB2-BD59-A6C34878D82A}">
-                    <a16:rowId xmlns="" xmlns:a16="http://schemas.microsoft.com/office/drawing/2014/main" val="472364976"/>
+                    <a16:rowId xmlns:a16="http://schemas.microsoft.com/office/drawing/2014/main" xmlns="" val="472364976"/>
                   </a:ext>
                 </a:extLst>
               </a:tr>
@@ -13956,7 +7049,7 @@
     </p:spTree>
     <p:extLst>
       <p:ext uri="{BB962C8B-B14F-4D97-AF65-F5344CB8AC3E}">
-        <p14:creationId xmlns="" xmlns:p14="http://schemas.microsoft.com/office/powerpoint/2010/main" val="1022184082"/>
+        <p14:creationId xmlns:p14="http://schemas.microsoft.com/office/powerpoint/2010/main" xmlns="" val="1022184082"/>
       </p:ext>
     </p:extLst>
   </p:cSld>
@@ -14539,7 +7632,7 @@
     </p:spTree>
     <p:extLst>
       <p:ext uri="{BB962C8B-B14F-4D97-AF65-F5344CB8AC3E}">
-        <p14:creationId xmlns="" xmlns:p14="http://schemas.microsoft.com/office/powerpoint/2010/main" val="3123922874"/>
+        <p14:creationId xmlns:p14="http://schemas.microsoft.com/office/powerpoint/2010/main" xmlns="" val="3123922874"/>
       </p:ext>
     </p:extLst>
   </p:cSld>
@@ -15120,7 +8213,7 @@
           <p:nvPr>
             <p:extLst>
               <p:ext uri="{D42A27DB-BD31-4B8C-83A1-F6EECF244321}">
-                <p14:modId xmlns="" xmlns:p14="http://schemas.microsoft.com/office/powerpoint/2010/main" val="511922059"/>
+                <p14:modId xmlns:p14="http://schemas.microsoft.com/office/powerpoint/2010/main" xmlns="" val="511922059"/>
               </p:ext>
             </p:extLst>
           </p:nvPr>
@@ -15137,14 +8230,14 @@
                 <a:gridCol w="1522386">
                   <a:extLst>
                     <a:ext uri="{9D8B030D-6E8A-4147-A177-3AD203B41FA5}">
-                      <a16:colId xmlns="" xmlns:a16="http://schemas.microsoft.com/office/drawing/2014/main" val="1298278947"/>
+                      <a16:colId xmlns:a16="http://schemas.microsoft.com/office/drawing/2014/main" xmlns="" val="1298278947"/>
                     </a:ext>
                   </a:extLst>
                 </a:gridCol>
                 <a:gridCol w="4810786">
                   <a:extLst>
                     <a:ext uri="{9D8B030D-6E8A-4147-A177-3AD203B41FA5}">
-                      <a16:colId xmlns="" xmlns:a16="http://schemas.microsoft.com/office/drawing/2014/main" val="3021137129"/>
+                      <a16:colId xmlns:a16="http://schemas.microsoft.com/office/drawing/2014/main" xmlns="" val="3021137129"/>
                     </a:ext>
                   </a:extLst>
                 </a:gridCol>
@@ -15270,7 +8363,7 @@
                 </a:tc>
                 <a:extLst>
                   <a:ext uri="{0D108BD9-81ED-4DB2-BD59-A6C34878D82A}">
-                    <a16:rowId xmlns="" xmlns:a16="http://schemas.microsoft.com/office/drawing/2014/main" val="558158283"/>
+                    <a16:rowId xmlns:a16="http://schemas.microsoft.com/office/drawing/2014/main" xmlns="" val="558158283"/>
                   </a:ext>
                 </a:extLst>
               </a:tr>
@@ -15395,7 +8488,7 @@
                 </a:tc>
                 <a:extLst>
                   <a:ext uri="{0D108BD9-81ED-4DB2-BD59-A6C34878D82A}">
-                    <a16:rowId xmlns="" xmlns:a16="http://schemas.microsoft.com/office/drawing/2014/main" val="130034651"/>
+                    <a16:rowId xmlns:a16="http://schemas.microsoft.com/office/drawing/2014/main" xmlns="" val="130034651"/>
                   </a:ext>
                 </a:extLst>
               </a:tr>
@@ -15520,7 +8613,7 @@
                 </a:tc>
                 <a:extLst>
                   <a:ext uri="{0D108BD9-81ED-4DB2-BD59-A6C34878D82A}">
-                    <a16:rowId xmlns="" xmlns:a16="http://schemas.microsoft.com/office/drawing/2014/main" val="1186045554"/>
+                    <a16:rowId xmlns:a16="http://schemas.microsoft.com/office/drawing/2014/main" xmlns="" val="1186045554"/>
                   </a:ext>
                 </a:extLst>
               </a:tr>
@@ -15645,7 +8738,7 @@
                 </a:tc>
                 <a:extLst>
                   <a:ext uri="{0D108BD9-81ED-4DB2-BD59-A6C34878D82A}">
-                    <a16:rowId xmlns="" xmlns:a16="http://schemas.microsoft.com/office/drawing/2014/main" val="2318512856"/>
+                    <a16:rowId xmlns:a16="http://schemas.microsoft.com/office/drawing/2014/main" xmlns="" val="2318512856"/>
                   </a:ext>
                 </a:extLst>
               </a:tr>
@@ -15770,7 +8863,7 @@
                 </a:tc>
                 <a:extLst>
                   <a:ext uri="{0D108BD9-81ED-4DB2-BD59-A6C34878D82A}">
-                    <a16:rowId xmlns="" xmlns:a16="http://schemas.microsoft.com/office/drawing/2014/main" val="782262787"/>
+                    <a16:rowId xmlns:a16="http://schemas.microsoft.com/office/drawing/2014/main" xmlns="" val="782262787"/>
                   </a:ext>
                 </a:extLst>
               </a:tr>
@@ -15895,7 +8988,7 @@
                 </a:tc>
                 <a:extLst>
                   <a:ext uri="{0D108BD9-81ED-4DB2-BD59-A6C34878D82A}">
-                    <a16:rowId xmlns="" xmlns:a16="http://schemas.microsoft.com/office/drawing/2014/main" val="2926860559"/>
+                    <a16:rowId xmlns:a16="http://schemas.microsoft.com/office/drawing/2014/main" xmlns="" val="2926860559"/>
                   </a:ext>
                 </a:extLst>
               </a:tr>
@@ -16020,7 +9113,7 @@
                 </a:tc>
                 <a:extLst>
                   <a:ext uri="{0D108BD9-81ED-4DB2-BD59-A6C34878D82A}">
-                    <a16:rowId xmlns="" xmlns:a16="http://schemas.microsoft.com/office/drawing/2014/main" val="1882143872"/>
+                    <a16:rowId xmlns:a16="http://schemas.microsoft.com/office/drawing/2014/main" xmlns="" val="1882143872"/>
                   </a:ext>
                 </a:extLst>
               </a:tr>
@@ -16145,7 +9238,7 @@
                 </a:tc>
                 <a:extLst>
                   <a:ext uri="{0D108BD9-81ED-4DB2-BD59-A6C34878D82A}">
-                    <a16:rowId xmlns="" xmlns:a16="http://schemas.microsoft.com/office/drawing/2014/main" val="3497719988"/>
+                    <a16:rowId xmlns:a16="http://schemas.microsoft.com/office/drawing/2014/main" xmlns="" val="3497719988"/>
                   </a:ext>
                 </a:extLst>
               </a:tr>
@@ -16156,7 +9249,7 @@
     </p:spTree>
     <p:extLst>
       <p:ext uri="{BB962C8B-B14F-4D97-AF65-F5344CB8AC3E}">
-        <p14:creationId xmlns="" xmlns:p14="http://schemas.microsoft.com/office/powerpoint/2010/main" val="3689399395"/>
+        <p14:creationId xmlns:p14="http://schemas.microsoft.com/office/powerpoint/2010/main" xmlns="" val="3689399395"/>
       </p:ext>
     </p:extLst>
   </p:cSld>
@@ -16428,7 +9521,7 @@
   <a:extraClrSchemeLst/>
   <a:extLst>
     <a:ext uri="{05A4C25C-085E-4340-85A3-A5531E510DB2}">
-      <thm15:themeFamily xmlns="" xmlns:thm15="http://schemas.microsoft.com/office/thememl/2012/main" name="Office Theme" id="{62F939B6-93AF-4DB8-9C6B-D6C7DFDC589F}" vid="{4A3C46E8-61CC-4603-A589-7422A47A8E4A}"/>
+      <thm15:themeFamily xmlns:thm15="http://schemas.microsoft.com/office/thememl/2012/main" xmlns="" name="Office Theme" id="{62F939B6-93AF-4DB8-9C6B-D6C7DFDC589F}" vid="{4A3C46E8-61CC-4603-A589-7422A47A8E4A}"/>
     </a:ext>
   </a:extLst>
 </a:theme>
